--- a/ML-intro.pptx
+++ b/ML-intro.pptx
@@ -282,7 +282,7 @@
   </p:defaultTextStyle>
   <p:extLst>
     <p:ext uri="http://customooxmlschemas.google.com/">
-      <go:slidesCustomData xmlns:go="http://customooxmlschemas.google.com/" r:id="rId31" roundtripDataSignature="AMtx7mhzHK/YVM0kNgHDu/soBYKOPhygcg=="/>
+      <go:slidesCustomData xmlns:go="http://customooxmlschemas.google.com/" r:id="rId31" roundtripDataSignature="AMtx7mjg4DDanXEjAIfO2+TLotbRWQK6ww=="/>
     </p:ext>
   </p:extLst>
 </p:presentation>
@@ -1439,7 +1439,7 @@
   <p:cSld>
     <p:spTree>
       <p:nvGrpSpPr>
-        <p:cNvPr id="248" name="Shape 248"/>
+        <p:cNvPr id="247" name="Shape 247"/>
         <p:cNvGrpSpPr/>
         <p:nvPr/>
       </p:nvGrpSpPr>
@@ -1453,7 +1453,7 @@
       </p:grpSpPr>
       <p:sp>
         <p:nvSpPr>
-          <p:cNvPr id="249" name="Google Shape;249;p13:notes"/>
+          <p:cNvPr id="248" name="Google Shape;248;p13:notes"/>
           <p:cNvSpPr/>
           <p:nvPr>
             <p:ph idx="2" type="sldImg"/>
@@ -1498,7 +1498,7 @@
       </p:sp>
       <p:sp>
         <p:nvSpPr>
-          <p:cNvPr id="250" name="Google Shape;250;p13:notes"/>
+          <p:cNvPr id="249" name="Google Shape;249;p13:notes"/>
           <p:cNvSpPr txBox="1"/>
           <p:nvPr>
             <p:ph idx="1" type="body"/>
@@ -22192,7 +22192,7 @@
                   <a:schemeClr val="lt1"/>
                 </a:solidFill>
               </a:rPr>
-              <a:t>ML Workflow</a:t>
+              <a:t>Data visualization</a:t>
             </a:r>
             <a:endParaRPr sz="2200">
               <a:solidFill>
@@ -22202,43 +22202,16 @@
           </a:p>
         </p:txBody>
       </p:sp>
-      <p:pic>
-        <p:nvPicPr>
-          <p:cNvPr id="246" name="Google Shape;246;g18f6b048925_1_0"/>
-          <p:cNvPicPr preferRelativeResize="0"/>
-          <p:nvPr/>
-        </p:nvPicPr>
-        <p:blipFill rotWithShape="1">
-          <a:blip r:embed="rId3">
-            <a:alphaModFix/>
-          </a:blip>
-          <a:srcRect b="0" l="0" r="0" t="0"/>
-          <a:stretch/>
-        </p:blipFill>
-        <p:spPr>
-          <a:xfrm>
-            <a:off x="1755675" y="1573725"/>
-            <a:ext cx="5632650" cy="2818525"/>
-          </a:xfrm>
-          <a:prstGeom prst="rect">
-            <a:avLst/>
-          </a:prstGeom>
-          <a:noFill/>
-          <a:ln>
-            <a:noFill/>
-          </a:ln>
-        </p:spPr>
-      </p:pic>
       <p:sp>
         <p:nvSpPr>
-          <p:cNvPr id="247" name="Google Shape;247;g18f6b048925_1_0"/>
+          <p:cNvPr id="246" name="Google Shape;246;g18f6b048925_1_0"/>
           <p:cNvSpPr txBox="1"/>
           <p:nvPr/>
         </p:nvSpPr>
         <p:spPr>
           <a:xfrm>
-            <a:off x="3038838" y="4165250"/>
-            <a:ext cx="3066300" cy="369300"/>
+            <a:off x="220925" y="1356950"/>
+            <a:ext cx="4999500" cy="1416000"/>
           </a:xfrm>
           <a:prstGeom prst="rect">
             <a:avLst/>
@@ -22254,39 +22227,143 @@
           </a:bodyPr>
           <a:lstStyle/>
           <a:p>
-            <a:pPr indent="0" lvl="0" marL="0" marR="0" rtl="0" algn="ctr">
-              <a:lnSpc>
-                <a:spcPct val="100000"/>
-              </a:lnSpc>
-              <a:spcBef>
-                <a:spcPts val="0"/>
-              </a:spcBef>
-              <a:spcAft>
-                <a:spcPts val="0"/>
-              </a:spcAft>
-              <a:buClr>
-                <a:srgbClr val="000000"/>
-              </a:buClr>
-              <a:buSzPts val="1200"/>
-              <a:buFont typeface="Arial"/>
-              <a:buNone/>
+            <a:pPr indent="-330200" lvl="0" marL="457200" rtl="0" algn="l">
+              <a:spcBef>
+                <a:spcPts val="0"/>
+              </a:spcBef>
+              <a:spcAft>
+                <a:spcPts val="0"/>
+              </a:spcAft>
+              <a:buSzPts val="1600"/>
+              <a:buFont typeface="Catamaran Light"/>
+              <a:buChar char="●"/>
             </a:pPr>
             <a:r>
-              <a:rPr b="0" i="0" lang="es" sz="1200" u="none" cap="none" strike="noStrike">
-                <a:solidFill>
-                  <a:srgbClr val="000000"/>
-                </a:solidFill>
+              <a:rPr lang="es" sz="1600">
                 <a:latin typeface="Catamaran Light"/>
                 <a:ea typeface="Catamaran Light"/>
                 <a:cs typeface="Catamaran Light"/>
                 <a:sym typeface="Catamaran Light"/>
               </a:rPr>
-              <a:t>Figure 5: Typical ML development workflow</a:t>
+              <a:t>Great tool for understanding your data.</a:t>
             </a:r>
-            <a:endParaRPr b="0" i="0" sz="1200" u="none" cap="none" strike="noStrike">
-              <a:solidFill>
-                <a:srgbClr val="000000"/>
-              </a:solidFill>
+            <a:endParaRPr i="0" sz="1600" u="none" cap="none" strike="noStrike">
+              <a:latin typeface="Catamaran Light"/>
+              <a:ea typeface="Catamaran Light"/>
+              <a:cs typeface="Catamaran Light"/>
+              <a:sym typeface="Catamaran Light"/>
+            </a:endParaRPr>
+          </a:p>
+          <a:p>
+            <a:pPr indent="0" lvl="0" marL="457200" marR="0" rtl="0" algn="l">
+              <a:lnSpc>
+                <a:spcPct val="100000"/>
+              </a:lnSpc>
+              <a:spcBef>
+                <a:spcPts val="0"/>
+              </a:spcBef>
+              <a:spcAft>
+                <a:spcPts val="0"/>
+              </a:spcAft>
+              <a:buNone/>
+            </a:pPr>
+            <a:r>
+              <a:t/>
+            </a:r>
+            <a:endParaRPr sz="1600">
+              <a:latin typeface="Catamaran Light"/>
+              <a:ea typeface="Catamaran Light"/>
+              <a:cs typeface="Catamaran Light"/>
+              <a:sym typeface="Catamaran Light"/>
+            </a:endParaRPr>
+          </a:p>
+          <a:p>
+            <a:pPr indent="-330200" lvl="0" marL="457200" marR="0" rtl="0" algn="l">
+              <a:lnSpc>
+                <a:spcPct val="100000"/>
+              </a:lnSpc>
+              <a:spcBef>
+                <a:spcPts val="0"/>
+              </a:spcBef>
+              <a:spcAft>
+                <a:spcPts val="0"/>
+              </a:spcAft>
+              <a:buSzPts val="1600"/>
+              <a:buFont typeface="Catamaran Light"/>
+              <a:buChar char="●"/>
+            </a:pPr>
+            <a:r>
+              <a:rPr lang="es" sz="1600">
+                <a:latin typeface="Catamaran Light"/>
+                <a:ea typeface="Catamaran Light"/>
+                <a:cs typeface="Catamaran Light"/>
+                <a:sym typeface="Catamaran Light"/>
+              </a:rPr>
+              <a:t>Awesome python libraries make it very simple:</a:t>
+            </a:r>
+            <a:endParaRPr sz="1600">
+              <a:latin typeface="Catamaran Light"/>
+              <a:ea typeface="Catamaran Light"/>
+              <a:cs typeface="Catamaran Light"/>
+              <a:sym typeface="Catamaran Light"/>
+            </a:endParaRPr>
+          </a:p>
+          <a:p>
+            <a:pPr indent="-330200" lvl="1" marL="914400" marR="0" rtl="0" algn="l">
+              <a:lnSpc>
+                <a:spcPct val="100000"/>
+              </a:lnSpc>
+              <a:spcBef>
+                <a:spcPts val="0"/>
+              </a:spcBef>
+              <a:spcAft>
+                <a:spcPts val="0"/>
+              </a:spcAft>
+              <a:buSzPts val="1600"/>
+              <a:buFont typeface="Catamaran Light"/>
+              <a:buChar char="○"/>
+            </a:pPr>
+            <a:r>
+              <a:rPr lang="es" sz="1600">
+                <a:latin typeface="Catamaran Light"/>
+                <a:ea typeface="Catamaran Light"/>
+                <a:cs typeface="Catamaran Light"/>
+                <a:sym typeface="Catamaran Light"/>
+              </a:rPr>
+              <a:t>Matplotlib</a:t>
+            </a:r>
+            <a:endParaRPr sz="1600">
+              <a:latin typeface="Catamaran Light"/>
+              <a:ea typeface="Catamaran Light"/>
+              <a:cs typeface="Catamaran Light"/>
+              <a:sym typeface="Catamaran Light"/>
+            </a:endParaRPr>
+          </a:p>
+          <a:p>
+            <a:pPr indent="-330200" lvl="1" marL="914400" marR="0" rtl="0" algn="l">
+              <a:lnSpc>
+                <a:spcPct val="100000"/>
+              </a:lnSpc>
+              <a:spcBef>
+                <a:spcPts val="0"/>
+              </a:spcBef>
+              <a:spcAft>
+                <a:spcPts val="0"/>
+              </a:spcAft>
+              <a:buSzPts val="1600"/>
+              <a:buFont typeface="Catamaran Light"/>
+              <a:buChar char="○"/>
+            </a:pPr>
+            <a:r>
+              <a:rPr lang="es" sz="1600">
+                <a:latin typeface="Catamaran Light"/>
+                <a:ea typeface="Catamaran Light"/>
+                <a:cs typeface="Catamaran Light"/>
+                <a:sym typeface="Catamaran Light"/>
+              </a:rPr>
+              <a:t>Seaborn</a:t>
+            </a:r>
+            <a:endParaRPr sz="1600">
               <a:latin typeface="Catamaran Light"/>
               <a:ea typeface="Catamaran Light"/>
               <a:cs typeface="Catamaran Light"/>
@@ -22308,7 +22385,7 @@
   <p:cSld>
     <p:spTree>
       <p:nvGrpSpPr>
-        <p:cNvPr id="251" name="Shape 251"/>
+        <p:cNvPr id="250" name="Shape 250"/>
         <p:cNvGrpSpPr/>
         <p:nvPr/>
       </p:nvGrpSpPr>
@@ -22322,7 +22399,7 @@
       </p:grpSpPr>
       <p:sp>
         <p:nvSpPr>
-          <p:cNvPr id="252" name="Google Shape;252;p13"/>
+          <p:cNvPr id="251" name="Google Shape;251;p13"/>
           <p:cNvSpPr/>
           <p:nvPr/>
         </p:nvSpPr>
@@ -22381,7 +22458,7 @@
       </p:sp>
       <p:sp>
         <p:nvSpPr>
-          <p:cNvPr id="253" name="Google Shape;253;p13"/>
+          <p:cNvPr id="252" name="Google Shape;252;p13"/>
           <p:cNvSpPr txBox="1"/>
           <p:nvPr>
             <p:ph type="ctrTitle"/>
@@ -22437,7 +22514,7 @@
       </p:sp>
       <p:sp>
         <p:nvSpPr>
-          <p:cNvPr id="254" name="Google Shape;254;p13"/>
+          <p:cNvPr id="253" name="Google Shape;253;p13"/>
           <p:cNvSpPr txBox="1"/>
           <p:nvPr/>
         </p:nvSpPr>
@@ -22805,7 +22882,7 @@
       </p:sp>
       <p:pic>
         <p:nvPicPr>
-          <p:cNvPr id="255" name="Google Shape;255;p13"/>
+          <p:cNvPr id="254" name="Google Shape;254;p13"/>
           <p:cNvPicPr preferRelativeResize="0"/>
           <p:nvPr/>
         </p:nvPicPr>
@@ -22832,7 +22909,7 @@
       </p:pic>
       <p:pic>
         <p:nvPicPr>
-          <p:cNvPr id="256" name="Google Shape;256;p13"/>
+          <p:cNvPr id="255" name="Google Shape;255;p13"/>
           <p:cNvPicPr preferRelativeResize="0"/>
           <p:nvPr/>
         </p:nvPicPr>
@@ -22859,7 +22936,7 @@
       </p:pic>
       <p:pic>
         <p:nvPicPr>
-          <p:cNvPr id="257" name="Google Shape;257;p13"/>
+          <p:cNvPr id="256" name="Google Shape;256;p13"/>
           <p:cNvPicPr preferRelativeResize="0"/>
           <p:nvPr/>
         </p:nvPicPr>
@@ -22886,7 +22963,7 @@
       </p:pic>
       <p:pic>
         <p:nvPicPr>
-          <p:cNvPr id="258" name="Google Shape;258;p13"/>
+          <p:cNvPr id="257" name="Google Shape;257;p13"/>
           <p:cNvPicPr preferRelativeResize="0"/>
           <p:nvPr/>
         </p:nvPicPr>
@@ -22913,7 +22990,7 @@
       </p:pic>
       <p:sp>
         <p:nvSpPr>
-          <p:cNvPr id="259" name="Google Shape;259;p13"/>
+          <p:cNvPr id="258" name="Google Shape;258;p13"/>
           <p:cNvSpPr txBox="1"/>
           <p:nvPr/>
         </p:nvSpPr>
@@ -25933,6 +26010,285 @@
 </file>
 
 <file path=ppt/theme/theme1.xml><?xml version="1.0" encoding="utf-8"?>
+<a:theme xmlns:a="http://schemas.openxmlformats.org/drawingml/2006/main" xmlns:r="http://schemas.openxmlformats.org/officeDocument/2006/relationships" name="Engineering Project Proposal by Slidesgo">
+  <a:themeElements>
+    <a:clrScheme name="Simple Light">
+      <a:dk1>
+        <a:srgbClr val="434343"/>
+      </a:dk1>
+      <a:lt1>
+        <a:srgbClr val="FFFFFF"/>
+      </a:lt1>
+      <a:dk2>
+        <a:srgbClr val="595959"/>
+      </a:dk2>
+      <a:lt2>
+        <a:srgbClr val="EEEEEE"/>
+      </a:lt2>
+      <a:accent1>
+        <a:srgbClr val="908269"/>
+      </a:accent1>
+      <a:accent2>
+        <a:srgbClr val="212121"/>
+      </a:accent2>
+      <a:accent3>
+        <a:srgbClr val="CFC3AC"/>
+      </a:accent3>
+      <a:accent4>
+        <a:srgbClr val="976E26"/>
+      </a:accent4>
+      <a:accent5>
+        <a:srgbClr val="927D59"/>
+      </a:accent5>
+      <a:accent6>
+        <a:srgbClr val="584F3E"/>
+      </a:accent6>
+      <a:hlink>
+        <a:srgbClr val="434343"/>
+      </a:hlink>
+      <a:folHlink>
+        <a:srgbClr val="0097A7"/>
+      </a:folHlink>
+    </a:clrScheme>
+    <a:fontScheme name="Office">
+      <a:majorFont>
+        <a:latin typeface="Arial"/>
+        <a:ea typeface=""/>
+        <a:cs typeface=""/>
+        <a:font script="Jpan" typeface="ＭＳ Ｐゴシック"/>
+        <a:font script="Hang" typeface="맑은 고딕"/>
+        <a:font script="Hans" typeface="宋体"/>
+        <a:font script="Hant" typeface="新細明體"/>
+        <a:font script="Arab" typeface="Times New Roman"/>
+        <a:font script="Hebr" typeface="Times New Roman"/>
+        <a:font script="Thai" typeface="Angsana New"/>
+        <a:font script="Ethi" typeface="Nyala"/>
+        <a:font script="Beng" typeface="Vrinda"/>
+        <a:font script="Gujr" typeface="Shruti"/>
+        <a:font script="Khmr" typeface="MoolBoran"/>
+        <a:font script="Knda" typeface="Tunga"/>
+        <a:font script="Guru" typeface="Raavi"/>
+        <a:font script="Cans" typeface="Euphemia"/>
+        <a:font script="Cher" typeface="Plantagenet Cherokee"/>
+        <a:font script="Yiii" typeface="Microsoft Yi Baiti"/>
+        <a:font script="Tibt" typeface="Microsoft Himalaya"/>
+        <a:font script="Thaa" typeface="MV Boli"/>
+        <a:font script="Deva" typeface="Mangal"/>
+        <a:font script="Telu" typeface="Gautami"/>
+        <a:font script="Taml" typeface="Latha"/>
+        <a:font script="Syrc" typeface="Estrangelo Edessa"/>
+        <a:font script="Orya" typeface="Kalinga"/>
+        <a:font script="Mlym" typeface="Kartika"/>
+        <a:font script="Laoo" typeface="DokChampa"/>
+        <a:font script="Sinh" typeface="Iskoola Pota"/>
+        <a:font script="Mong" typeface="Mongolian Baiti"/>
+        <a:font script="Viet" typeface="Times New Roman"/>
+        <a:font script="Uigh" typeface="Microsoft Uighur"/>
+        <a:font script="Geor" typeface="Sylfaen"/>
+      </a:majorFont>
+      <a:minorFont>
+        <a:latin typeface="Arial"/>
+        <a:ea typeface=""/>
+        <a:cs typeface=""/>
+        <a:font script="Jpan" typeface="ＭＳ Ｐゴシック"/>
+        <a:font script="Hang" typeface="맑은 고딕"/>
+        <a:font script="Hans" typeface="宋体"/>
+        <a:font script="Hant" typeface="新細明體"/>
+        <a:font script="Arab" typeface="Arial"/>
+        <a:font script="Hebr" typeface="Arial"/>
+        <a:font script="Thai" typeface="Cordia New"/>
+        <a:font script="Ethi" typeface="Nyala"/>
+        <a:font script="Beng" typeface="Vrinda"/>
+        <a:font script="Gujr" typeface="Shruti"/>
+        <a:font script="Khmr" typeface="DaunPenh"/>
+        <a:font script="Knda" typeface="Tunga"/>
+        <a:font script="Guru" typeface="Raavi"/>
+        <a:font script="Cans" typeface="Euphemia"/>
+        <a:font script="Cher" typeface="Plantagenet Cherokee"/>
+        <a:font script="Yiii" typeface="Microsoft Yi Baiti"/>
+        <a:font script="Tibt" typeface="Microsoft Himalaya"/>
+        <a:font script="Thaa" typeface="MV Boli"/>
+        <a:font script="Deva" typeface="Mangal"/>
+        <a:font script="Telu" typeface="Gautami"/>
+        <a:font script="Taml" typeface="Latha"/>
+        <a:font script="Syrc" typeface="Estrangelo Edessa"/>
+        <a:font script="Orya" typeface="Kalinga"/>
+        <a:font script="Mlym" typeface="Kartika"/>
+        <a:font script="Laoo" typeface="DokChampa"/>
+        <a:font script="Sinh" typeface="Iskoola Pota"/>
+        <a:font script="Mong" typeface="Mongolian Baiti"/>
+        <a:font script="Viet" typeface="Arial"/>
+        <a:font script="Uigh" typeface="Microsoft Uighur"/>
+        <a:font script="Geor" typeface="Sylfaen"/>
+      </a:minorFont>
+    </a:fontScheme>
+    <a:fmtScheme name="Office">
+      <a:fillStyleLst>
+        <a:solidFill>
+          <a:schemeClr val="phClr"/>
+        </a:solidFill>
+        <a:gradFill rotWithShape="1">
+          <a:gsLst>
+            <a:gs pos="0">
+              <a:schemeClr val="phClr">
+                <a:tint val="50000"/>
+                <a:satMod val="300000"/>
+              </a:schemeClr>
+            </a:gs>
+            <a:gs pos="35000">
+              <a:schemeClr val="phClr">
+                <a:tint val="37000"/>
+                <a:satMod val="300000"/>
+              </a:schemeClr>
+            </a:gs>
+            <a:gs pos="100000">
+              <a:schemeClr val="phClr">
+                <a:tint val="15000"/>
+                <a:satMod val="350000"/>
+              </a:schemeClr>
+            </a:gs>
+          </a:gsLst>
+          <a:lin ang="16200000" scaled="1"/>
+        </a:gradFill>
+        <a:gradFill rotWithShape="1">
+          <a:gsLst>
+            <a:gs pos="0">
+              <a:schemeClr val="phClr">
+                <a:tint val="100000"/>
+                <a:shade val="100000"/>
+                <a:satMod val="130000"/>
+              </a:schemeClr>
+            </a:gs>
+            <a:gs pos="100000">
+              <a:schemeClr val="phClr">
+                <a:tint val="50000"/>
+                <a:shade val="100000"/>
+                <a:satMod val="350000"/>
+              </a:schemeClr>
+            </a:gs>
+          </a:gsLst>
+          <a:lin ang="16200000" scaled="0"/>
+        </a:gradFill>
+      </a:fillStyleLst>
+      <a:lnStyleLst>
+        <a:ln w="9525" cap="flat" cmpd="sng" algn="ctr">
+          <a:solidFill>
+            <a:schemeClr val="phClr">
+              <a:shade val="95000"/>
+              <a:satMod val="105000"/>
+            </a:schemeClr>
+          </a:solidFill>
+          <a:prstDash val="solid"/>
+        </a:ln>
+        <a:ln w="25400" cap="flat" cmpd="sng" algn="ctr">
+          <a:solidFill>
+            <a:schemeClr val="phClr"/>
+          </a:solidFill>
+          <a:prstDash val="solid"/>
+        </a:ln>
+        <a:ln w="38100" cap="flat" cmpd="sng" algn="ctr">
+          <a:solidFill>
+            <a:schemeClr val="phClr"/>
+          </a:solidFill>
+          <a:prstDash val="solid"/>
+        </a:ln>
+      </a:lnStyleLst>
+      <a:effectStyleLst>
+        <a:effectStyle>
+          <a:effectLst>
+            <a:outerShdw blurRad="40000" dist="20000" dir="5400000" rotWithShape="0">
+              <a:srgbClr val="000000">
+                <a:alpha val="38000"/>
+              </a:srgbClr>
+            </a:outerShdw>
+          </a:effectLst>
+        </a:effectStyle>
+        <a:effectStyle>
+          <a:effectLst>
+            <a:outerShdw blurRad="40000" dist="23000" dir="5400000" rotWithShape="0">
+              <a:srgbClr val="000000">
+                <a:alpha val="35000"/>
+              </a:srgbClr>
+            </a:outerShdw>
+          </a:effectLst>
+        </a:effectStyle>
+        <a:effectStyle>
+          <a:effectLst>
+            <a:outerShdw blurRad="40000" dist="23000" dir="5400000" rotWithShape="0">
+              <a:srgbClr val="000000">
+                <a:alpha val="35000"/>
+              </a:srgbClr>
+            </a:outerShdw>
+          </a:effectLst>
+          <a:scene3d>
+            <a:camera prst="orthographicFront">
+              <a:rot lat="0" lon="0" rev="0"/>
+            </a:camera>
+            <a:lightRig rig="threePt" dir="t">
+              <a:rot lat="0" lon="0" rev="1200000"/>
+            </a:lightRig>
+          </a:scene3d>
+          <a:sp3d>
+            <a:bevelT w="63500" h="25400"/>
+          </a:sp3d>
+        </a:effectStyle>
+      </a:effectStyleLst>
+      <a:bgFillStyleLst>
+        <a:solidFill>
+          <a:schemeClr val="phClr"/>
+        </a:solidFill>
+        <a:gradFill rotWithShape="1">
+          <a:gsLst>
+            <a:gs pos="0">
+              <a:schemeClr val="phClr">
+                <a:tint val="40000"/>
+                <a:satMod val="350000"/>
+              </a:schemeClr>
+            </a:gs>
+            <a:gs pos="40000">
+              <a:schemeClr val="phClr">
+                <a:tint val="45000"/>
+                <a:shade val="99000"/>
+                <a:satMod val="350000"/>
+              </a:schemeClr>
+            </a:gs>
+            <a:gs pos="100000">
+              <a:schemeClr val="phClr">
+                <a:shade val="20000"/>
+                <a:satMod val="255000"/>
+              </a:schemeClr>
+            </a:gs>
+          </a:gsLst>
+          <a:path path="circle">
+            <a:fillToRect l="50000" t="-80000" r="50000" b="180000"/>
+          </a:path>
+        </a:gradFill>
+        <a:gradFill rotWithShape="1">
+          <a:gsLst>
+            <a:gs pos="0">
+              <a:schemeClr val="phClr">
+                <a:tint val="80000"/>
+                <a:satMod val="300000"/>
+              </a:schemeClr>
+            </a:gs>
+            <a:gs pos="100000">
+              <a:schemeClr val="phClr">
+                <a:shade val="30000"/>
+                <a:satMod val="200000"/>
+              </a:schemeClr>
+            </a:gs>
+          </a:gsLst>
+          <a:path path="circle">
+            <a:fillToRect l="50000" t="50000" r="50000" b="50000"/>
+          </a:path>
+        </a:gradFill>
+      </a:bgFillStyleLst>
+    </a:fmtScheme>
+  </a:themeElements>
+</a:theme>
+</file>
+
+<file path=ppt/theme/theme2.xml><?xml version="1.0" encoding="utf-8"?>
 <a:theme xmlns:a="http://schemas.openxmlformats.org/drawingml/2006/main" xmlns:r="http://schemas.openxmlformats.org/officeDocument/2006/relationships">
   <a:themeElements>
     <a:clrScheme name="Default">
@@ -26209,283 +26565,4 @@
     </a:fmtScheme>
   </a:themeElements>
 </a:theme>
-</file>
-
-<file path=ppt/theme/theme2.xml><?xml version="1.0" encoding="utf-8"?>
-<a:theme xmlns:a="http://schemas.openxmlformats.org/drawingml/2006/main" xmlns:r="http://schemas.openxmlformats.org/officeDocument/2006/relationships" name="Engineering Project Proposal by Slidesgo">
-  <a:themeElements>
-    <a:clrScheme name="Simple Light">
-      <a:dk1>
-        <a:srgbClr val="434343"/>
-      </a:dk1>
-      <a:lt1>
-        <a:srgbClr val="FFFFFF"/>
-      </a:lt1>
-      <a:dk2>
-        <a:srgbClr val="595959"/>
-      </a:dk2>
-      <a:lt2>
-        <a:srgbClr val="EEEEEE"/>
-      </a:lt2>
-      <a:accent1>
-        <a:srgbClr val="908269"/>
-      </a:accent1>
-      <a:accent2>
-        <a:srgbClr val="212121"/>
-      </a:accent2>
-      <a:accent3>
-        <a:srgbClr val="CFC3AC"/>
-      </a:accent3>
-      <a:accent4>
-        <a:srgbClr val="976E26"/>
-      </a:accent4>
-      <a:accent5>
-        <a:srgbClr val="927D59"/>
-      </a:accent5>
-      <a:accent6>
-        <a:srgbClr val="584F3E"/>
-      </a:accent6>
-      <a:hlink>
-        <a:srgbClr val="434343"/>
-      </a:hlink>
-      <a:folHlink>
-        <a:srgbClr val="0097A7"/>
-      </a:folHlink>
-    </a:clrScheme>
-    <a:fontScheme name="Office">
-      <a:majorFont>
-        <a:latin typeface="Arial"/>
-        <a:ea typeface=""/>
-        <a:cs typeface=""/>
-        <a:font script="Jpan" typeface="ＭＳ Ｐゴシック"/>
-        <a:font script="Hang" typeface="맑은 고딕"/>
-        <a:font script="Hans" typeface="宋体"/>
-        <a:font script="Hant" typeface="新細明體"/>
-        <a:font script="Arab" typeface="Times New Roman"/>
-        <a:font script="Hebr" typeface="Times New Roman"/>
-        <a:font script="Thai" typeface="Angsana New"/>
-        <a:font script="Ethi" typeface="Nyala"/>
-        <a:font script="Beng" typeface="Vrinda"/>
-        <a:font script="Gujr" typeface="Shruti"/>
-        <a:font script="Khmr" typeface="MoolBoran"/>
-        <a:font script="Knda" typeface="Tunga"/>
-        <a:font script="Guru" typeface="Raavi"/>
-        <a:font script="Cans" typeface="Euphemia"/>
-        <a:font script="Cher" typeface="Plantagenet Cherokee"/>
-        <a:font script="Yiii" typeface="Microsoft Yi Baiti"/>
-        <a:font script="Tibt" typeface="Microsoft Himalaya"/>
-        <a:font script="Thaa" typeface="MV Boli"/>
-        <a:font script="Deva" typeface="Mangal"/>
-        <a:font script="Telu" typeface="Gautami"/>
-        <a:font script="Taml" typeface="Latha"/>
-        <a:font script="Syrc" typeface="Estrangelo Edessa"/>
-        <a:font script="Orya" typeface="Kalinga"/>
-        <a:font script="Mlym" typeface="Kartika"/>
-        <a:font script="Laoo" typeface="DokChampa"/>
-        <a:font script="Sinh" typeface="Iskoola Pota"/>
-        <a:font script="Mong" typeface="Mongolian Baiti"/>
-        <a:font script="Viet" typeface="Times New Roman"/>
-        <a:font script="Uigh" typeface="Microsoft Uighur"/>
-        <a:font script="Geor" typeface="Sylfaen"/>
-      </a:majorFont>
-      <a:minorFont>
-        <a:latin typeface="Arial"/>
-        <a:ea typeface=""/>
-        <a:cs typeface=""/>
-        <a:font script="Jpan" typeface="ＭＳ Ｐゴシック"/>
-        <a:font script="Hang" typeface="맑은 고딕"/>
-        <a:font script="Hans" typeface="宋体"/>
-        <a:font script="Hant" typeface="新細明體"/>
-        <a:font script="Arab" typeface="Arial"/>
-        <a:font script="Hebr" typeface="Arial"/>
-        <a:font script="Thai" typeface="Cordia New"/>
-        <a:font script="Ethi" typeface="Nyala"/>
-        <a:font script="Beng" typeface="Vrinda"/>
-        <a:font script="Gujr" typeface="Shruti"/>
-        <a:font script="Khmr" typeface="DaunPenh"/>
-        <a:font script="Knda" typeface="Tunga"/>
-        <a:font script="Guru" typeface="Raavi"/>
-        <a:font script="Cans" typeface="Euphemia"/>
-        <a:font script="Cher" typeface="Plantagenet Cherokee"/>
-        <a:font script="Yiii" typeface="Microsoft Yi Baiti"/>
-        <a:font script="Tibt" typeface="Microsoft Himalaya"/>
-        <a:font script="Thaa" typeface="MV Boli"/>
-        <a:font script="Deva" typeface="Mangal"/>
-        <a:font script="Telu" typeface="Gautami"/>
-        <a:font script="Taml" typeface="Latha"/>
-        <a:font script="Syrc" typeface="Estrangelo Edessa"/>
-        <a:font script="Orya" typeface="Kalinga"/>
-        <a:font script="Mlym" typeface="Kartika"/>
-        <a:font script="Laoo" typeface="DokChampa"/>
-        <a:font script="Sinh" typeface="Iskoola Pota"/>
-        <a:font script="Mong" typeface="Mongolian Baiti"/>
-        <a:font script="Viet" typeface="Arial"/>
-        <a:font script="Uigh" typeface="Microsoft Uighur"/>
-        <a:font script="Geor" typeface="Sylfaen"/>
-      </a:minorFont>
-    </a:fontScheme>
-    <a:fmtScheme name="Office">
-      <a:fillStyleLst>
-        <a:solidFill>
-          <a:schemeClr val="phClr"/>
-        </a:solidFill>
-        <a:gradFill rotWithShape="1">
-          <a:gsLst>
-            <a:gs pos="0">
-              <a:schemeClr val="phClr">
-                <a:tint val="50000"/>
-                <a:satMod val="300000"/>
-              </a:schemeClr>
-            </a:gs>
-            <a:gs pos="35000">
-              <a:schemeClr val="phClr">
-                <a:tint val="37000"/>
-                <a:satMod val="300000"/>
-              </a:schemeClr>
-            </a:gs>
-            <a:gs pos="100000">
-              <a:schemeClr val="phClr">
-                <a:tint val="15000"/>
-                <a:satMod val="350000"/>
-              </a:schemeClr>
-            </a:gs>
-          </a:gsLst>
-          <a:lin ang="16200000" scaled="1"/>
-        </a:gradFill>
-        <a:gradFill rotWithShape="1">
-          <a:gsLst>
-            <a:gs pos="0">
-              <a:schemeClr val="phClr">
-                <a:tint val="100000"/>
-                <a:shade val="100000"/>
-                <a:satMod val="130000"/>
-              </a:schemeClr>
-            </a:gs>
-            <a:gs pos="100000">
-              <a:schemeClr val="phClr">
-                <a:tint val="50000"/>
-                <a:shade val="100000"/>
-                <a:satMod val="350000"/>
-              </a:schemeClr>
-            </a:gs>
-          </a:gsLst>
-          <a:lin ang="16200000" scaled="0"/>
-        </a:gradFill>
-      </a:fillStyleLst>
-      <a:lnStyleLst>
-        <a:ln w="9525" cap="flat" cmpd="sng" algn="ctr">
-          <a:solidFill>
-            <a:schemeClr val="phClr">
-              <a:shade val="95000"/>
-              <a:satMod val="105000"/>
-            </a:schemeClr>
-          </a:solidFill>
-          <a:prstDash val="solid"/>
-        </a:ln>
-        <a:ln w="25400" cap="flat" cmpd="sng" algn="ctr">
-          <a:solidFill>
-            <a:schemeClr val="phClr"/>
-          </a:solidFill>
-          <a:prstDash val="solid"/>
-        </a:ln>
-        <a:ln w="38100" cap="flat" cmpd="sng" algn="ctr">
-          <a:solidFill>
-            <a:schemeClr val="phClr"/>
-          </a:solidFill>
-          <a:prstDash val="solid"/>
-        </a:ln>
-      </a:lnStyleLst>
-      <a:effectStyleLst>
-        <a:effectStyle>
-          <a:effectLst>
-            <a:outerShdw blurRad="40000" dist="20000" dir="5400000" rotWithShape="0">
-              <a:srgbClr val="000000">
-                <a:alpha val="38000"/>
-              </a:srgbClr>
-            </a:outerShdw>
-          </a:effectLst>
-        </a:effectStyle>
-        <a:effectStyle>
-          <a:effectLst>
-            <a:outerShdw blurRad="40000" dist="23000" dir="5400000" rotWithShape="0">
-              <a:srgbClr val="000000">
-                <a:alpha val="35000"/>
-              </a:srgbClr>
-            </a:outerShdw>
-          </a:effectLst>
-        </a:effectStyle>
-        <a:effectStyle>
-          <a:effectLst>
-            <a:outerShdw blurRad="40000" dist="23000" dir="5400000" rotWithShape="0">
-              <a:srgbClr val="000000">
-                <a:alpha val="35000"/>
-              </a:srgbClr>
-            </a:outerShdw>
-          </a:effectLst>
-          <a:scene3d>
-            <a:camera prst="orthographicFront">
-              <a:rot lat="0" lon="0" rev="0"/>
-            </a:camera>
-            <a:lightRig rig="threePt" dir="t">
-              <a:rot lat="0" lon="0" rev="1200000"/>
-            </a:lightRig>
-          </a:scene3d>
-          <a:sp3d>
-            <a:bevelT w="63500" h="25400"/>
-          </a:sp3d>
-        </a:effectStyle>
-      </a:effectStyleLst>
-      <a:bgFillStyleLst>
-        <a:solidFill>
-          <a:schemeClr val="phClr"/>
-        </a:solidFill>
-        <a:gradFill rotWithShape="1">
-          <a:gsLst>
-            <a:gs pos="0">
-              <a:schemeClr val="phClr">
-                <a:tint val="40000"/>
-                <a:satMod val="350000"/>
-              </a:schemeClr>
-            </a:gs>
-            <a:gs pos="40000">
-              <a:schemeClr val="phClr">
-                <a:tint val="45000"/>
-                <a:shade val="99000"/>
-                <a:satMod val="350000"/>
-              </a:schemeClr>
-            </a:gs>
-            <a:gs pos="100000">
-              <a:schemeClr val="phClr">
-                <a:shade val="20000"/>
-                <a:satMod val="255000"/>
-              </a:schemeClr>
-            </a:gs>
-          </a:gsLst>
-          <a:path path="circle">
-            <a:fillToRect l="50000" t="-80000" r="50000" b="180000"/>
-          </a:path>
-        </a:gradFill>
-        <a:gradFill rotWithShape="1">
-          <a:gsLst>
-            <a:gs pos="0">
-              <a:schemeClr val="phClr">
-                <a:tint val="80000"/>
-                <a:satMod val="300000"/>
-              </a:schemeClr>
-            </a:gs>
-            <a:gs pos="100000">
-              <a:schemeClr val="phClr">
-                <a:shade val="30000"/>
-                <a:satMod val="200000"/>
-              </a:schemeClr>
-            </a:gs>
-          </a:gsLst>
-          <a:path path="circle">
-            <a:fillToRect l="50000" t="50000" r="50000" b="50000"/>
-          </a:path>
-        </a:gradFill>
-      </a:bgFillStyleLst>
-    </a:fmtScheme>
-  </a:themeElements>
-</a:theme>
 </file>
--- a/ML-intro.pptx
+++ b/ML-intro.pptx
@@ -22,33 +22,41 @@
     <p:sldId id="267" r:id="rId16"/>
     <p:sldId id="268" r:id="rId17"/>
     <p:sldId id="269" r:id="rId18"/>
+    <p:sldId id="270" r:id="rId19"/>
+    <p:sldId id="271" r:id="rId20"/>
+    <p:sldId id="272" r:id="rId21"/>
+    <p:sldId id="273" r:id="rId22"/>
+    <p:sldId id="274" r:id="rId23"/>
+    <p:sldId id="275" r:id="rId24"/>
+    <p:sldId id="276" r:id="rId25"/>
+    <p:sldId id="277" r:id="rId26"/>
   </p:sldIdLst>
   <p:sldSz cy="5143500" cx="9144000"/>
   <p:notesSz cx="6858000" cy="9144000"/>
   <p:embeddedFontLst>
     <p:embeddedFont>
       <p:font typeface="Catamaran"/>
-      <p:regular r:id="rId19"/>
-      <p:bold r:id="rId20"/>
+      <p:regular r:id="rId27"/>
+      <p:bold r:id="rId28"/>
     </p:embeddedFont>
     <p:embeddedFont>
       <p:font typeface="Fira Sans Extra Condensed Medium"/>
-      <p:regular r:id="rId21"/>
-      <p:bold r:id="rId22"/>
-      <p:italic r:id="rId23"/>
-      <p:boldItalic r:id="rId24"/>
+      <p:regular r:id="rId29"/>
+      <p:bold r:id="rId30"/>
+      <p:italic r:id="rId31"/>
+      <p:boldItalic r:id="rId32"/>
     </p:embeddedFont>
     <p:embeddedFont>
       <p:font typeface="Livvic"/>
-      <p:regular r:id="rId25"/>
-      <p:bold r:id="rId26"/>
-      <p:italic r:id="rId27"/>
-      <p:boldItalic r:id="rId28"/>
+      <p:regular r:id="rId33"/>
+      <p:bold r:id="rId34"/>
+      <p:italic r:id="rId35"/>
+      <p:boldItalic r:id="rId36"/>
     </p:embeddedFont>
     <p:embeddedFont>
       <p:font typeface="Catamaran Light"/>
-      <p:regular r:id="rId29"/>
-      <p:bold r:id="rId30"/>
+      <p:regular r:id="rId37"/>
+      <p:bold r:id="rId38"/>
     </p:embeddedFont>
   </p:embeddedFontLst>
   <p:defaultTextStyle>
@@ -282,7 +290,7 @@
   </p:defaultTextStyle>
   <p:extLst>
     <p:ext uri="http://customooxmlschemas.google.com/">
-      <go:slidesCustomData xmlns:go="http://customooxmlschemas.google.com/" r:id="rId31" roundtripDataSignature="AMtx7mjg4DDanXEjAIfO2+TLotbRWQK6ww=="/>
+      <go:slidesCustomData xmlns:go="http://customooxmlschemas.google.com/" r:id="rId39" roundtripDataSignature="AMtx7mjnNMEZmixas+hQ3X0ZdpiOVQHqNw=="/>
     </p:ext>
   </p:extLst>
 </p:presentation>
@@ -971,7 +979,7 @@
   <p:cSld>
     <p:spTree>
       <p:nvGrpSpPr>
-        <p:cNvPr id="208" name="Shape 208"/>
+        <p:cNvPr id="215" name="Shape 215"/>
         <p:cNvGrpSpPr/>
         <p:nvPr/>
       </p:nvGrpSpPr>
@@ -985,7 +993,7 @@
       </p:grpSpPr>
       <p:sp>
         <p:nvSpPr>
-          <p:cNvPr id="209" name="Google Shape;209;p10:notes"/>
+          <p:cNvPr id="216" name="Google Shape;216;p11:notes"/>
           <p:cNvSpPr/>
           <p:nvPr>
             <p:ph idx="2" type="sldImg"/>
@@ -1030,7 +1038,7 @@
       </p:sp>
       <p:sp>
         <p:nvSpPr>
-          <p:cNvPr id="210" name="Google Shape;210;p10:notes"/>
+          <p:cNvPr id="217" name="Google Shape;217;p11:notes"/>
           <p:cNvSpPr txBox="1"/>
           <p:nvPr>
             <p:ph idx="1" type="body"/>
@@ -1088,7 +1096,7 @@
   <p:cSld>
     <p:spTree>
       <p:nvGrpSpPr>
-        <p:cNvPr id="216" name="Shape 216"/>
+        <p:cNvPr id="220" name="Shape 220"/>
         <p:cNvGrpSpPr/>
         <p:nvPr/>
       </p:nvGrpSpPr>
@@ -1102,7 +1110,7 @@
       </p:grpSpPr>
       <p:sp>
         <p:nvSpPr>
-          <p:cNvPr id="217" name="Google Shape;217;p11:notes"/>
+          <p:cNvPr id="221" name="Google Shape;221;p12:notes"/>
           <p:cNvSpPr/>
           <p:nvPr>
             <p:ph idx="2" type="sldImg"/>
@@ -1147,7 +1155,7 @@
       </p:sp>
       <p:sp>
         <p:nvSpPr>
-          <p:cNvPr id="218" name="Google Shape;218;p11:notes"/>
+          <p:cNvPr id="222" name="Google Shape;222;p12:notes"/>
           <p:cNvSpPr txBox="1"/>
           <p:nvPr>
             <p:ph idx="1" type="body"/>
@@ -1205,7 +1213,7 @@
   <p:cSld>
     <p:spTree>
       <p:nvGrpSpPr>
-        <p:cNvPr id="221" name="Shape 221"/>
+        <p:cNvPr id="239" name="Shape 239"/>
         <p:cNvGrpSpPr/>
         <p:nvPr/>
       </p:nvGrpSpPr>
@@ -1219,7 +1227,7 @@
       </p:grpSpPr>
       <p:sp>
         <p:nvSpPr>
-          <p:cNvPr id="222" name="Google Shape;222;p12:notes"/>
+          <p:cNvPr id="240" name="Google Shape;240;g18f6b048925_1_0:notes"/>
           <p:cNvSpPr/>
           <p:nvPr>
             <p:ph idx="2" type="sldImg"/>
@@ -1264,7 +1272,7 @@
       </p:sp>
       <p:sp>
         <p:nvSpPr>
-          <p:cNvPr id="223" name="Google Shape;223;p12:notes"/>
+          <p:cNvPr id="241" name="Google Shape;241;g18f6b048925_1_0:notes"/>
           <p:cNvSpPr txBox="1"/>
           <p:nvPr>
             <p:ph idx="1" type="body"/>
@@ -1322,7 +1330,7 @@
   <p:cSld>
     <p:spTree>
       <p:nvGrpSpPr>
-        <p:cNvPr id="240" name="Shape 240"/>
+        <p:cNvPr id="250" name="Shape 250"/>
         <p:cNvGrpSpPr/>
         <p:nvPr/>
       </p:nvGrpSpPr>
@@ -1336,7 +1344,7 @@
       </p:grpSpPr>
       <p:sp>
         <p:nvSpPr>
-          <p:cNvPr id="241" name="Google Shape;241;g18f6b048925_1_0:notes"/>
+          <p:cNvPr id="251" name="Google Shape;251;g190ffb19d87_0_6:notes"/>
           <p:cNvSpPr/>
           <p:nvPr>
             <p:ph idx="2" type="sldImg"/>
@@ -1381,7 +1389,7 @@
       </p:sp>
       <p:sp>
         <p:nvSpPr>
-          <p:cNvPr id="242" name="Google Shape;242;g18f6b048925_1_0:notes"/>
+          <p:cNvPr id="252" name="Google Shape;252;g190ffb19d87_0_6:notes"/>
           <p:cNvSpPr txBox="1"/>
           <p:nvPr>
             <p:ph idx="1" type="body"/>
@@ -1439,7 +1447,7 @@
   <p:cSld>
     <p:spTree>
       <p:nvGrpSpPr>
-        <p:cNvPr id="247" name="Shape 247"/>
+        <p:cNvPr id="259" name="Shape 259"/>
         <p:cNvGrpSpPr/>
         <p:nvPr/>
       </p:nvGrpSpPr>
@@ -1453,7 +1461,7 @@
       </p:grpSpPr>
       <p:sp>
         <p:nvSpPr>
-          <p:cNvPr id="248" name="Google Shape;248;p13:notes"/>
+          <p:cNvPr id="260" name="Google Shape;260;g190ffb19d87_0_31:notes"/>
           <p:cNvSpPr/>
           <p:nvPr>
             <p:ph idx="2" type="sldImg"/>
@@ -1498,7 +1506,592 @@
       </p:sp>
       <p:sp>
         <p:nvSpPr>
-          <p:cNvPr id="249" name="Google Shape;249;p13:notes"/>
+          <p:cNvPr id="261" name="Google Shape;261;g190ffb19d87_0_31:notes"/>
+          <p:cNvSpPr txBox="1"/>
+          <p:nvPr>
+            <p:ph idx="1" type="body"/>
+          </p:nvPr>
+        </p:nvSpPr>
+        <p:spPr>
+          <a:xfrm>
+            <a:off x="685800" y="4343400"/>
+            <a:ext cx="5486400" cy="4114800"/>
+          </a:xfrm>
+          <a:prstGeom prst="rect">
+            <a:avLst/>
+          </a:prstGeom>
+          <a:noFill/>
+          <a:ln>
+            <a:noFill/>
+          </a:ln>
+        </p:spPr>
+        <p:txBody>
+          <a:bodyPr anchorCtr="0" anchor="t" bIns="91425" lIns="91425" spcFirstLastPara="1" rIns="91425" wrap="square" tIns="91425">
+            <a:noAutofit/>
+          </a:bodyPr>
+          <a:lstStyle/>
+          <a:p>
+            <a:pPr indent="0" lvl="0" marL="0" rtl="0" algn="l">
+              <a:lnSpc>
+                <a:spcPct val="100000"/>
+              </a:lnSpc>
+              <a:spcBef>
+                <a:spcPts val="0"/>
+              </a:spcBef>
+              <a:spcAft>
+                <a:spcPts val="0"/>
+              </a:spcAft>
+              <a:buSzPts val="1100"/>
+              <a:buNone/>
+            </a:pPr>
+            <a:r>
+              <a:t/>
+            </a:r>
+            <a:endParaRPr/>
+          </a:p>
+        </p:txBody>
+      </p:sp>
+    </p:spTree>
+  </p:cSld>
+  <p:clrMapOvr>
+    <a:masterClrMapping/>
+  </p:clrMapOvr>
+</p:notes>
+</file>
+
+<file path=ppt/notesSlides/notesSlide15.xml><?xml version="1.0" encoding="utf-8"?>
+<p:notes xmlns:a="http://schemas.openxmlformats.org/drawingml/2006/main" xmlns:r="http://schemas.openxmlformats.org/officeDocument/2006/relationships" xmlns:mc="http://schemas.openxmlformats.org/markup-compatibility/2006" xmlns:mv="urn:schemas-microsoft-com:mac:vml" xmlns:p="http://schemas.openxmlformats.org/presentationml/2006/main" xmlns:c="http://schemas.openxmlformats.org/drawingml/2006/chart" xmlns:dgm="http://schemas.openxmlformats.org/drawingml/2006/diagram" xmlns:o="urn:schemas-microsoft-com:office:office" xmlns:v="urn:schemas-microsoft-com:vml" xmlns:pvml="urn:schemas-microsoft-com:office:powerpoint" xmlns:com="http://schemas.openxmlformats.org/drawingml/2006/compatibility" xmlns:p14="http://schemas.microsoft.com/office/powerpoint/2010/main" xmlns:p15="http://schemas.microsoft.com/office/powerpoint/2012/main" xmlns:ahyp="http://schemas.microsoft.com/office/drawing/2018/hyperlinkcolor" showMasterPhAnim="0" showMasterSp="0">
+  <p:cSld>
+    <p:spTree>
+      <p:nvGrpSpPr>
+        <p:cNvPr id="264" name="Shape 264"/>
+        <p:cNvGrpSpPr/>
+        <p:nvPr/>
+      </p:nvGrpSpPr>
+      <p:grpSpPr>
+        <a:xfrm>
+          <a:off x="0" y="0"/>
+          <a:ext cx="0" cy="0"/>
+          <a:chOff x="0" y="0"/>
+          <a:chExt cx="0" cy="0"/>
+        </a:xfrm>
+      </p:grpSpPr>
+      <p:sp>
+        <p:nvSpPr>
+          <p:cNvPr id="265" name="Google Shape;265;p13:notes"/>
+          <p:cNvSpPr/>
+          <p:nvPr>
+            <p:ph idx="2" type="sldImg"/>
+          </p:nvPr>
+        </p:nvSpPr>
+        <p:spPr>
+          <a:xfrm>
+            <a:off x="381300" y="685800"/>
+            <a:ext cx="6096000" cy="3429000"/>
+          </a:xfrm>
+          <a:custGeom>
+            <a:rect b="b" l="l" r="r" t="t"/>
+            <a:pathLst>
+              <a:path extrusionOk="0" h="120000" w="120000">
+                <a:moveTo>
+                  <a:pt x="0" y="0"/>
+                </a:moveTo>
+                <a:lnTo>
+                  <a:pt x="120000" y="0"/>
+                </a:lnTo>
+                <a:lnTo>
+                  <a:pt x="120000" y="120000"/>
+                </a:lnTo>
+                <a:lnTo>
+                  <a:pt x="0" y="120000"/>
+                </a:lnTo>
+                <a:close/>
+              </a:path>
+            </a:pathLst>
+          </a:custGeom>
+          <a:noFill/>
+          <a:ln cap="flat" cmpd="sng" w="9525">
+            <a:solidFill>
+              <a:srgbClr val="000000"/>
+            </a:solidFill>
+            <a:prstDash val="solid"/>
+            <a:round/>
+            <a:headEnd len="sm" w="sm" type="none"/>
+            <a:tailEnd len="sm" w="sm" type="none"/>
+          </a:ln>
+        </p:spPr>
+      </p:sp>
+      <p:sp>
+        <p:nvSpPr>
+          <p:cNvPr id="266" name="Google Shape;266;p13:notes"/>
+          <p:cNvSpPr txBox="1"/>
+          <p:nvPr>
+            <p:ph idx="1" type="body"/>
+          </p:nvPr>
+        </p:nvSpPr>
+        <p:spPr>
+          <a:xfrm>
+            <a:off x="685800" y="4343400"/>
+            <a:ext cx="5486400" cy="4114800"/>
+          </a:xfrm>
+          <a:prstGeom prst="rect">
+            <a:avLst/>
+          </a:prstGeom>
+          <a:noFill/>
+          <a:ln>
+            <a:noFill/>
+          </a:ln>
+        </p:spPr>
+        <p:txBody>
+          <a:bodyPr anchorCtr="0" anchor="t" bIns="91425" lIns="91425" spcFirstLastPara="1" rIns="91425" wrap="square" tIns="91425">
+            <a:noAutofit/>
+          </a:bodyPr>
+          <a:lstStyle/>
+          <a:p>
+            <a:pPr indent="0" lvl="0" marL="0" rtl="0" algn="l">
+              <a:lnSpc>
+                <a:spcPct val="100000"/>
+              </a:lnSpc>
+              <a:spcBef>
+                <a:spcPts val="0"/>
+              </a:spcBef>
+              <a:spcAft>
+                <a:spcPts val="0"/>
+              </a:spcAft>
+              <a:buSzPts val="1100"/>
+              <a:buNone/>
+            </a:pPr>
+            <a:r>
+              <a:t/>
+            </a:r>
+            <a:endParaRPr/>
+          </a:p>
+        </p:txBody>
+      </p:sp>
+    </p:spTree>
+  </p:cSld>
+  <p:clrMapOvr>
+    <a:masterClrMapping/>
+  </p:clrMapOvr>
+</p:notes>
+</file>
+
+<file path=ppt/notesSlides/notesSlide16.xml><?xml version="1.0" encoding="utf-8"?>
+<p:notes xmlns:a="http://schemas.openxmlformats.org/drawingml/2006/main" xmlns:r="http://schemas.openxmlformats.org/officeDocument/2006/relationships" xmlns:mc="http://schemas.openxmlformats.org/markup-compatibility/2006" xmlns:mv="urn:schemas-microsoft-com:mac:vml" xmlns:p="http://schemas.openxmlformats.org/presentationml/2006/main" xmlns:c="http://schemas.openxmlformats.org/drawingml/2006/chart" xmlns:dgm="http://schemas.openxmlformats.org/drawingml/2006/diagram" xmlns:o="urn:schemas-microsoft-com:office:office" xmlns:v="urn:schemas-microsoft-com:vml" xmlns:pvml="urn:schemas-microsoft-com:office:powerpoint" xmlns:com="http://schemas.openxmlformats.org/drawingml/2006/compatibility" xmlns:p14="http://schemas.microsoft.com/office/powerpoint/2010/main" xmlns:p15="http://schemas.microsoft.com/office/powerpoint/2012/main" xmlns:ahyp="http://schemas.microsoft.com/office/drawing/2018/hyperlinkcolor" showMasterPhAnim="0" showMasterSp="0">
+  <p:cSld>
+    <p:spTree>
+      <p:nvGrpSpPr>
+        <p:cNvPr id="275" name="Shape 275"/>
+        <p:cNvGrpSpPr/>
+        <p:nvPr/>
+      </p:nvGrpSpPr>
+      <p:grpSpPr>
+        <a:xfrm>
+          <a:off x="0" y="0"/>
+          <a:ext cx="0" cy="0"/>
+          <a:chOff x="0" y="0"/>
+          <a:chExt cx="0" cy="0"/>
+        </a:xfrm>
+      </p:grpSpPr>
+      <p:sp>
+        <p:nvSpPr>
+          <p:cNvPr id="276" name="Google Shape;276;g190ffb19d87_0_36:notes"/>
+          <p:cNvSpPr/>
+          <p:nvPr>
+            <p:ph idx="2" type="sldImg"/>
+          </p:nvPr>
+        </p:nvSpPr>
+        <p:spPr>
+          <a:xfrm>
+            <a:off x="381300" y="685800"/>
+            <a:ext cx="6096000" cy="3429000"/>
+          </a:xfrm>
+          <a:custGeom>
+            <a:rect b="b" l="l" r="r" t="t"/>
+            <a:pathLst>
+              <a:path extrusionOk="0" h="120000" w="120000">
+                <a:moveTo>
+                  <a:pt x="0" y="0"/>
+                </a:moveTo>
+                <a:lnTo>
+                  <a:pt x="120000" y="0"/>
+                </a:lnTo>
+                <a:lnTo>
+                  <a:pt x="120000" y="120000"/>
+                </a:lnTo>
+                <a:lnTo>
+                  <a:pt x="0" y="120000"/>
+                </a:lnTo>
+                <a:close/>
+              </a:path>
+            </a:pathLst>
+          </a:custGeom>
+          <a:noFill/>
+          <a:ln cap="flat" cmpd="sng" w="9525">
+            <a:solidFill>
+              <a:srgbClr val="000000"/>
+            </a:solidFill>
+            <a:prstDash val="solid"/>
+            <a:round/>
+            <a:headEnd len="sm" w="sm" type="none"/>
+            <a:tailEnd len="sm" w="sm" type="none"/>
+          </a:ln>
+        </p:spPr>
+      </p:sp>
+      <p:sp>
+        <p:nvSpPr>
+          <p:cNvPr id="277" name="Google Shape;277;g190ffb19d87_0_36:notes"/>
+          <p:cNvSpPr txBox="1"/>
+          <p:nvPr>
+            <p:ph idx="1" type="body"/>
+          </p:nvPr>
+        </p:nvSpPr>
+        <p:spPr>
+          <a:xfrm>
+            <a:off x="685800" y="4343400"/>
+            <a:ext cx="5486400" cy="4114800"/>
+          </a:xfrm>
+          <a:prstGeom prst="rect">
+            <a:avLst/>
+          </a:prstGeom>
+          <a:noFill/>
+          <a:ln>
+            <a:noFill/>
+          </a:ln>
+        </p:spPr>
+        <p:txBody>
+          <a:bodyPr anchorCtr="0" anchor="t" bIns="91425" lIns="91425" spcFirstLastPara="1" rIns="91425" wrap="square" tIns="91425">
+            <a:noAutofit/>
+          </a:bodyPr>
+          <a:lstStyle/>
+          <a:p>
+            <a:pPr indent="0" lvl="0" marL="0" rtl="0" algn="l">
+              <a:lnSpc>
+                <a:spcPct val="100000"/>
+              </a:lnSpc>
+              <a:spcBef>
+                <a:spcPts val="0"/>
+              </a:spcBef>
+              <a:spcAft>
+                <a:spcPts val="0"/>
+              </a:spcAft>
+              <a:buSzPts val="1100"/>
+              <a:buNone/>
+            </a:pPr>
+            <a:r>
+              <a:t/>
+            </a:r>
+            <a:endParaRPr/>
+          </a:p>
+        </p:txBody>
+      </p:sp>
+    </p:spTree>
+  </p:cSld>
+  <p:clrMapOvr>
+    <a:masterClrMapping/>
+  </p:clrMapOvr>
+</p:notes>
+</file>
+
+<file path=ppt/notesSlides/notesSlide17.xml><?xml version="1.0" encoding="utf-8"?>
+<p:notes xmlns:a="http://schemas.openxmlformats.org/drawingml/2006/main" xmlns:r="http://schemas.openxmlformats.org/officeDocument/2006/relationships" xmlns:mc="http://schemas.openxmlformats.org/markup-compatibility/2006" xmlns:mv="urn:schemas-microsoft-com:mac:vml" xmlns:p="http://schemas.openxmlformats.org/presentationml/2006/main" xmlns:c="http://schemas.openxmlformats.org/drawingml/2006/chart" xmlns:dgm="http://schemas.openxmlformats.org/drawingml/2006/diagram" xmlns:o="urn:schemas-microsoft-com:office:office" xmlns:v="urn:schemas-microsoft-com:vml" xmlns:pvml="urn:schemas-microsoft-com:office:powerpoint" xmlns:com="http://schemas.openxmlformats.org/drawingml/2006/compatibility" xmlns:p14="http://schemas.microsoft.com/office/powerpoint/2010/main" xmlns:p15="http://schemas.microsoft.com/office/powerpoint/2012/main" xmlns:ahyp="http://schemas.microsoft.com/office/drawing/2018/hyperlinkcolor" showMasterPhAnim="0" showMasterSp="0">
+  <p:cSld>
+    <p:spTree>
+      <p:nvGrpSpPr>
+        <p:cNvPr id="285" name="Shape 285"/>
+        <p:cNvGrpSpPr/>
+        <p:nvPr/>
+      </p:nvGrpSpPr>
+      <p:grpSpPr>
+        <a:xfrm>
+          <a:off x="0" y="0"/>
+          <a:ext cx="0" cy="0"/>
+          <a:chOff x="0" y="0"/>
+          <a:chExt cx="0" cy="0"/>
+        </a:xfrm>
+      </p:grpSpPr>
+      <p:sp>
+        <p:nvSpPr>
+          <p:cNvPr id="286" name="Google Shape;286;g190ffb19d87_0_49:notes"/>
+          <p:cNvSpPr/>
+          <p:nvPr>
+            <p:ph idx="2" type="sldImg"/>
+          </p:nvPr>
+        </p:nvSpPr>
+        <p:spPr>
+          <a:xfrm>
+            <a:off x="381300" y="685800"/>
+            <a:ext cx="6096000" cy="3429000"/>
+          </a:xfrm>
+          <a:custGeom>
+            <a:rect b="b" l="l" r="r" t="t"/>
+            <a:pathLst>
+              <a:path extrusionOk="0" h="120000" w="120000">
+                <a:moveTo>
+                  <a:pt x="0" y="0"/>
+                </a:moveTo>
+                <a:lnTo>
+                  <a:pt x="120000" y="0"/>
+                </a:lnTo>
+                <a:lnTo>
+                  <a:pt x="120000" y="120000"/>
+                </a:lnTo>
+                <a:lnTo>
+                  <a:pt x="0" y="120000"/>
+                </a:lnTo>
+                <a:close/>
+              </a:path>
+            </a:pathLst>
+          </a:custGeom>
+          <a:noFill/>
+          <a:ln cap="flat" cmpd="sng" w="9525">
+            <a:solidFill>
+              <a:srgbClr val="000000"/>
+            </a:solidFill>
+            <a:prstDash val="solid"/>
+            <a:round/>
+            <a:headEnd len="sm" w="sm" type="none"/>
+            <a:tailEnd len="sm" w="sm" type="none"/>
+          </a:ln>
+        </p:spPr>
+      </p:sp>
+      <p:sp>
+        <p:nvSpPr>
+          <p:cNvPr id="287" name="Google Shape;287;g190ffb19d87_0_49:notes"/>
+          <p:cNvSpPr txBox="1"/>
+          <p:nvPr>
+            <p:ph idx="1" type="body"/>
+          </p:nvPr>
+        </p:nvSpPr>
+        <p:spPr>
+          <a:xfrm>
+            <a:off x="685800" y="4343400"/>
+            <a:ext cx="5486400" cy="4114800"/>
+          </a:xfrm>
+          <a:prstGeom prst="rect">
+            <a:avLst/>
+          </a:prstGeom>
+          <a:noFill/>
+          <a:ln>
+            <a:noFill/>
+          </a:ln>
+        </p:spPr>
+        <p:txBody>
+          <a:bodyPr anchorCtr="0" anchor="t" bIns="91425" lIns="91425" spcFirstLastPara="1" rIns="91425" wrap="square" tIns="91425">
+            <a:noAutofit/>
+          </a:bodyPr>
+          <a:lstStyle/>
+          <a:p>
+            <a:pPr indent="0" lvl="0" marL="0" rtl="0" algn="l">
+              <a:lnSpc>
+                <a:spcPct val="100000"/>
+              </a:lnSpc>
+              <a:spcBef>
+                <a:spcPts val="0"/>
+              </a:spcBef>
+              <a:spcAft>
+                <a:spcPts val="0"/>
+              </a:spcAft>
+              <a:buSzPts val="1100"/>
+              <a:buNone/>
+            </a:pPr>
+            <a:r>
+              <a:t/>
+            </a:r>
+            <a:endParaRPr/>
+          </a:p>
+        </p:txBody>
+      </p:sp>
+    </p:spTree>
+  </p:cSld>
+  <p:clrMapOvr>
+    <a:masterClrMapping/>
+  </p:clrMapOvr>
+</p:notes>
+</file>
+
+<file path=ppt/notesSlides/notesSlide18.xml><?xml version="1.0" encoding="utf-8"?>
+<p:notes xmlns:a="http://schemas.openxmlformats.org/drawingml/2006/main" xmlns:r="http://schemas.openxmlformats.org/officeDocument/2006/relationships" xmlns:mc="http://schemas.openxmlformats.org/markup-compatibility/2006" xmlns:mv="urn:schemas-microsoft-com:mac:vml" xmlns:p="http://schemas.openxmlformats.org/presentationml/2006/main" xmlns:c="http://schemas.openxmlformats.org/drawingml/2006/chart" xmlns:dgm="http://schemas.openxmlformats.org/drawingml/2006/diagram" xmlns:o="urn:schemas-microsoft-com:office:office" xmlns:v="urn:schemas-microsoft-com:vml" xmlns:pvml="urn:schemas-microsoft-com:office:powerpoint" xmlns:com="http://schemas.openxmlformats.org/drawingml/2006/compatibility" xmlns:p14="http://schemas.microsoft.com/office/powerpoint/2010/main" xmlns:p15="http://schemas.microsoft.com/office/powerpoint/2012/main" xmlns:ahyp="http://schemas.microsoft.com/office/drawing/2018/hyperlinkcolor" showMasterPhAnim="0" showMasterSp="0">
+  <p:cSld>
+    <p:spTree>
+      <p:nvGrpSpPr>
+        <p:cNvPr id="298" name="Shape 298"/>
+        <p:cNvGrpSpPr/>
+        <p:nvPr/>
+      </p:nvGrpSpPr>
+      <p:grpSpPr>
+        <a:xfrm>
+          <a:off x="0" y="0"/>
+          <a:ext cx="0" cy="0"/>
+          <a:chOff x="0" y="0"/>
+          <a:chExt cx="0" cy="0"/>
+        </a:xfrm>
+      </p:grpSpPr>
+      <p:sp>
+        <p:nvSpPr>
+          <p:cNvPr id="299" name="Google Shape;299;g190ffb19d87_0_65:notes"/>
+          <p:cNvSpPr/>
+          <p:nvPr>
+            <p:ph idx="2" type="sldImg"/>
+          </p:nvPr>
+        </p:nvSpPr>
+        <p:spPr>
+          <a:xfrm>
+            <a:off x="381300" y="685800"/>
+            <a:ext cx="6096000" cy="3429000"/>
+          </a:xfrm>
+          <a:custGeom>
+            <a:rect b="b" l="l" r="r" t="t"/>
+            <a:pathLst>
+              <a:path extrusionOk="0" h="120000" w="120000">
+                <a:moveTo>
+                  <a:pt x="0" y="0"/>
+                </a:moveTo>
+                <a:lnTo>
+                  <a:pt x="120000" y="0"/>
+                </a:lnTo>
+                <a:lnTo>
+                  <a:pt x="120000" y="120000"/>
+                </a:lnTo>
+                <a:lnTo>
+                  <a:pt x="0" y="120000"/>
+                </a:lnTo>
+                <a:close/>
+              </a:path>
+            </a:pathLst>
+          </a:custGeom>
+          <a:noFill/>
+          <a:ln cap="flat" cmpd="sng" w="9525">
+            <a:solidFill>
+              <a:srgbClr val="000000"/>
+            </a:solidFill>
+            <a:prstDash val="solid"/>
+            <a:round/>
+            <a:headEnd len="sm" w="sm" type="none"/>
+            <a:tailEnd len="sm" w="sm" type="none"/>
+          </a:ln>
+        </p:spPr>
+      </p:sp>
+      <p:sp>
+        <p:nvSpPr>
+          <p:cNvPr id="300" name="Google Shape;300;g190ffb19d87_0_65:notes"/>
+          <p:cNvSpPr txBox="1"/>
+          <p:nvPr>
+            <p:ph idx="1" type="body"/>
+          </p:nvPr>
+        </p:nvSpPr>
+        <p:spPr>
+          <a:xfrm>
+            <a:off x="685800" y="4343400"/>
+            <a:ext cx="5486400" cy="4114800"/>
+          </a:xfrm>
+          <a:prstGeom prst="rect">
+            <a:avLst/>
+          </a:prstGeom>
+          <a:noFill/>
+          <a:ln>
+            <a:noFill/>
+          </a:ln>
+        </p:spPr>
+        <p:txBody>
+          <a:bodyPr anchorCtr="0" anchor="t" bIns="91425" lIns="91425" spcFirstLastPara="1" rIns="91425" wrap="square" tIns="91425">
+            <a:noAutofit/>
+          </a:bodyPr>
+          <a:lstStyle/>
+          <a:p>
+            <a:pPr indent="0" lvl="0" marL="0" rtl="0" algn="l">
+              <a:lnSpc>
+                <a:spcPct val="100000"/>
+              </a:lnSpc>
+              <a:spcBef>
+                <a:spcPts val="0"/>
+              </a:spcBef>
+              <a:spcAft>
+                <a:spcPts val="0"/>
+              </a:spcAft>
+              <a:buSzPts val="1100"/>
+              <a:buNone/>
+            </a:pPr>
+            <a:r>
+              <a:t/>
+            </a:r>
+            <a:endParaRPr/>
+          </a:p>
+        </p:txBody>
+      </p:sp>
+    </p:spTree>
+  </p:cSld>
+  <p:clrMapOvr>
+    <a:masterClrMapping/>
+  </p:clrMapOvr>
+</p:notes>
+</file>
+
+<file path=ppt/notesSlides/notesSlide19.xml><?xml version="1.0" encoding="utf-8"?>
+<p:notes xmlns:a="http://schemas.openxmlformats.org/drawingml/2006/main" xmlns:r="http://schemas.openxmlformats.org/officeDocument/2006/relationships" xmlns:mc="http://schemas.openxmlformats.org/markup-compatibility/2006" xmlns:mv="urn:schemas-microsoft-com:mac:vml" xmlns:p="http://schemas.openxmlformats.org/presentationml/2006/main" xmlns:c="http://schemas.openxmlformats.org/drawingml/2006/chart" xmlns:dgm="http://schemas.openxmlformats.org/drawingml/2006/diagram" xmlns:o="urn:schemas-microsoft-com:office:office" xmlns:v="urn:schemas-microsoft-com:vml" xmlns:pvml="urn:schemas-microsoft-com:office:powerpoint" xmlns:com="http://schemas.openxmlformats.org/drawingml/2006/compatibility" xmlns:p14="http://schemas.microsoft.com/office/powerpoint/2010/main" xmlns:p15="http://schemas.microsoft.com/office/powerpoint/2012/main" xmlns:ahyp="http://schemas.microsoft.com/office/drawing/2018/hyperlinkcolor" showMasterPhAnim="0" showMasterSp="0">
+  <p:cSld>
+    <p:spTree>
+      <p:nvGrpSpPr>
+        <p:cNvPr id="306" name="Shape 306"/>
+        <p:cNvGrpSpPr/>
+        <p:nvPr/>
+      </p:nvGrpSpPr>
+      <p:grpSpPr>
+        <a:xfrm>
+          <a:off x="0" y="0"/>
+          <a:ext cx="0" cy="0"/>
+          <a:chOff x="0" y="0"/>
+          <a:chExt cx="0" cy="0"/>
+        </a:xfrm>
+      </p:grpSpPr>
+      <p:sp>
+        <p:nvSpPr>
+          <p:cNvPr id="307" name="Google Shape;307;g190ffb19d87_0_75:notes"/>
+          <p:cNvSpPr/>
+          <p:nvPr>
+            <p:ph idx="2" type="sldImg"/>
+          </p:nvPr>
+        </p:nvSpPr>
+        <p:spPr>
+          <a:xfrm>
+            <a:off x="381300" y="685800"/>
+            <a:ext cx="6096000" cy="3429000"/>
+          </a:xfrm>
+          <a:custGeom>
+            <a:rect b="b" l="l" r="r" t="t"/>
+            <a:pathLst>
+              <a:path extrusionOk="0" h="120000" w="120000">
+                <a:moveTo>
+                  <a:pt x="0" y="0"/>
+                </a:moveTo>
+                <a:lnTo>
+                  <a:pt x="120000" y="0"/>
+                </a:lnTo>
+                <a:lnTo>
+                  <a:pt x="120000" y="120000"/>
+                </a:lnTo>
+                <a:lnTo>
+                  <a:pt x="0" y="120000"/>
+                </a:lnTo>
+                <a:close/>
+              </a:path>
+            </a:pathLst>
+          </a:custGeom>
+          <a:noFill/>
+          <a:ln cap="flat" cmpd="sng" w="9525">
+            <a:solidFill>
+              <a:srgbClr val="000000"/>
+            </a:solidFill>
+            <a:prstDash val="solid"/>
+            <a:round/>
+            <a:headEnd len="sm" w="sm" type="none"/>
+            <a:tailEnd len="sm" w="sm" type="none"/>
+          </a:ln>
+        </p:spPr>
+      </p:sp>
+      <p:sp>
+        <p:nvSpPr>
+          <p:cNvPr id="308" name="Google Shape;308;g190ffb19d87_0_75:notes"/>
           <p:cNvSpPr txBox="1"/>
           <p:nvPr>
             <p:ph idx="1" type="body"/>
@@ -1668,6 +2261,357 @@
 </p:notes>
 </file>
 
+<file path=ppt/notesSlides/notesSlide20.xml><?xml version="1.0" encoding="utf-8"?>
+<p:notes xmlns:a="http://schemas.openxmlformats.org/drawingml/2006/main" xmlns:r="http://schemas.openxmlformats.org/officeDocument/2006/relationships" xmlns:mc="http://schemas.openxmlformats.org/markup-compatibility/2006" xmlns:mv="urn:schemas-microsoft-com:mac:vml" xmlns:p="http://schemas.openxmlformats.org/presentationml/2006/main" xmlns:c="http://schemas.openxmlformats.org/drawingml/2006/chart" xmlns:dgm="http://schemas.openxmlformats.org/drawingml/2006/diagram" xmlns:o="urn:schemas-microsoft-com:office:office" xmlns:v="urn:schemas-microsoft-com:vml" xmlns:pvml="urn:schemas-microsoft-com:office:powerpoint" xmlns:com="http://schemas.openxmlformats.org/drawingml/2006/compatibility" xmlns:p14="http://schemas.microsoft.com/office/powerpoint/2010/main" xmlns:p15="http://schemas.microsoft.com/office/powerpoint/2012/main" xmlns:ahyp="http://schemas.microsoft.com/office/drawing/2018/hyperlinkcolor" showMasterPhAnim="0" showMasterSp="0">
+  <p:cSld>
+    <p:spTree>
+      <p:nvGrpSpPr>
+        <p:cNvPr id="311" name="Shape 311"/>
+        <p:cNvGrpSpPr/>
+        <p:nvPr/>
+      </p:nvGrpSpPr>
+      <p:grpSpPr>
+        <a:xfrm>
+          <a:off x="0" y="0"/>
+          <a:ext cx="0" cy="0"/>
+          <a:chOff x="0" y="0"/>
+          <a:chExt cx="0" cy="0"/>
+        </a:xfrm>
+      </p:grpSpPr>
+      <p:sp>
+        <p:nvSpPr>
+          <p:cNvPr id="312" name="Google Shape;312;g190ffb19d87_0_79:notes"/>
+          <p:cNvSpPr/>
+          <p:nvPr>
+            <p:ph idx="2" type="sldImg"/>
+          </p:nvPr>
+        </p:nvSpPr>
+        <p:spPr>
+          <a:xfrm>
+            <a:off x="381300" y="685800"/>
+            <a:ext cx="6096000" cy="3429000"/>
+          </a:xfrm>
+          <a:custGeom>
+            <a:rect b="b" l="l" r="r" t="t"/>
+            <a:pathLst>
+              <a:path extrusionOk="0" h="120000" w="120000">
+                <a:moveTo>
+                  <a:pt x="0" y="0"/>
+                </a:moveTo>
+                <a:lnTo>
+                  <a:pt x="120000" y="0"/>
+                </a:lnTo>
+                <a:lnTo>
+                  <a:pt x="120000" y="120000"/>
+                </a:lnTo>
+                <a:lnTo>
+                  <a:pt x="0" y="120000"/>
+                </a:lnTo>
+                <a:close/>
+              </a:path>
+            </a:pathLst>
+          </a:custGeom>
+          <a:noFill/>
+          <a:ln cap="flat" cmpd="sng" w="9525">
+            <a:solidFill>
+              <a:srgbClr val="000000"/>
+            </a:solidFill>
+            <a:prstDash val="solid"/>
+            <a:round/>
+            <a:headEnd len="sm" w="sm" type="none"/>
+            <a:tailEnd len="sm" w="sm" type="none"/>
+          </a:ln>
+        </p:spPr>
+      </p:sp>
+      <p:sp>
+        <p:nvSpPr>
+          <p:cNvPr id="313" name="Google Shape;313;g190ffb19d87_0_79:notes"/>
+          <p:cNvSpPr txBox="1"/>
+          <p:nvPr>
+            <p:ph idx="1" type="body"/>
+          </p:nvPr>
+        </p:nvSpPr>
+        <p:spPr>
+          <a:xfrm>
+            <a:off x="685800" y="4343400"/>
+            <a:ext cx="5486400" cy="4114800"/>
+          </a:xfrm>
+          <a:prstGeom prst="rect">
+            <a:avLst/>
+          </a:prstGeom>
+          <a:noFill/>
+          <a:ln>
+            <a:noFill/>
+          </a:ln>
+        </p:spPr>
+        <p:txBody>
+          <a:bodyPr anchorCtr="0" anchor="t" bIns="91425" lIns="91425" spcFirstLastPara="1" rIns="91425" wrap="square" tIns="91425">
+            <a:noAutofit/>
+          </a:bodyPr>
+          <a:lstStyle/>
+          <a:p>
+            <a:pPr indent="0" lvl="0" marL="0" rtl="0" algn="l">
+              <a:lnSpc>
+                <a:spcPct val="100000"/>
+              </a:lnSpc>
+              <a:spcBef>
+                <a:spcPts val="0"/>
+              </a:spcBef>
+              <a:spcAft>
+                <a:spcPts val="0"/>
+              </a:spcAft>
+              <a:buSzPts val="1100"/>
+              <a:buNone/>
+            </a:pPr>
+            <a:r>
+              <a:t/>
+            </a:r>
+            <a:endParaRPr/>
+          </a:p>
+        </p:txBody>
+      </p:sp>
+    </p:spTree>
+  </p:cSld>
+  <p:clrMapOvr>
+    <a:masterClrMapping/>
+  </p:clrMapOvr>
+</p:notes>
+</file>
+
+<file path=ppt/notesSlides/notesSlide21.xml><?xml version="1.0" encoding="utf-8"?>
+<p:notes xmlns:a="http://schemas.openxmlformats.org/drawingml/2006/main" xmlns:r="http://schemas.openxmlformats.org/officeDocument/2006/relationships" xmlns:mc="http://schemas.openxmlformats.org/markup-compatibility/2006" xmlns:mv="urn:schemas-microsoft-com:mac:vml" xmlns:p="http://schemas.openxmlformats.org/presentationml/2006/main" xmlns:c="http://schemas.openxmlformats.org/drawingml/2006/chart" xmlns:dgm="http://schemas.openxmlformats.org/drawingml/2006/diagram" xmlns:o="urn:schemas-microsoft-com:office:office" xmlns:v="urn:schemas-microsoft-com:vml" xmlns:pvml="urn:schemas-microsoft-com:office:powerpoint" xmlns:com="http://schemas.openxmlformats.org/drawingml/2006/compatibility" xmlns:p14="http://schemas.microsoft.com/office/powerpoint/2010/main" xmlns:p15="http://schemas.microsoft.com/office/powerpoint/2012/main" xmlns:ahyp="http://schemas.microsoft.com/office/drawing/2018/hyperlinkcolor" showMasterPhAnim="0" showMasterSp="0">
+  <p:cSld>
+    <p:spTree>
+      <p:nvGrpSpPr>
+        <p:cNvPr id="323" name="Shape 323"/>
+        <p:cNvGrpSpPr/>
+        <p:nvPr/>
+      </p:nvGrpSpPr>
+      <p:grpSpPr>
+        <a:xfrm>
+          <a:off x="0" y="0"/>
+          <a:ext cx="0" cy="0"/>
+          <a:chOff x="0" y="0"/>
+          <a:chExt cx="0" cy="0"/>
+        </a:xfrm>
+      </p:grpSpPr>
+      <p:sp>
+        <p:nvSpPr>
+          <p:cNvPr id="324" name="Google Shape;324;g190ffb19d87_0_96:notes"/>
+          <p:cNvSpPr/>
+          <p:nvPr>
+            <p:ph idx="2" type="sldImg"/>
+          </p:nvPr>
+        </p:nvSpPr>
+        <p:spPr>
+          <a:xfrm>
+            <a:off x="381300" y="685800"/>
+            <a:ext cx="6096000" cy="3429000"/>
+          </a:xfrm>
+          <a:custGeom>
+            <a:rect b="b" l="l" r="r" t="t"/>
+            <a:pathLst>
+              <a:path extrusionOk="0" h="120000" w="120000">
+                <a:moveTo>
+                  <a:pt x="0" y="0"/>
+                </a:moveTo>
+                <a:lnTo>
+                  <a:pt x="120000" y="0"/>
+                </a:lnTo>
+                <a:lnTo>
+                  <a:pt x="120000" y="120000"/>
+                </a:lnTo>
+                <a:lnTo>
+                  <a:pt x="0" y="120000"/>
+                </a:lnTo>
+                <a:close/>
+              </a:path>
+            </a:pathLst>
+          </a:custGeom>
+          <a:noFill/>
+          <a:ln cap="flat" cmpd="sng" w="9525">
+            <a:solidFill>
+              <a:srgbClr val="000000"/>
+            </a:solidFill>
+            <a:prstDash val="solid"/>
+            <a:round/>
+            <a:headEnd len="sm" w="sm" type="none"/>
+            <a:tailEnd len="sm" w="sm" type="none"/>
+          </a:ln>
+        </p:spPr>
+      </p:sp>
+      <p:sp>
+        <p:nvSpPr>
+          <p:cNvPr id="325" name="Google Shape;325;g190ffb19d87_0_96:notes"/>
+          <p:cNvSpPr txBox="1"/>
+          <p:nvPr>
+            <p:ph idx="1" type="body"/>
+          </p:nvPr>
+        </p:nvSpPr>
+        <p:spPr>
+          <a:xfrm>
+            <a:off x="685800" y="4343400"/>
+            <a:ext cx="5486400" cy="4114800"/>
+          </a:xfrm>
+          <a:prstGeom prst="rect">
+            <a:avLst/>
+          </a:prstGeom>
+          <a:noFill/>
+          <a:ln>
+            <a:noFill/>
+          </a:ln>
+        </p:spPr>
+        <p:txBody>
+          <a:bodyPr anchorCtr="0" anchor="t" bIns="91425" lIns="91425" spcFirstLastPara="1" rIns="91425" wrap="square" tIns="91425">
+            <a:noAutofit/>
+          </a:bodyPr>
+          <a:lstStyle/>
+          <a:p>
+            <a:pPr indent="0" lvl="0" marL="0" rtl="0" algn="l">
+              <a:lnSpc>
+                <a:spcPct val="100000"/>
+              </a:lnSpc>
+              <a:spcBef>
+                <a:spcPts val="0"/>
+              </a:spcBef>
+              <a:spcAft>
+                <a:spcPts val="0"/>
+              </a:spcAft>
+              <a:buSzPts val="1100"/>
+              <a:buNone/>
+            </a:pPr>
+            <a:r>
+              <a:t/>
+            </a:r>
+            <a:endParaRPr/>
+          </a:p>
+        </p:txBody>
+      </p:sp>
+    </p:spTree>
+  </p:cSld>
+  <p:clrMapOvr>
+    <a:masterClrMapping/>
+  </p:clrMapOvr>
+</p:notes>
+</file>
+
+<file path=ppt/notesSlides/notesSlide22.xml><?xml version="1.0" encoding="utf-8"?>
+<p:notes xmlns:a="http://schemas.openxmlformats.org/drawingml/2006/main" xmlns:r="http://schemas.openxmlformats.org/officeDocument/2006/relationships" xmlns:mc="http://schemas.openxmlformats.org/markup-compatibility/2006" xmlns:mv="urn:schemas-microsoft-com:mac:vml" xmlns:p="http://schemas.openxmlformats.org/presentationml/2006/main" xmlns:c="http://schemas.openxmlformats.org/drawingml/2006/chart" xmlns:dgm="http://schemas.openxmlformats.org/drawingml/2006/diagram" xmlns:o="urn:schemas-microsoft-com:office:office" xmlns:v="urn:schemas-microsoft-com:vml" xmlns:pvml="urn:schemas-microsoft-com:office:powerpoint" xmlns:com="http://schemas.openxmlformats.org/drawingml/2006/compatibility" xmlns:p14="http://schemas.microsoft.com/office/powerpoint/2010/main" xmlns:p15="http://schemas.microsoft.com/office/powerpoint/2012/main" xmlns:ahyp="http://schemas.microsoft.com/office/drawing/2018/hyperlinkcolor" showMasterPhAnim="0" showMasterSp="0">
+  <p:cSld>
+    <p:spTree>
+      <p:nvGrpSpPr>
+        <p:cNvPr id="333" name="Shape 333"/>
+        <p:cNvGrpSpPr/>
+        <p:nvPr/>
+      </p:nvGrpSpPr>
+      <p:grpSpPr>
+        <a:xfrm>
+          <a:off x="0" y="0"/>
+          <a:ext cx="0" cy="0"/>
+          <a:chOff x="0" y="0"/>
+          <a:chExt cx="0" cy="0"/>
+        </a:xfrm>
+      </p:grpSpPr>
+      <p:sp>
+        <p:nvSpPr>
+          <p:cNvPr id="334" name="Google Shape;334;g190ffb19d87_0_105:notes"/>
+          <p:cNvSpPr/>
+          <p:nvPr>
+            <p:ph idx="2" type="sldImg"/>
+          </p:nvPr>
+        </p:nvSpPr>
+        <p:spPr>
+          <a:xfrm>
+            <a:off x="381300" y="685800"/>
+            <a:ext cx="6096000" cy="3429000"/>
+          </a:xfrm>
+          <a:custGeom>
+            <a:rect b="b" l="l" r="r" t="t"/>
+            <a:pathLst>
+              <a:path extrusionOk="0" h="120000" w="120000">
+                <a:moveTo>
+                  <a:pt x="0" y="0"/>
+                </a:moveTo>
+                <a:lnTo>
+                  <a:pt x="120000" y="0"/>
+                </a:lnTo>
+                <a:lnTo>
+                  <a:pt x="120000" y="120000"/>
+                </a:lnTo>
+                <a:lnTo>
+                  <a:pt x="0" y="120000"/>
+                </a:lnTo>
+                <a:close/>
+              </a:path>
+            </a:pathLst>
+          </a:custGeom>
+          <a:noFill/>
+          <a:ln cap="flat" cmpd="sng" w="9525">
+            <a:solidFill>
+              <a:srgbClr val="000000"/>
+            </a:solidFill>
+            <a:prstDash val="solid"/>
+            <a:round/>
+            <a:headEnd len="sm" w="sm" type="none"/>
+            <a:tailEnd len="sm" w="sm" type="none"/>
+          </a:ln>
+        </p:spPr>
+      </p:sp>
+      <p:sp>
+        <p:nvSpPr>
+          <p:cNvPr id="335" name="Google Shape;335;g190ffb19d87_0_105:notes"/>
+          <p:cNvSpPr txBox="1"/>
+          <p:nvPr>
+            <p:ph idx="1" type="body"/>
+          </p:nvPr>
+        </p:nvSpPr>
+        <p:spPr>
+          <a:xfrm>
+            <a:off x="685800" y="4343400"/>
+            <a:ext cx="5486400" cy="4114800"/>
+          </a:xfrm>
+          <a:prstGeom prst="rect">
+            <a:avLst/>
+          </a:prstGeom>
+          <a:noFill/>
+          <a:ln>
+            <a:noFill/>
+          </a:ln>
+        </p:spPr>
+        <p:txBody>
+          <a:bodyPr anchorCtr="0" anchor="t" bIns="91425" lIns="91425" spcFirstLastPara="1" rIns="91425" wrap="square" tIns="91425">
+            <a:noAutofit/>
+          </a:bodyPr>
+          <a:lstStyle/>
+          <a:p>
+            <a:pPr indent="0" lvl="0" marL="0" rtl="0" algn="l">
+              <a:lnSpc>
+                <a:spcPct val="100000"/>
+              </a:lnSpc>
+              <a:spcBef>
+                <a:spcPts val="0"/>
+              </a:spcBef>
+              <a:spcAft>
+                <a:spcPts val="0"/>
+              </a:spcAft>
+              <a:buSzPts val="1100"/>
+              <a:buNone/>
+            </a:pPr>
+            <a:r>
+              <a:t/>
+            </a:r>
+            <a:endParaRPr/>
+          </a:p>
+        </p:txBody>
+      </p:sp>
+    </p:spTree>
+  </p:cSld>
+  <p:clrMapOvr>
+    <a:masterClrMapping/>
+  </p:clrMapOvr>
+</p:notes>
+</file>
+
 <file path=ppt/notesSlides/notesSlide3.xml><?xml version="1.0" encoding="utf-8"?>
 <p:notes xmlns:a="http://schemas.openxmlformats.org/drawingml/2006/main" xmlns:r="http://schemas.openxmlformats.org/officeDocument/2006/relationships" xmlns:mc="http://schemas.openxmlformats.org/markup-compatibility/2006" xmlns:mv="urn:schemas-microsoft-com:mac:vml" xmlns:p="http://schemas.openxmlformats.org/presentationml/2006/main" xmlns:c="http://schemas.openxmlformats.org/drawingml/2006/chart" xmlns:dgm="http://schemas.openxmlformats.org/drawingml/2006/diagram" xmlns:o="urn:schemas-microsoft-com:office:office" xmlns:v="urn:schemas-microsoft-com:vml" xmlns:pvml="urn:schemas-microsoft-com:office:powerpoint" xmlns:com="http://schemas.openxmlformats.org/drawingml/2006/compatibility" xmlns:p14="http://schemas.microsoft.com/office/powerpoint/2010/main" xmlns:p15="http://schemas.microsoft.com/office/powerpoint/2012/main" xmlns:ahyp="http://schemas.microsoft.com/office/drawing/2018/hyperlinkcolor" showMasterPhAnim="0" showMasterSp="0">
   <p:cSld>
@@ -1797,7 +2741,7 @@
   <p:cSld>
     <p:spTree>
       <p:nvGrpSpPr>
-        <p:cNvPr id="162" name="Shape 162"/>
+        <p:cNvPr id="166" name="Shape 166"/>
         <p:cNvGrpSpPr/>
         <p:nvPr/>
       </p:nvGrpSpPr>
@@ -1811,7 +2755,7 @@
       </p:grpSpPr>
       <p:sp>
         <p:nvSpPr>
-          <p:cNvPr id="163" name="Google Shape;163;p4:notes"/>
+          <p:cNvPr id="167" name="Google Shape;167;p4:notes"/>
           <p:cNvSpPr/>
           <p:nvPr>
             <p:ph idx="2" type="sldImg"/>
@@ -1856,7 +2800,7 @@
       </p:sp>
       <p:sp>
         <p:nvSpPr>
-          <p:cNvPr id="164" name="Google Shape;164;p4:notes"/>
+          <p:cNvPr id="168" name="Google Shape;168;p4:notes"/>
           <p:cNvSpPr txBox="1"/>
           <p:nvPr>
             <p:ph idx="1" type="body"/>
@@ -1914,7 +2858,7 @@
   <p:cSld>
     <p:spTree>
       <p:nvGrpSpPr>
-        <p:cNvPr id="167" name="Shape 167"/>
+        <p:cNvPr id="171" name="Shape 171"/>
         <p:cNvGrpSpPr/>
         <p:nvPr/>
       </p:nvGrpSpPr>
@@ -1928,7 +2872,7 @@
       </p:grpSpPr>
       <p:sp>
         <p:nvSpPr>
-          <p:cNvPr id="168" name="Google Shape;168;p5:notes"/>
+          <p:cNvPr id="172" name="Google Shape;172;p5:notes"/>
           <p:cNvSpPr/>
           <p:nvPr>
             <p:ph idx="2" type="sldImg"/>
@@ -1973,7 +2917,7 @@
       </p:sp>
       <p:sp>
         <p:nvSpPr>
-          <p:cNvPr id="169" name="Google Shape;169;p5:notes"/>
+          <p:cNvPr id="173" name="Google Shape;173;p5:notes"/>
           <p:cNvSpPr txBox="1"/>
           <p:nvPr>
             <p:ph idx="1" type="body"/>
@@ -2031,7 +2975,7 @@
   <p:cSld>
     <p:spTree>
       <p:nvGrpSpPr>
-        <p:cNvPr id="174" name="Shape 174"/>
+        <p:cNvPr id="182" name="Shape 182"/>
         <p:cNvGrpSpPr/>
         <p:nvPr/>
       </p:nvGrpSpPr>
@@ -2045,7 +2989,7 @@
       </p:grpSpPr>
       <p:sp>
         <p:nvSpPr>
-          <p:cNvPr id="175" name="Google Shape;175;p6:notes"/>
+          <p:cNvPr id="183" name="Google Shape;183;p6:notes"/>
           <p:cNvSpPr/>
           <p:nvPr>
             <p:ph idx="2" type="sldImg"/>
@@ -2090,7 +3034,7 @@
       </p:sp>
       <p:sp>
         <p:nvSpPr>
-          <p:cNvPr id="176" name="Google Shape;176;p6:notes"/>
+          <p:cNvPr id="184" name="Google Shape;184;p6:notes"/>
           <p:cNvSpPr txBox="1"/>
           <p:nvPr>
             <p:ph idx="1" type="body"/>
@@ -2148,7 +3092,7 @@
   <p:cSld>
     <p:spTree>
       <p:nvGrpSpPr>
-        <p:cNvPr id="185" name="Shape 185"/>
+        <p:cNvPr id="189" name="Shape 189"/>
         <p:cNvGrpSpPr/>
         <p:nvPr/>
       </p:nvGrpSpPr>
@@ -2162,7 +3106,7 @@
       </p:grpSpPr>
       <p:sp>
         <p:nvSpPr>
-          <p:cNvPr id="186" name="Google Shape;186;p7:notes"/>
+          <p:cNvPr id="190" name="Google Shape;190;p7:notes"/>
           <p:cNvSpPr/>
           <p:nvPr>
             <p:ph idx="2" type="sldImg"/>
@@ -2207,7 +3151,7 @@
       </p:sp>
       <p:sp>
         <p:nvSpPr>
-          <p:cNvPr id="187" name="Google Shape;187;p7:notes"/>
+          <p:cNvPr id="191" name="Google Shape;191;p7:notes"/>
           <p:cNvSpPr txBox="1"/>
           <p:nvPr>
             <p:ph idx="1" type="body"/>
@@ -2265,7 +3209,7 @@
   <p:cSld>
     <p:spTree>
       <p:nvGrpSpPr>
-        <p:cNvPr id="194" name="Shape 194"/>
+        <p:cNvPr id="198" name="Shape 198"/>
         <p:cNvGrpSpPr/>
         <p:nvPr/>
       </p:nvGrpSpPr>
@@ -2279,7 +3223,7 @@
       </p:grpSpPr>
       <p:sp>
         <p:nvSpPr>
-          <p:cNvPr id="195" name="Google Shape;195;p8:notes"/>
+          <p:cNvPr id="199" name="Google Shape;199;p9:notes"/>
           <p:cNvSpPr/>
           <p:nvPr>
             <p:ph idx="2" type="sldImg"/>
@@ -2324,7 +3268,7 @@
       </p:sp>
       <p:sp>
         <p:nvSpPr>
-          <p:cNvPr id="196" name="Google Shape;196;p8:notes"/>
+          <p:cNvPr id="200" name="Google Shape;200;p9:notes"/>
           <p:cNvSpPr txBox="1"/>
           <p:nvPr>
             <p:ph idx="1" type="body"/>
@@ -2382,7 +3326,7 @@
   <p:cSld>
     <p:spTree>
       <p:nvGrpSpPr>
-        <p:cNvPr id="199" name="Shape 199"/>
+        <p:cNvPr id="207" name="Shape 207"/>
         <p:cNvGrpSpPr/>
         <p:nvPr/>
       </p:nvGrpSpPr>
@@ -2396,7 +3340,7 @@
       </p:grpSpPr>
       <p:sp>
         <p:nvSpPr>
-          <p:cNvPr id="200" name="Google Shape;200;p9:notes"/>
+          <p:cNvPr id="208" name="Google Shape;208;p10:notes"/>
           <p:cNvSpPr/>
           <p:nvPr>
             <p:ph idx="2" type="sldImg"/>
@@ -2441,7 +3385,7 @@
       </p:sp>
       <p:sp>
         <p:nvSpPr>
-          <p:cNvPr id="201" name="Google Shape;201;p9:notes"/>
+          <p:cNvPr id="209" name="Google Shape;209;p10:notes"/>
           <p:cNvSpPr txBox="1"/>
           <p:nvPr>
             <p:ph idx="1" type="body"/>
@@ -20624,7 +21568,7 @@
   <p:cSld>
     <p:spTree>
       <p:nvGrpSpPr>
-        <p:cNvPr id="211" name="Shape 211"/>
+        <p:cNvPr id="218" name="Shape 218"/>
         <p:cNvGrpSpPr/>
         <p:nvPr/>
       </p:nvGrpSpPr>
@@ -20638,240 +21582,7 @@
       </p:grpSpPr>
       <p:sp>
         <p:nvSpPr>
-          <p:cNvPr id="212" name="Google Shape;212;p10"/>
-          <p:cNvSpPr/>
-          <p:nvPr/>
-        </p:nvSpPr>
-        <p:spPr>
-          <a:xfrm rot="10800000">
-            <a:off x="5145400" y="271100"/>
-            <a:ext cx="4003200" cy="806100"/>
-          </a:xfrm>
-          <a:prstGeom prst="rect">
-            <a:avLst/>
-          </a:prstGeom>
-          <a:solidFill>
-            <a:srgbClr val="3C78D8"/>
-          </a:solidFill>
-          <a:ln>
-            <a:noFill/>
-          </a:ln>
-        </p:spPr>
-        <p:txBody>
-          <a:bodyPr anchorCtr="0" anchor="ctr" bIns="91425" lIns="91425" spcFirstLastPara="1" rIns="91425" wrap="square" tIns="91425">
-            <a:noAutofit/>
-          </a:bodyPr>
-          <a:lstStyle/>
-          <a:p>
-            <a:pPr indent="0" lvl="0" marL="0" marR="0" rtl="0" algn="l">
-              <a:lnSpc>
-                <a:spcPct val="100000"/>
-              </a:lnSpc>
-              <a:spcBef>
-                <a:spcPts val="0"/>
-              </a:spcBef>
-              <a:spcAft>
-                <a:spcPts val="0"/>
-              </a:spcAft>
-              <a:buClr>
-                <a:srgbClr val="000000"/>
-              </a:buClr>
-              <a:buSzPts val="1400"/>
-              <a:buFont typeface="Arial"/>
-              <a:buNone/>
-            </a:pPr>
-            <a:r>
-              <a:t/>
-            </a:r>
-            <a:endParaRPr b="0" i="0" sz="1400" u="none" cap="none" strike="noStrike">
-              <a:solidFill>
-                <a:srgbClr val="000000"/>
-              </a:solidFill>
-              <a:latin typeface="Arial"/>
-              <a:ea typeface="Arial"/>
-              <a:cs typeface="Arial"/>
-              <a:sym typeface="Arial"/>
-            </a:endParaRPr>
-          </a:p>
-        </p:txBody>
-      </p:sp>
-      <p:sp>
-        <p:nvSpPr>
-          <p:cNvPr id="213" name="Google Shape;213;p10"/>
-          <p:cNvSpPr txBox="1"/>
-          <p:nvPr>
-            <p:ph type="ctrTitle"/>
-          </p:nvPr>
-        </p:nvSpPr>
-        <p:spPr>
-          <a:xfrm>
-            <a:off x="5145400" y="509025"/>
-            <a:ext cx="4003200" cy="454500"/>
-          </a:xfrm>
-          <a:prstGeom prst="rect">
-            <a:avLst/>
-          </a:prstGeom>
-          <a:noFill/>
-          <a:ln>
-            <a:noFill/>
-          </a:ln>
-        </p:spPr>
-        <p:txBody>
-          <a:bodyPr anchorCtr="0" anchor="b" bIns="91425" lIns="91425" spcFirstLastPara="1" rIns="91425" wrap="square" tIns="91425">
-            <a:noAutofit/>
-          </a:bodyPr>
-          <a:lstStyle/>
-          <a:p>
-            <a:pPr indent="0" lvl="0" marL="0" rtl="0" algn="ctr">
-              <a:lnSpc>
-                <a:spcPct val="100000"/>
-              </a:lnSpc>
-              <a:spcBef>
-                <a:spcPts val="0"/>
-              </a:spcBef>
-              <a:spcAft>
-                <a:spcPts val="0"/>
-              </a:spcAft>
-              <a:buSzPts val="2800"/>
-              <a:buNone/>
-            </a:pPr>
-            <a:r>
-              <a:rPr lang="es" sz="2200">
-                <a:solidFill>
-                  <a:schemeClr val="lt1"/>
-                </a:solidFill>
-              </a:rPr>
-              <a:t>ML Workflow</a:t>
-            </a:r>
-            <a:endParaRPr sz="2200">
-              <a:solidFill>
-                <a:schemeClr val="lt1"/>
-              </a:solidFill>
-            </a:endParaRPr>
-          </a:p>
-        </p:txBody>
-      </p:sp>
-      <p:pic>
-        <p:nvPicPr>
-          <p:cNvPr id="214" name="Google Shape;214;p10"/>
-          <p:cNvPicPr preferRelativeResize="0"/>
-          <p:nvPr/>
-        </p:nvPicPr>
-        <p:blipFill rotWithShape="1">
-          <a:blip r:embed="rId3">
-            <a:alphaModFix/>
-          </a:blip>
-          <a:srcRect b="0" l="0" r="0" t="0"/>
-          <a:stretch/>
-        </p:blipFill>
-        <p:spPr>
-          <a:xfrm>
-            <a:off x="1755675" y="1573725"/>
-            <a:ext cx="5632650" cy="2818525"/>
-          </a:xfrm>
-          <a:prstGeom prst="rect">
-            <a:avLst/>
-          </a:prstGeom>
-          <a:noFill/>
-          <a:ln>
-            <a:noFill/>
-          </a:ln>
-        </p:spPr>
-      </p:pic>
-      <p:sp>
-        <p:nvSpPr>
-          <p:cNvPr id="215" name="Google Shape;215;p10"/>
-          <p:cNvSpPr txBox="1"/>
-          <p:nvPr/>
-        </p:nvSpPr>
-        <p:spPr>
-          <a:xfrm>
-            <a:off x="3038838" y="4165250"/>
-            <a:ext cx="3066300" cy="369300"/>
-          </a:xfrm>
-          <a:prstGeom prst="rect">
-            <a:avLst/>
-          </a:prstGeom>
-          <a:noFill/>
-          <a:ln>
-            <a:noFill/>
-          </a:ln>
-        </p:spPr>
-        <p:txBody>
-          <a:bodyPr anchorCtr="0" anchor="t" bIns="91425" lIns="91425" spcFirstLastPara="1" rIns="91425" wrap="square" tIns="91425">
-            <a:spAutoFit/>
-          </a:bodyPr>
-          <a:lstStyle/>
-          <a:p>
-            <a:pPr indent="0" lvl="0" marL="0" marR="0" rtl="0" algn="ctr">
-              <a:lnSpc>
-                <a:spcPct val="100000"/>
-              </a:lnSpc>
-              <a:spcBef>
-                <a:spcPts val="0"/>
-              </a:spcBef>
-              <a:spcAft>
-                <a:spcPts val="0"/>
-              </a:spcAft>
-              <a:buClr>
-                <a:srgbClr val="000000"/>
-              </a:buClr>
-              <a:buSzPts val="1200"/>
-              <a:buFont typeface="Arial"/>
-              <a:buNone/>
-            </a:pPr>
-            <a:r>
-              <a:rPr b="0" i="0" lang="es" sz="1200" u="none" cap="none" strike="noStrike">
-                <a:solidFill>
-                  <a:srgbClr val="000000"/>
-                </a:solidFill>
-                <a:latin typeface="Catamaran Light"/>
-                <a:ea typeface="Catamaran Light"/>
-                <a:cs typeface="Catamaran Light"/>
-                <a:sym typeface="Catamaran Light"/>
-              </a:rPr>
-              <a:t>Figure 5: Typical ML development workflow</a:t>
-            </a:r>
-            <a:endParaRPr b="0" i="0" sz="1200" u="none" cap="none" strike="noStrike">
-              <a:solidFill>
-                <a:srgbClr val="000000"/>
-              </a:solidFill>
-              <a:latin typeface="Catamaran Light"/>
-              <a:ea typeface="Catamaran Light"/>
-              <a:cs typeface="Catamaran Light"/>
-              <a:sym typeface="Catamaran Light"/>
-            </a:endParaRPr>
-          </a:p>
-        </p:txBody>
-      </p:sp>
-    </p:spTree>
-  </p:cSld>
-  <p:clrMapOvr>
-    <a:masterClrMapping/>
-  </p:clrMapOvr>
-</p:sld>
-</file>
-
-<file path=ppt/slides/slide11.xml><?xml version="1.0" encoding="utf-8"?>
-<p:sld xmlns:a="http://schemas.openxmlformats.org/drawingml/2006/main" xmlns:r="http://schemas.openxmlformats.org/officeDocument/2006/relationships" xmlns:mc="http://schemas.openxmlformats.org/markup-compatibility/2006" xmlns:mv="urn:schemas-microsoft-com:mac:vml" xmlns:p="http://schemas.openxmlformats.org/presentationml/2006/main" xmlns:c="http://schemas.openxmlformats.org/drawingml/2006/chart" xmlns:dgm="http://schemas.openxmlformats.org/drawingml/2006/diagram" xmlns:o="urn:schemas-microsoft-com:office:office" xmlns:v="urn:schemas-microsoft-com:vml" xmlns:pvml="urn:schemas-microsoft-com:office:powerpoint" xmlns:com="http://schemas.openxmlformats.org/drawingml/2006/compatibility" xmlns:p14="http://schemas.microsoft.com/office/powerpoint/2010/main" xmlns:p15="http://schemas.microsoft.com/office/powerpoint/2012/main" xmlns:ahyp="http://schemas.microsoft.com/office/drawing/2018/hyperlinkcolor">
-  <p:cSld>
-    <p:spTree>
-      <p:nvGrpSpPr>
-        <p:cNvPr id="219" name="Shape 219"/>
-        <p:cNvGrpSpPr/>
-        <p:nvPr/>
-      </p:nvGrpSpPr>
-      <p:grpSpPr>
-        <a:xfrm>
-          <a:off x="0" y="0"/>
-          <a:ext cx="0" cy="0"/>
-          <a:chOff x="0" y="0"/>
-          <a:chExt cx="0" cy="0"/>
-        </a:xfrm>
-      </p:grpSpPr>
-      <p:sp>
-        <p:nvSpPr>
-          <p:cNvPr id="220" name="Google Shape;220;p11"/>
+          <p:cNvPr id="219" name="Google Shape;219;p11"/>
           <p:cNvSpPr txBox="1"/>
           <p:nvPr>
             <p:ph type="ctrTitle"/>
@@ -20925,12 +21636,12 @@
 </p:sld>
 </file>
 
-<file path=ppt/slides/slide12.xml><?xml version="1.0" encoding="utf-8"?>
+<file path=ppt/slides/slide11.xml><?xml version="1.0" encoding="utf-8"?>
 <p:sld xmlns:a="http://schemas.openxmlformats.org/drawingml/2006/main" xmlns:r="http://schemas.openxmlformats.org/officeDocument/2006/relationships" xmlns:mc="http://schemas.openxmlformats.org/markup-compatibility/2006" xmlns:mv="urn:schemas-microsoft-com:mac:vml" xmlns:p="http://schemas.openxmlformats.org/presentationml/2006/main" xmlns:c="http://schemas.openxmlformats.org/drawingml/2006/chart" xmlns:dgm="http://schemas.openxmlformats.org/drawingml/2006/diagram" xmlns:o="urn:schemas-microsoft-com:office:office" xmlns:v="urn:schemas-microsoft-com:vml" xmlns:pvml="urn:schemas-microsoft-com:office:powerpoint" xmlns:com="http://schemas.openxmlformats.org/drawingml/2006/compatibility" xmlns:p14="http://schemas.microsoft.com/office/powerpoint/2010/main" xmlns:p15="http://schemas.microsoft.com/office/powerpoint/2012/main" xmlns:ahyp="http://schemas.microsoft.com/office/drawing/2018/hyperlinkcolor">
   <p:cSld>
     <p:spTree>
       <p:nvGrpSpPr>
-        <p:cNvPr id="224" name="Shape 224"/>
+        <p:cNvPr id="223" name="Shape 223"/>
         <p:cNvGrpSpPr/>
         <p:nvPr/>
       </p:nvGrpSpPr>
@@ -20944,7 +21655,7 @@
       </p:grpSpPr>
       <p:sp>
         <p:nvSpPr>
-          <p:cNvPr id="225" name="Google Shape;225;p12"/>
+          <p:cNvPr id="224" name="Google Shape;224;p12"/>
           <p:cNvSpPr/>
           <p:nvPr/>
         </p:nvSpPr>
@@ -21003,7 +21714,7 @@
       </p:sp>
       <p:sp>
         <p:nvSpPr>
-          <p:cNvPr id="226" name="Google Shape;226;p12"/>
+          <p:cNvPr id="225" name="Google Shape;225;p12"/>
           <p:cNvSpPr txBox="1"/>
           <p:nvPr>
             <p:ph type="ctrTitle"/>
@@ -21059,7 +21770,7 @@
       </p:sp>
       <p:sp>
         <p:nvSpPr>
-          <p:cNvPr id="227" name="Google Shape;227;p12"/>
+          <p:cNvPr id="226" name="Google Shape;226;p12"/>
           <p:cNvSpPr txBox="1"/>
           <p:nvPr/>
         </p:nvSpPr>
@@ -21596,7 +22307,7 @@
       </p:sp>
       <p:pic>
         <p:nvPicPr>
-          <p:cNvPr id="228" name="Google Shape;228;p12"/>
+          <p:cNvPr id="227" name="Google Shape;227;p12"/>
           <p:cNvPicPr preferRelativeResize="0"/>
           <p:nvPr/>
         </p:nvPicPr>
@@ -21623,7 +22334,7 @@
       </p:pic>
       <p:pic>
         <p:nvPicPr>
-          <p:cNvPr id="229" name="Google Shape;229;p12"/>
+          <p:cNvPr id="228" name="Google Shape;228;p12"/>
           <p:cNvPicPr preferRelativeResize="0"/>
           <p:nvPr/>
         </p:nvPicPr>
@@ -21650,7 +22361,7 @@
       </p:pic>
       <p:pic>
         <p:nvPicPr>
-          <p:cNvPr id="230" name="Google Shape;230;p12"/>
+          <p:cNvPr id="229" name="Google Shape;229;p12"/>
           <p:cNvPicPr preferRelativeResize="0"/>
           <p:nvPr/>
         </p:nvPicPr>
@@ -21677,7 +22388,7 @@
       </p:pic>
       <p:pic>
         <p:nvPicPr>
-          <p:cNvPr id="231" name="Google Shape;231;p12"/>
+          <p:cNvPr id="230" name="Google Shape;230;p12"/>
           <p:cNvPicPr preferRelativeResize="0"/>
           <p:nvPr/>
         </p:nvPicPr>
@@ -21704,7 +22415,7 @@
       </p:pic>
       <p:sp>
         <p:nvSpPr>
-          <p:cNvPr id="232" name="Google Shape;232;p12"/>
+          <p:cNvPr id="231" name="Google Shape;231;p12"/>
           <p:cNvSpPr txBox="1"/>
           <p:nvPr/>
         </p:nvSpPr>
@@ -21754,7 +22465,28 @@
                 <a:cs typeface="Catamaran Light"/>
                 <a:sym typeface="Catamaran Light"/>
               </a:rPr>
-              <a:t>Figure 5: Iris dataset</a:t>
+              <a:t>Figure </a:t>
+            </a:r>
+            <a:r>
+              <a:rPr lang="es" sz="1200">
+                <a:latin typeface="Catamaran Light"/>
+                <a:ea typeface="Catamaran Light"/>
+                <a:cs typeface="Catamaran Light"/>
+                <a:sym typeface="Catamaran Light"/>
+              </a:rPr>
+              <a:t>7</a:t>
+            </a:r>
+            <a:r>
+              <a:rPr b="0" i="0" lang="es" sz="1200" u="none" cap="none" strike="noStrike">
+                <a:solidFill>
+                  <a:srgbClr val="000000"/>
+                </a:solidFill>
+                <a:latin typeface="Catamaran Light"/>
+                <a:ea typeface="Catamaran Light"/>
+                <a:cs typeface="Catamaran Light"/>
+                <a:sym typeface="Catamaran Light"/>
+              </a:rPr>
+              <a:t>: Iris dataset</a:t>
             </a:r>
             <a:endParaRPr b="0" i="0" sz="1200" u="none" cap="none" strike="noStrike">
               <a:solidFill>
@@ -21770,7 +22502,7 @@
       </p:sp>
       <p:pic>
         <p:nvPicPr>
-          <p:cNvPr id="233" name="Google Shape;233;p12"/>
+          <p:cNvPr id="232" name="Google Shape;232;p12"/>
           <p:cNvPicPr preferRelativeResize="0"/>
           <p:nvPr/>
         </p:nvPicPr>
@@ -21797,7 +22529,7 @@
       </p:pic>
       <p:sp>
         <p:nvSpPr>
-          <p:cNvPr id="234" name="Google Shape;234;p12"/>
+          <p:cNvPr id="233" name="Google Shape;233;p12"/>
           <p:cNvSpPr/>
           <p:nvPr/>
         </p:nvSpPr>
@@ -21860,7 +22592,7 @@
       </p:sp>
       <p:sp>
         <p:nvSpPr>
-          <p:cNvPr id="235" name="Google Shape;235;p12"/>
+          <p:cNvPr id="234" name="Google Shape;234;p12"/>
           <p:cNvSpPr/>
           <p:nvPr/>
         </p:nvSpPr>
@@ -21923,7 +22655,7 @@
       </p:sp>
       <p:sp>
         <p:nvSpPr>
-          <p:cNvPr id="236" name="Google Shape;236;p12"/>
+          <p:cNvPr id="235" name="Google Shape;235;p12"/>
           <p:cNvSpPr/>
           <p:nvPr/>
         </p:nvSpPr>
@@ -21986,7 +22718,7 @@
       </p:sp>
       <p:cxnSp>
         <p:nvCxnSpPr>
-          <p:cNvPr id="237" name="Google Shape;237;p12"/>
+          <p:cNvPr id="236" name="Google Shape;236;p12"/>
           <p:cNvCxnSpPr/>
           <p:nvPr/>
         </p:nvCxnSpPr>
@@ -22012,7 +22744,7 @@
       </p:cxnSp>
       <p:cxnSp>
         <p:nvCxnSpPr>
-          <p:cNvPr id="238" name="Google Shape;238;p12"/>
+          <p:cNvPr id="237" name="Google Shape;237;p12"/>
           <p:cNvCxnSpPr/>
           <p:nvPr/>
         </p:nvCxnSpPr>
@@ -22038,7 +22770,7 @@
       </p:cxnSp>
       <p:cxnSp>
         <p:nvCxnSpPr>
-          <p:cNvPr id="239" name="Google Shape;239;p12"/>
+          <p:cNvPr id="238" name="Google Shape;238;p12"/>
           <p:cNvCxnSpPr/>
           <p:nvPr/>
         </p:nvCxnSpPr>
@@ -22070,12 +22802,12 @@
 </p:sld>
 </file>
 
-<file path=ppt/slides/slide13.xml><?xml version="1.0" encoding="utf-8"?>
+<file path=ppt/slides/slide12.xml><?xml version="1.0" encoding="utf-8"?>
 <p:sld xmlns:a="http://schemas.openxmlformats.org/drawingml/2006/main" xmlns:r="http://schemas.openxmlformats.org/officeDocument/2006/relationships" xmlns:mc="http://schemas.openxmlformats.org/markup-compatibility/2006" xmlns:mv="urn:schemas-microsoft-com:mac:vml" xmlns:p="http://schemas.openxmlformats.org/presentationml/2006/main" xmlns:c="http://schemas.openxmlformats.org/drawingml/2006/chart" xmlns:dgm="http://schemas.openxmlformats.org/drawingml/2006/diagram" xmlns:o="urn:schemas-microsoft-com:office:office" xmlns:v="urn:schemas-microsoft-com:vml" xmlns:pvml="urn:schemas-microsoft-com:office:powerpoint" xmlns:com="http://schemas.openxmlformats.org/drawingml/2006/compatibility" xmlns:p14="http://schemas.microsoft.com/office/powerpoint/2010/main" xmlns:p15="http://schemas.microsoft.com/office/powerpoint/2012/main" xmlns:ahyp="http://schemas.microsoft.com/office/drawing/2018/hyperlinkcolor">
   <p:cSld>
     <p:spTree>
       <p:nvGrpSpPr>
-        <p:cNvPr id="243" name="Shape 243"/>
+        <p:cNvPr id="242" name="Shape 242"/>
         <p:cNvGrpSpPr/>
         <p:nvPr/>
       </p:nvGrpSpPr>
@@ -22089,7 +22821,7 @@
       </p:grpSpPr>
       <p:sp>
         <p:nvSpPr>
-          <p:cNvPr id="244" name="Google Shape;244;g18f6b048925_1_0"/>
+          <p:cNvPr id="243" name="Google Shape;243;g18f6b048925_1_0"/>
           <p:cNvSpPr/>
           <p:nvPr/>
         </p:nvSpPr>
@@ -22148,7 +22880,7 @@
       </p:sp>
       <p:sp>
         <p:nvSpPr>
-          <p:cNvPr id="245" name="Google Shape;245;g18f6b048925_1_0"/>
+          <p:cNvPr id="244" name="Google Shape;244;g18f6b048925_1_0"/>
           <p:cNvSpPr txBox="1"/>
           <p:nvPr>
             <p:ph type="ctrTitle"/>
@@ -22204,14 +22936,14 @@
       </p:sp>
       <p:sp>
         <p:nvSpPr>
-          <p:cNvPr id="246" name="Google Shape;246;g18f6b048925_1_0"/>
+          <p:cNvPr id="245" name="Google Shape;245;g18f6b048925_1_0"/>
           <p:cNvSpPr txBox="1"/>
           <p:nvPr/>
         </p:nvSpPr>
         <p:spPr>
           <a:xfrm>
-            <a:off x="220925" y="1356950"/>
-            <a:ext cx="4999500" cy="1416000"/>
+            <a:off x="413050" y="351850"/>
+            <a:ext cx="4173300" cy="1416000"/>
           </a:xfrm>
           <a:prstGeom prst="rect">
             <a:avLst/>
@@ -22299,7 +23031,7 @@
                 <a:cs typeface="Catamaran Light"/>
                 <a:sym typeface="Catamaran Light"/>
               </a:rPr>
-              <a:t>Awesome python libraries make it very simple:</a:t>
+              <a:t>Python libraries make it very simple:</a:t>
             </a:r>
             <a:endParaRPr sz="1600">
               <a:latin typeface="Catamaran Light"/>
@@ -22372,6 +23104,585 @@
           </a:p>
         </p:txBody>
       </p:sp>
+      <p:sp>
+        <p:nvSpPr>
+          <p:cNvPr id="246" name="Google Shape;246;g18f6b048925_1_0"/>
+          <p:cNvSpPr txBox="1"/>
+          <p:nvPr/>
+        </p:nvSpPr>
+        <p:spPr>
+          <a:xfrm>
+            <a:off x="891106" y="4690657"/>
+            <a:ext cx="3217200" cy="369300"/>
+          </a:xfrm>
+          <a:prstGeom prst="rect">
+            <a:avLst/>
+          </a:prstGeom>
+          <a:noFill/>
+          <a:ln>
+            <a:noFill/>
+          </a:ln>
+        </p:spPr>
+        <p:txBody>
+          <a:bodyPr anchorCtr="0" anchor="t" bIns="91425" lIns="91425" spcFirstLastPara="1" rIns="91425" wrap="square" tIns="91425">
+            <a:spAutoFit/>
+          </a:bodyPr>
+          <a:lstStyle/>
+          <a:p>
+            <a:pPr indent="0" lvl="0" marL="0" marR="0" rtl="0" algn="ctr">
+              <a:lnSpc>
+                <a:spcPct val="100000"/>
+              </a:lnSpc>
+              <a:spcBef>
+                <a:spcPts val="0"/>
+              </a:spcBef>
+              <a:spcAft>
+                <a:spcPts val="0"/>
+              </a:spcAft>
+              <a:buClr>
+                <a:srgbClr val="000000"/>
+              </a:buClr>
+              <a:buSzPts val="1200"/>
+              <a:buFont typeface="Arial"/>
+              <a:buNone/>
+            </a:pPr>
+            <a:r>
+              <a:rPr b="0" i="0" lang="es" sz="1200" u="none" cap="none" strike="noStrike">
+                <a:solidFill>
+                  <a:srgbClr val="000000"/>
+                </a:solidFill>
+                <a:latin typeface="Catamaran Light"/>
+                <a:ea typeface="Catamaran Light"/>
+                <a:cs typeface="Catamaran Light"/>
+                <a:sym typeface="Catamaran Light"/>
+              </a:rPr>
+              <a:t>Figure </a:t>
+            </a:r>
+            <a:r>
+              <a:rPr lang="es" sz="1200">
+                <a:latin typeface="Catamaran Light"/>
+                <a:ea typeface="Catamaran Light"/>
+                <a:cs typeface="Catamaran Light"/>
+                <a:sym typeface="Catamaran Light"/>
+              </a:rPr>
+              <a:t>8</a:t>
+            </a:r>
+            <a:r>
+              <a:rPr b="0" i="0" lang="es" sz="1200" u="none" cap="none" strike="noStrike">
+                <a:solidFill>
+                  <a:srgbClr val="000000"/>
+                </a:solidFill>
+                <a:latin typeface="Catamaran Light"/>
+                <a:ea typeface="Catamaran Light"/>
+                <a:cs typeface="Catamaran Light"/>
+                <a:sym typeface="Catamaran Light"/>
+              </a:rPr>
+              <a:t>: </a:t>
+            </a:r>
+            <a:r>
+              <a:rPr lang="es" sz="1200">
+                <a:latin typeface="Catamaran Light"/>
+                <a:ea typeface="Catamaran Light"/>
+                <a:cs typeface="Catamaran Light"/>
+                <a:sym typeface="Catamaran Light"/>
+              </a:rPr>
+              <a:t>Histogram using seaborn and matplotlib</a:t>
+            </a:r>
+            <a:endParaRPr b="0" i="0" sz="1200" u="none" cap="none" strike="noStrike">
+              <a:solidFill>
+                <a:srgbClr val="000000"/>
+              </a:solidFill>
+              <a:latin typeface="Catamaran Light"/>
+              <a:ea typeface="Catamaran Light"/>
+              <a:cs typeface="Catamaran Light"/>
+              <a:sym typeface="Catamaran Light"/>
+            </a:endParaRPr>
+          </a:p>
+        </p:txBody>
+      </p:sp>
+      <p:pic>
+        <p:nvPicPr>
+          <p:cNvPr id="247" name="Google Shape;247;g18f6b048925_1_0"/>
+          <p:cNvPicPr preferRelativeResize="0"/>
+          <p:nvPr/>
+        </p:nvPicPr>
+        <p:blipFill>
+          <a:blip r:embed="rId3">
+            <a:alphaModFix/>
+          </a:blip>
+          <a:stretch>
+            <a:fillRect/>
+          </a:stretch>
+        </p:blipFill>
+        <p:spPr>
+          <a:xfrm>
+            <a:off x="527175" y="1996700"/>
+            <a:ext cx="3945055" cy="2728875"/>
+          </a:xfrm>
+          <a:prstGeom prst="rect">
+            <a:avLst/>
+          </a:prstGeom>
+          <a:noFill/>
+          <a:ln>
+            <a:noFill/>
+          </a:ln>
+        </p:spPr>
+      </p:pic>
+      <p:pic>
+        <p:nvPicPr>
+          <p:cNvPr id="248" name="Google Shape;248;g18f6b048925_1_0"/>
+          <p:cNvPicPr preferRelativeResize="0"/>
+          <p:nvPr/>
+        </p:nvPicPr>
+        <p:blipFill>
+          <a:blip r:embed="rId4">
+            <a:alphaModFix/>
+          </a:blip>
+          <a:stretch>
+            <a:fillRect/>
+          </a:stretch>
+        </p:blipFill>
+        <p:spPr>
+          <a:xfrm>
+            <a:off x="4726075" y="2031625"/>
+            <a:ext cx="4003200" cy="2659025"/>
+          </a:xfrm>
+          <a:prstGeom prst="rect">
+            <a:avLst/>
+          </a:prstGeom>
+          <a:noFill/>
+          <a:ln>
+            <a:noFill/>
+          </a:ln>
+        </p:spPr>
+      </p:pic>
+      <p:sp>
+        <p:nvSpPr>
+          <p:cNvPr id="249" name="Google Shape;249;g18f6b048925_1_0"/>
+          <p:cNvSpPr txBox="1"/>
+          <p:nvPr/>
+        </p:nvSpPr>
+        <p:spPr>
+          <a:xfrm>
+            <a:off x="5427255" y="4690657"/>
+            <a:ext cx="3217200" cy="369300"/>
+          </a:xfrm>
+          <a:prstGeom prst="rect">
+            <a:avLst/>
+          </a:prstGeom>
+          <a:noFill/>
+          <a:ln>
+            <a:noFill/>
+          </a:ln>
+        </p:spPr>
+        <p:txBody>
+          <a:bodyPr anchorCtr="0" anchor="t" bIns="91425" lIns="91425" spcFirstLastPara="1" rIns="91425" wrap="square" tIns="91425">
+            <a:spAutoFit/>
+          </a:bodyPr>
+          <a:lstStyle/>
+          <a:p>
+            <a:pPr indent="0" lvl="0" marL="0" marR="0" rtl="0" algn="ctr">
+              <a:lnSpc>
+                <a:spcPct val="100000"/>
+              </a:lnSpc>
+              <a:spcBef>
+                <a:spcPts val="0"/>
+              </a:spcBef>
+              <a:spcAft>
+                <a:spcPts val="0"/>
+              </a:spcAft>
+              <a:buClr>
+                <a:srgbClr val="000000"/>
+              </a:buClr>
+              <a:buSzPts val="1200"/>
+              <a:buFont typeface="Arial"/>
+              <a:buNone/>
+            </a:pPr>
+            <a:r>
+              <a:rPr b="0" i="0" lang="es" sz="1200" u="none" cap="none" strike="noStrike">
+                <a:solidFill>
+                  <a:srgbClr val="000000"/>
+                </a:solidFill>
+                <a:latin typeface="Catamaran Light"/>
+                <a:ea typeface="Catamaran Light"/>
+                <a:cs typeface="Catamaran Light"/>
+                <a:sym typeface="Catamaran Light"/>
+              </a:rPr>
+              <a:t>Figure </a:t>
+            </a:r>
+            <a:r>
+              <a:rPr lang="es" sz="1200">
+                <a:latin typeface="Catamaran Light"/>
+                <a:ea typeface="Catamaran Light"/>
+                <a:cs typeface="Catamaran Light"/>
+                <a:sym typeface="Catamaran Light"/>
+              </a:rPr>
+              <a:t>9</a:t>
+            </a:r>
+            <a:r>
+              <a:rPr b="0" i="0" lang="es" sz="1200" u="none" cap="none" strike="noStrike">
+                <a:solidFill>
+                  <a:srgbClr val="000000"/>
+                </a:solidFill>
+                <a:latin typeface="Catamaran Light"/>
+                <a:ea typeface="Catamaran Light"/>
+                <a:cs typeface="Catamaran Light"/>
+                <a:sym typeface="Catamaran Light"/>
+              </a:rPr>
+              <a:t>: </a:t>
+            </a:r>
+            <a:r>
+              <a:rPr lang="es" sz="1200">
+                <a:latin typeface="Catamaran Light"/>
+                <a:ea typeface="Catamaran Light"/>
+                <a:cs typeface="Catamaran Light"/>
+                <a:sym typeface="Catamaran Light"/>
+              </a:rPr>
+              <a:t>Boxplot</a:t>
+            </a:r>
+            <a:r>
+              <a:rPr lang="es" sz="1200">
+                <a:latin typeface="Catamaran Light"/>
+                <a:ea typeface="Catamaran Light"/>
+                <a:cs typeface="Catamaran Light"/>
+                <a:sym typeface="Catamaran Light"/>
+              </a:rPr>
+              <a:t> using seaborn and matplotlib</a:t>
+            </a:r>
+            <a:endParaRPr b="0" i="0" sz="1200" u="none" cap="none" strike="noStrike">
+              <a:solidFill>
+                <a:srgbClr val="000000"/>
+              </a:solidFill>
+              <a:latin typeface="Catamaran Light"/>
+              <a:ea typeface="Catamaran Light"/>
+              <a:cs typeface="Catamaran Light"/>
+              <a:sym typeface="Catamaran Light"/>
+            </a:endParaRPr>
+          </a:p>
+        </p:txBody>
+      </p:sp>
+    </p:spTree>
+  </p:cSld>
+  <p:clrMapOvr>
+    <a:masterClrMapping/>
+  </p:clrMapOvr>
+</p:sld>
+</file>
+
+<file path=ppt/slides/slide13.xml><?xml version="1.0" encoding="utf-8"?>
+<p:sld xmlns:a="http://schemas.openxmlformats.org/drawingml/2006/main" xmlns:r="http://schemas.openxmlformats.org/officeDocument/2006/relationships" xmlns:mc="http://schemas.openxmlformats.org/markup-compatibility/2006" xmlns:mv="urn:schemas-microsoft-com:mac:vml" xmlns:p="http://schemas.openxmlformats.org/presentationml/2006/main" xmlns:c="http://schemas.openxmlformats.org/drawingml/2006/chart" xmlns:dgm="http://schemas.openxmlformats.org/drawingml/2006/diagram" xmlns:o="urn:schemas-microsoft-com:office:office" xmlns:v="urn:schemas-microsoft-com:vml" xmlns:pvml="urn:schemas-microsoft-com:office:powerpoint" xmlns:com="http://schemas.openxmlformats.org/drawingml/2006/compatibility" xmlns:p14="http://schemas.microsoft.com/office/powerpoint/2010/main" xmlns:p15="http://schemas.microsoft.com/office/powerpoint/2012/main" xmlns:ahyp="http://schemas.microsoft.com/office/drawing/2018/hyperlinkcolor">
+  <p:cSld>
+    <p:spTree>
+      <p:nvGrpSpPr>
+        <p:cNvPr id="253" name="Shape 253"/>
+        <p:cNvGrpSpPr/>
+        <p:nvPr/>
+      </p:nvGrpSpPr>
+      <p:grpSpPr>
+        <a:xfrm>
+          <a:off x="0" y="0"/>
+          <a:ext cx="0" cy="0"/>
+          <a:chOff x="0" y="0"/>
+          <a:chExt cx="0" cy="0"/>
+        </a:xfrm>
+      </p:grpSpPr>
+      <p:sp>
+        <p:nvSpPr>
+          <p:cNvPr id="254" name="Google Shape;254;g190ffb19d87_0_6"/>
+          <p:cNvSpPr/>
+          <p:nvPr/>
+        </p:nvSpPr>
+        <p:spPr>
+          <a:xfrm flipH="1" rot="10800000">
+            <a:off x="0" y="304000"/>
+            <a:ext cx="4363500" cy="783900"/>
+          </a:xfrm>
+          <a:prstGeom prst="rect">
+            <a:avLst/>
+          </a:prstGeom>
+          <a:solidFill>
+            <a:srgbClr val="3C78D8"/>
+          </a:solidFill>
+          <a:ln>
+            <a:noFill/>
+          </a:ln>
+        </p:spPr>
+        <p:txBody>
+          <a:bodyPr anchorCtr="0" anchor="ctr" bIns="91425" lIns="91425" spcFirstLastPara="1" rIns="91425" wrap="square" tIns="91425">
+            <a:noAutofit/>
+          </a:bodyPr>
+          <a:lstStyle/>
+          <a:p>
+            <a:pPr indent="0" lvl="0" marL="0" marR="0" rtl="0" algn="l">
+              <a:lnSpc>
+                <a:spcPct val="100000"/>
+              </a:lnSpc>
+              <a:spcBef>
+                <a:spcPts val="0"/>
+              </a:spcBef>
+              <a:spcAft>
+                <a:spcPts val="0"/>
+              </a:spcAft>
+              <a:buClr>
+                <a:srgbClr val="000000"/>
+              </a:buClr>
+              <a:buSzPts val="1400"/>
+              <a:buFont typeface="Arial"/>
+              <a:buNone/>
+            </a:pPr>
+            <a:r>
+              <a:t/>
+            </a:r>
+            <a:endParaRPr b="0" i="0" sz="1400" u="none" cap="none" strike="noStrike">
+              <a:solidFill>
+                <a:srgbClr val="000000"/>
+              </a:solidFill>
+              <a:latin typeface="Arial"/>
+              <a:ea typeface="Arial"/>
+              <a:cs typeface="Arial"/>
+              <a:sym typeface="Arial"/>
+            </a:endParaRPr>
+          </a:p>
+        </p:txBody>
+      </p:sp>
+      <p:sp>
+        <p:nvSpPr>
+          <p:cNvPr id="255" name="Google Shape;255;g190ffb19d87_0_6"/>
+          <p:cNvSpPr txBox="1"/>
+          <p:nvPr>
+            <p:ph type="ctrTitle"/>
+          </p:nvPr>
+        </p:nvSpPr>
+        <p:spPr>
+          <a:xfrm>
+            <a:off x="75" y="380500"/>
+            <a:ext cx="4363500" cy="630900"/>
+          </a:xfrm>
+          <a:prstGeom prst="rect">
+            <a:avLst/>
+          </a:prstGeom>
+          <a:noFill/>
+          <a:ln>
+            <a:noFill/>
+          </a:ln>
+        </p:spPr>
+        <p:txBody>
+          <a:bodyPr anchorCtr="0" anchor="b" bIns="91425" lIns="91425" spcFirstLastPara="1" rIns="91425" wrap="square" tIns="91425">
+            <a:noAutofit/>
+          </a:bodyPr>
+          <a:lstStyle/>
+          <a:p>
+            <a:pPr indent="0" lvl="0" marL="0" rtl="0" algn="ctr">
+              <a:lnSpc>
+                <a:spcPct val="100000"/>
+              </a:lnSpc>
+              <a:spcBef>
+                <a:spcPts val="0"/>
+              </a:spcBef>
+              <a:spcAft>
+                <a:spcPts val="0"/>
+              </a:spcAft>
+              <a:buSzPts val="2800"/>
+              <a:buNone/>
+            </a:pPr>
+            <a:r>
+              <a:rPr lang="es" sz="2400">
+                <a:solidFill>
+                  <a:schemeClr val="lt1"/>
+                </a:solidFill>
+              </a:rPr>
+              <a:t>Data splits</a:t>
+            </a:r>
+            <a:endParaRPr sz="2400">
+              <a:solidFill>
+                <a:schemeClr val="lt1"/>
+              </a:solidFill>
+            </a:endParaRPr>
+          </a:p>
+        </p:txBody>
+      </p:sp>
+      <p:pic>
+        <p:nvPicPr>
+          <p:cNvPr id="256" name="Google Shape;256;g190ffb19d87_0_6"/>
+          <p:cNvPicPr preferRelativeResize="0"/>
+          <p:nvPr/>
+        </p:nvPicPr>
+        <p:blipFill>
+          <a:blip r:embed="rId3">
+            <a:alphaModFix/>
+          </a:blip>
+          <a:stretch>
+            <a:fillRect/>
+          </a:stretch>
+        </p:blipFill>
+        <p:spPr>
+          <a:xfrm>
+            <a:off x="1864288" y="1187925"/>
+            <a:ext cx="5415426" cy="3415651"/>
+          </a:xfrm>
+          <a:prstGeom prst="rect">
+            <a:avLst/>
+          </a:prstGeom>
+          <a:noFill/>
+          <a:ln>
+            <a:noFill/>
+          </a:ln>
+        </p:spPr>
+      </p:pic>
+      <p:sp>
+        <p:nvSpPr>
+          <p:cNvPr id="257" name="Google Shape;257;g190ffb19d87_0_6"/>
+          <p:cNvSpPr txBox="1"/>
+          <p:nvPr/>
+        </p:nvSpPr>
+        <p:spPr>
+          <a:xfrm>
+            <a:off x="2963406" y="4533457"/>
+            <a:ext cx="3217200" cy="369300"/>
+          </a:xfrm>
+          <a:prstGeom prst="rect">
+            <a:avLst/>
+          </a:prstGeom>
+          <a:noFill/>
+          <a:ln>
+            <a:noFill/>
+          </a:ln>
+        </p:spPr>
+        <p:txBody>
+          <a:bodyPr anchorCtr="0" anchor="t" bIns="91425" lIns="91425" spcFirstLastPara="1" rIns="91425" wrap="square" tIns="91425">
+            <a:spAutoFit/>
+          </a:bodyPr>
+          <a:lstStyle/>
+          <a:p>
+            <a:pPr indent="0" lvl="0" marL="0" marR="0" rtl="0" algn="ctr">
+              <a:lnSpc>
+                <a:spcPct val="100000"/>
+              </a:lnSpc>
+              <a:spcBef>
+                <a:spcPts val="0"/>
+              </a:spcBef>
+              <a:spcAft>
+                <a:spcPts val="0"/>
+              </a:spcAft>
+              <a:buClr>
+                <a:srgbClr val="000000"/>
+              </a:buClr>
+              <a:buSzPts val="1200"/>
+              <a:buFont typeface="Arial"/>
+              <a:buNone/>
+            </a:pPr>
+            <a:r>
+              <a:rPr b="0" i="0" lang="es" sz="1200" u="none" cap="none" strike="noStrike">
+                <a:solidFill>
+                  <a:srgbClr val="000000"/>
+                </a:solidFill>
+                <a:latin typeface="Catamaran Light"/>
+                <a:ea typeface="Catamaran Light"/>
+                <a:cs typeface="Catamaran Light"/>
+                <a:sym typeface="Catamaran Light"/>
+              </a:rPr>
+              <a:t>Figure </a:t>
+            </a:r>
+            <a:r>
+              <a:rPr lang="es" sz="1200">
+                <a:latin typeface="Catamaran Light"/>
+                <a:ea typeface="Catamaran Light"/>
+                <a:cs typeface="Catamaran Light"/>
+                <a:sym typeface="Catamaran Light"/>
+              </a:rPr>
+              <a:t>10</a:t>
+            </a:r>
+            <a:r>
+              <a:rPr b="0" i="0" lang="es" sz="1200" u="none" cap="none" strike="noStrike">
+                <a:solidFill>
+                  <a:srgbClr val="000000"/>
+                </a:solidFill>
+                <a:latin typeface="Catamaran Light"/>
+                <a:ea typeface="Catamaran Light"/>
+                <a:cs typeface="Catamaran Light"/>
+                <a:sym typeface="Catamaran Light"/>
+              </a:rPr>
+              <a:t>: </a:t>
+            </a:r>
+            <a:r>
+              <a:rPr lang="es" sz="1200">
+                <a:latin typeface="Catamaran Light"/>
+                <a:ea typeface="Catamaran Light"/>
+                <a:cs typeface="Catamaran Light"/>
+                <a:sym typeface="Catamaran Light"/>
+              </a:rPr>
+              <a:t>Data splitting</a:t>
+            </a:r>
+            <a:endParaRPr b="0" i="0" sz="1200" u="none" cap="none" strike="noStrike">
+              <a:solidFill>
+                <a:srgbClr val="000000"/>
+              </a:solidFill>
+              <a:latin typeface="Catamaran Light"/>
+              <a:ea typeface="Catamaran Light"/>
+              <a:cs typeface="Catamaran Light"/>
+              <a:sym typeface="Catamaran Light"/>
+            </a:endParaRPr>
+          </a:p>
+        </p:txBody>
+      </p:sp>
+      <p:sp>
+        <p:nvSpPr>
+          <p:cNvPr id="258" name="Google Shape;258;g190ffb19d87_0_6"/>
+          <p:cNvSpPr txBox="1"/>
+          <p:nvPr/>
+        </p:nvSpPr>
+        <p:spPr>
+          <a:xfrm>
+            <a:off x="5398500" y="388150"/>
+            <a:ext cx="3100200" cy="615600"/>
+          </a:xfrm>
+          <a:prstGeom prst="rect">
+            <a:avLst/>
+          </a:prstGeom>
+          <a:noFill/>
+          <a:ln cap="flat" cmpd="sng" w="28575">
+            <a:solidFill>
+              <a:srgbClr val="000000"/>
+            </a:solidFill>
+            <a:prstDash val="solid"/>
+            <a:round/>
+            <a:headEnd len="sm" w="sm" type="none"/>
+            <a:tailEnd len="sm" w="sm" type="none"/>
+          </a:ln>
+        </p:spPr>
+        <p:txBody>
+          <a:bodyPr anchorCtr="0" anchor="t" bIns="91425" lIns="91425" spcFirstLastPara="1" rIns="91425" wrap="square" tIns="91425">
+            <a:spAutoFit/>
+          </a:bodyPr>
+          <a:lstStyle/>
+          <a:p>
+            <a:pPr indent="0" lvl="0" marL="0" rtl="0" algn="ctr">
+              <a:spcBef>
+                <a:spcPts val="0"/>
+              </a:spcBef>
+              <a:spcAft>
+                <a:spcPts val="0"/>
+              </a:spcAft>
+              <a:buNone/>
+            </a:pPr>
+            <a:r>
+              <a:rPr lang="es">
+                <a:latin typeface="Catamaran Light"/>
+                <a:ea typeface="Catamaran Light"/>
+                <a:cs typeface="Catamaran Light"/>
+                <a:sym typeface="Catamaran Light"/>
+              </a:rPr>
+              <a:t>Time to get coding! Let’s go through Part 1 of the hands-on notebook!</a:t>
+            </a:r>
+            <a:endParaRPr>
+              <a:latin typeface="Catamaran Light"/>
+              <a:ea typeface="Catamaran Light"/>
+              <a:cs typeface="Catamaran Light"/>
+              <a:sym typeface="Catamaran Light"/>
+            </a:endParaRPr>
+          </a:p>
+        </p:txBody>
+      </p:sp>
     </p:spTree>
   </p:cSld>
   <p:clrMapOvr>
@@ -22385,7 +23696,7 @@
   <p:cSld>
     <p:spTree>
       <p:nvGrpSpPr>
-        <p:cNvPr id="250" name="Shape 250"/>
+        <p:cNvPr id="262" name="Shape 262"/>
         <p:cNvGrpSpPr/>
         <p:nvPr/>
       </p:nvGrpSpPr>
@@ -22399,7 +23710,100 @@
       </p:grpSpPr>
       <p:sp>
         <p:nvSpPr>
-          <p:cNvPr id="251" name="Google Shape;251;p13"/>
+          <p:cNvPr id="263" name="Google Shape;263;g190ffb19d87_0_31"/>
+          <p:cNvSpPr txBox="1"/>
+          <p:nvPr>
+            <p:ph type="ctrTitle"/>
+          </p:nvPr>
+        </p:nvSpPr>
+        <p:spPr>
+          <a:xfrm>
+            <a:off x="751200" y="2577425"/>
+            <a:ext cx="5053500" cy="1961400"/>
+          </a:xfrm>
+          <a:prstGeom prst="rect">
+            <a:avLst/>
+          </a:prstGeom>
+          <a:noFill/>
+          <a:ln>
+            <a:noFill/>
+          </a:ln>
+        </p:spPr>
+        <p:txBody>
+          <a:bodyPr anchorCtr="0" anchor="ctr" bIns="91425" lIns="91425" spcFirstLastPara="1" rIns="91425" wrap="square" tIns="91425">
+            <a:noAutofit/>
+          </a:bodyPr>
+          <a:lstStyle/>
+          <a:p>
+            <a:pPr indent="0" lvl="0" marL="0" rtl="0" algn="l">
+              <a:lnSpc>
+                <a:spcPct val="100000"/>
+              </a:lnSpc>
+              <a:spcBef>
+                <a:spcPts val="0"/>
+              </a:spcBef>
+              <a:spcAft>
+                <a:spcPts val="0"/>
+              </a:spcAft>
+              <a:buSzPts val="3600"/>
+              <a:buNone/>
+            </a:pPr>
+            <a:r>
+              <a:rPr lang="es"/>
+              <a:t>Supervised classification models:</a:t>
+            </a:r>
+            <a:endParaRPr/>
+          </a:p>
+          <a:p>
+            <a:pPr indent="0" lvl="0" marL="0" rtl="0" algn="l">
+              <a:lnSpc>
+                <a:spcPct val="100000"/>
+              </a:lnSpc>
+              <a:spcBef>
+                <a:spcPts val="0"/>
+              </a:spcBef>
+              <a:spcAft>
+                <a:spcPts val="0"/>
+              </a:spcAft>
+              <a:buSzPts val="3600"/>
+              <a:buNone/>
+            </a:pPr>
+            <a:r>
+              <a:rPr lang="es"/>
+              <a:t>an overview</a:t>
+            </a:r>
+            <a:endParaRPr/>
+          </a:p>
+        </p:txBody>
+      </p:sp>
+    </p:spTree>
+  </p:cSld>
+  <p:clrMapOvr>
+    <a:masterClrMapping/>
+  </p:clrMapOvr>
+</p:sld>
+</file>
+
+<file path=ppt/slides/slide15.xml><?xml version="1.0" encoding="utf-8"?>
+<p:sld xmlns:a="http://schemas.openxmlformats.org/drawingml/2006/main" xmlns:r="http://schemas.openxmlformats.org/officeDocument/2006/relationships" xmlns:mc="http://schemas.openxmlformats.org/markup-compatibility/2006" xmlns:mv="urn:schemas-microsoft-com:mac:vml" xmlns:p="http://schemas.openxmlformats.org/presentationml/2006/main" xmlns:c="http://schemas.openxmlformats.org/drawingml/2006/chart" xmlns:dgm="http://schemas.openxmlformats.org/drawingml/2006/diagram" xmlns:o="urn:schemas-microsoft-com:office:office" xmlns:v="urn:schemas-microsoft-com:vml" xmlns:pvml="urn:schemas-microsoft-com:office:powerpoint" xmlns:com="http://schemas.openxmlformats.org/drawingml/2006/compatibility" xmlns:p14="http://schemas.microsoft.com/office/powerpoint/2010/main" xmlns:p15="http://schemas.microsoft.com/office/powerpoint/2012/main" xmlns:ahyp="http://schemas.microsoft.com/office/drawing/2018/hyperlinkcolor">
+  <p:cSld>
+    <p:spTree>
+      <p:nvGrpSpPr>
+        <p:cNvPr id="267" name="Shape 267"/>
+        <p:cNvGrpSpPr/>
+        <p:nvPr/>
+      </p:nvGrpSpPr>
+      <p:grpSpPr>
+        <a:xfrm>
+          <a:off x="0" y="0"/>
+          <a:ext cx="0" cy="0"/>
+          <a:chOff x="0" y="0"/>
+          <a:chExt cx="0" cy="0"/>
+        </a:xfrm>
+      </p:grpSpPr>
+      <p:sp>
+        <p:nvSpPr>
+          <p:cNvPr id="268" name="Google Shape;268;p13"/>
           <p:cNvSpPr/>
           <p:nvPr/>
         </p:nvSpPr>
@@ -22458,7 +23862,7 @@
       </p:sp>
       <p:sp>
         <p:nvSpPr>
-          <p:cNvPr id="252" name="Google Shape;252;p13"/>
+          <p:cNvPr id="269" name="Google Shape;269;p13"/>
           <p:cNvSpPr txBox="1"/>
           <p:nvPr>
             <p:ph type="ctrTitle"/>
@@ -22514,14 +23918,14 @@
       </p:sp>
       <p:sp>
         <p:nvSpPr>
-          <p:cNvPr id="253" name="Google Shape;253;p13"/>
+          <p:cNvPr id="270" name="Google Shape;270;p13"/>
           <p:cNvSpPr txBox="1"/>
           <p:nvPr/>
         </p:nvSpPr>
         <p:spPr>
           <a:xfrm>
-            <a:off x="1508700" y="2040150"/>
-            <a:ext cx="6126600" cy="2124000"/>
+            <a:off x="1508700" y="1376475"/>
+            <a:ext cx="6126600" cy="831300"/>
           </a:xfrm>
           <a:prstGeom prst="rect">
             <a:avLst/>
@@ -22578,10 +23982,7 @@
               </a:rPr>
               <a:t> function mapping feature into probability distribution over classes.</a:t>
             </a:r>
-            <a:endParaRPr b="0" i="0" sz="1400" u="none" cap="none" strike="noStrike">
-              <a:solidFill>
-                <a:srgbClr val="000000"/>
-              </a:solidFill>
+            <a:endParaRPr>
               <a:latin typeface="Catamaran Light"/>
               <a:ea typeface="Catamaran Light"/>
               <a:cs typeface="Catamaran Light"/>
@@ -22620,6 +24021,281 @@
             </a:endParaRPr>
           </a:p>
           <a:p>
+            <a:pPr indent="0" lvl="0" marL="0" marR="0" rtl="0" algn="l">
+              <a:lnSpc>
+                <a:spcPct val="100000"/>
+              </a:lnSpc>
+              <a:spcBef>
+                <a:spcPts val="0"/>
+              </a:spcBef>
+              <a:spcAft>
+                <a:spcPts val="0"/>
+              </a:spcAft>
+              <a:buNone/>
+            </a:pPr>
+            <a:r>
+              <a:t/>
+            </a:r>
+            <a:endParaRPr b="0" i="0" sz="1400" u="none" cap="none" strike="noStrike">
+              <a:solidFill>
+                <a:srgbClr val="000000"/>
+              </a:solidFill>
+              <a:latin typeface="Catamaran Light"/>
+              <a:ea typeface="Catamaran Light"/>
+              <a:cs typeface="Catamaran Light"/>
+              <a:sym typeface="Catamaran Light"/>
+            </a:endParaRPr>
+          </a:p>
+        </p:txBody>
+      </p:sp>
+      <p:pic>
+        <p:nvPicPr>
+          <p:cNvPr id="271" name="Google Shape;271;p13"/>
+          <p:cNvPicPr preferRelativeResize="0"/>
+          <p:nvPr/>
+        </p:nvPicPr>
+        <p:blipFill rotWithShape="1">
+          <a:blip r:embed="rId3">
+            <a:alphaModFix/>
+          </a:blip>
+          <a:srcRect b="0" l="0" r="0" t="0"/>
+          <a:stretch/>
+        </p:blipFill>
+        <p:spPr>
+          <a:xfrm>
+            <a:off x="3363863" y="1847525"/>
+            <a:ext cx="2416275" cy="301575"/>
+          </a:xfrm>
+          <a:prstGeom prst="rect">
+            <a:avLst/>
+          </a:prstGeom>
+          <a:noFill/>
+          <a:ln>
+            <a:noFill/>
+          </a:ln>
+        </p:spPr>
+      </p:pic>
+      <p:pic>
+        <p:nvPicPr>
+          <p:cNvPr id="272" name="Google Shape;272;p13"/>
+          <p:cNvPicPr preferRelativeResize="0"/>
+          <p:nvPr/>
+        </p:nvPicPr>
+        <p:blipFill rotWithShape="1">
+          <a:blip r:embed="rId4">
+            <a:alphaModFix/>
+          </a:blip>
+          <a:srcRect b="0" l="0" r="0" t="0"/>
+          <a:stretch/>
+        </p:blipFill>
+        <p:spPr>
+          <a:xfrm>
+            <a:off x="2096550" y="2288336"/>
+            <a:ext cx="4950902" cy="1380375"/>
+          </a:xfrm>
+          <a:prstGeom prst="rect">
+            <a:avLst/>
+          </a:prstGeom>
+          <a:noFill/>
+          <a:ln>
+            <a:noFill/>
+          </a:ln>
+        </p:spPr>
+      </p:pic>
+      <p:sp>
+        <p:nvSpPr>
+          <p:cNvPr id="273" name="Google Shape;273;p13"/>
+          <p:cNvSpPr txBox="1"/>
+          <p:nvPr/>
+        </p:nvSpPr>
+        <p:spPr>
+          <a:xfrm>
+            <a:off x="2963393" y="3563932"/>
+            <a:ext cx="3217200" cy="369300"/>
+          </a:xfrm>
+          <a:prstGeom prst="rect">
+            <a:avLst/>
+          </a:prstGeom>
+          <a:noFill/>
+          <a:ln>
+            <a:noFill/>
+          </a:ln>
+        </p:spPr>
+        <p:txBody>
+          <a:bodyPr anchorCtr="0" anchor="t" bIns="91425" lIns="91425" spcFirstLastPara="1" rIns="91425" wrap="square" tIns="91425">
+            <a:spAutoFit/>
+          </a:bodyPr>
+          <a:lstStyle/>
+          <a:p>
+            <a:pPr indent="0" lvl="0" marL="0" marR="0" rtl="0" algn="ctr">
+              <a:lnSpc>
+                <a:spcPct val="100000"/>
+              </a:lnSpc>
+              <a:spcBef>
+                <a:spcPts val="0"/>
+              </a:spcBef>
+              <a:spcAft>
+                <a:spcPts val="0"/>
+              </a:spcAft>
+              <a:buClr>
+                <a:srgbClr val="000000"/>
+              </a:buClr>
+              <a:buSzPts val="1200"/>
+              <a:buFont typeface="Arial"/>
+              <a:buNone/>
+            </a:pPr>
+            <a:r>
+              <a:rPr b="0" i="0" lang="es" sz="1200" u="none" cap="none" strike="noStrike">
+                <a:solidFill>
+                  <a:srgbClr val="000000"/>
+                </a:solidFill>
+                <a:latin typeface="Catamaran Light"/>
+                <a:ea typeface="Catamaran Light"/>
+                <a:cs typeface="Catamaran Light"/>
+                <a:sym typeface="Catamaran Light"/>
+              </a:rPr>
+              <a:t>Figure </a:t>
+            </a:r>
+            <a:r>
+              <a:rPr lang="es" sz="1200">
+                <a:latin typeface="Catamaran Light"/>
+                <a:ea typeface="Catamaran Light"/>
+                <a:cs typeface="Catamaran Light"/>
+                <a:sym typeface="Catamaran Light"/>
+              </a:rPr>
+              <a:t>11</a:t>
+            </a:r>
+            <a:r>
+              <a:rPr b="0" i="0" lang="es" sz="1200" u="none" cap="none" strike="noStrike">
+                <a:solidFill>
+                  <a:srgbClr val="000000"/>
+                </a:solidFill>
+                <a:latin typeface="Catamaran Light"/>
+                <a:ea typeface="Catamaran Light"/>
+                <a:cs typeface="Catamaran Light"/>
+                <a:sym typeface="Catamaran Light"/>
+              </a:rPr>
+              <a:t>: </a:t>
+            </a:r>
+            <a:r>
+              <a:rPr lang="es" sz="1200">
+                <a:latin typeface="Catamaran Light"/>
+                <a:ea typeface="Catamaran Light"/>
+                <a:cs typeface="Catamaran Light"/>
+                <a:sym typeface="Catamaran Light"/>
+              </a:rPr>
+              <a:t>M</a:t>
+            </a:r>
+            <a:r>
+              <a:rPr b="0" i="0" lang="es" sz="1200" u="none" cap="none" strike="noStrike">
+                <a:solidFill>
+                  <a:srgbClr val="000000"/>
+                </a:solidFill>
+                <a:latin typeface="Catamaran Light"/>
+                <a:ea typeface="Catamaran Light"/>
+                <a:cs typeface="Catamaran Light"/>
+                <a:sym typeface="Catamaran Light"/>
+              </a:rPr>
+              <a:t>odel prediction repres</a:t>
+            </a:r>
+            <a:r>
+              <a:rPr lang="es" sz="1200">
+                <a:latin typeface="Catamaran Light"/>
+                <a:ea typeface="Catamaran Light"/>
+                <a:cs typeface="Catamaran Light"/>
+                <a:sym typeface="Catamaran Light"/>
+              </a:rPr>
+              <a:t>entation</a:t>
+            </a:r>
+            <a:endParaRPr b="0" i="0" sz="1200" u="none" cap="none" strike="noStrike">
+              <a:solidFill>
+                <a:srgbClr val="000000"/>
+              </a:solidFill>
+              <a:latin typeface="Catamaran Light"/>
+              <a:ea typeface="Catamaran Light"/>
+              <a:cs typeface="Catamaran Light"/>
+              <a:sym typeface="Catamaran Light"/>
+            </a:endParaRPr>
+          </a:p>
+        </p:txBody>
+      </p:sp>
+      <p:sp>
+        <p:nvSpPr>
+          <p:cNvPr id="274" name="Google Shape;274;p13"/>
+          <p:cNvSpPr txBox="1"/>
+          <p:nvPr/>
+        </p:nvSpPr>
+        <p:spPr>
+          <a:xfrm>
+            <a:off x="1508700" y="3933225"/>
+            <a:ext cx="6126600" cy="831300"/>
+          </a:xfrm>
+          <a:prstGeom prst="rect">
+            <a:avLst/>
+          </a:prstGeom>
+          <a:noFill/>
+          <a:ln>
+            <a:noFill/>
+          </a:ln>
+        </p:spPr>
+        <p:txBody>
+          <a:bodyPr anchorCtr="0" anchor="t" bIns="91425" lIns="91425" spcFirstLastPara="1" rIns="91425" wrap="square" tIns="91425">
+            <a:spAutoFit/>
+          </a:bodyPr>
+          <a:lstStyle/>
+          <a:p>
+            <a:pPr indent="-317500" lvl="0" marL="457200" marR="0" rtl="0" algn="l">
+              <a:lnSpc>
+                <a:spcPct val="100000"/>
+              </a:lnSpc>
+              <a:spcBef>
+                <a:spcPts val="0"/>
+              </a:spcBef>
+              <a:spcAft>
+                <a:spcPts val="0"/>
+              </a:spcAft>
+              <a:buClr>
+                <a:srgbClr val="000000"/>
+              </a:buClr>
+              <a:buSzPts val="1400"/>
+              <a:buFont typeface="Catamaran Light"/>
+              <a:buChar char="●"/>
+            </a:pPr>
+            <a:r>
+              <a:rPr lang="es">
+                <a:latin typeface="Catamaran"/>
+                <a:ea typeface="Catamaran"/>
+                <a:cs typeface="Catamaran"/>
+                <a:sym typeface="Catamaran"/>
+              </a:rPr>
+              <a:t>Take the class with highest </a:t>
+            </a:r>
+            <a:r>
+              <a:rPr lang="es">
+                <a:latin typeface="Catamaran"/>
+                <a:ea typeface="Catamaran"/>
+                <a:cs typeface="Catamaran"/>
+                <a:sym typeface="Catamaran"/>
+              </a:rPr>
+              <a:t>probability</a:t>
+            </a:r>
+            <a:r>
+              <a:rPr lang="es">
+                <a:latin typeface="Catamaran"/>
+                <a:ea typeface="Catamaran"/>
+                <a:cs typeface="Catamaran"/>
+                <a:sym typeface="Catamaran"/>
+              </a:rPr>
+              <a:t> to represent the predicted class!</a:t>
+            </a:r>
+            <a:endParaRPr>
+              <a:latin typeface="Catamaran Light"/>
+              <a:ea typeface="Catamaran Light"/>
+              <a:cs typeface="Catamaran Light"/>
+              <a:sym typeface="Catamaran Light"/>
+            </a:endParaRPr>
+          </a:p>
+          <a:p>
             <a:pPr indent="0" lvl="0" marL="457200" marR="0" rtl="0" algn="l">
               <a:lnSpc>
                 <a:spcPct val="100000"/>
@@ -22651,7 +24327,199 @@
             </a:endParaRPr>
           </a:p>
           <a:p>
-            <a:pPr indent="0" lvl="0" marL="457200" marR="0" rtl="0" algn="l">
+            <a:pPr indent="0" lvl="0" marL="0" marR="0" rtl="0" algn="l">
+              <a:lnSpc>
+                <a:spcPct val="100000"/>
+              </a:lnSpc>
+              <a:spcBef>
+                <a:spcPts val="0"/>
+              </a:spcBef>
+              <a:spcAft>
+                <a:spcPts val="0"/>
+              </a:spcAft>
+              <a:buNone/>
+            </a:pPr>
+            <a:r>
+              <a:t/>
+            </a:r>
+            <a:endParaRPr b="0" i="0" sz="1400" u="none" cap="none" strike="noStrike">
+              <a:solidFill>
+                <a:srgbClr val="000000"/>
+              </a:solidFill>
+              <a:latin typeface="Catamaran Light"/>
+              <a:ea typeface="Catamaran Light"/>
+              <a:cs typeface="Catamaran Light"/>
+              <a:sym typeface="Catamaran Light"/>
+            </a:endParaRPr>
+          </a:p>
+        </p:txBody>
+      </p:sp>
+    </p:spTree>
+  </p:cSld>
+  <p:clrMapOvr>
+    <a:masterClrMapping/>
+  </p:clrMapOvr>
+</p:sld>
+</file>
+
+<file path=ppt/slides/slide16.xml><?xml version="1.0" encoding="utf-8"?>
+<p:sld xmlns:a="http://schemas.openxmlformats.org/drawingml/2006/main" xmlns:r="http://schemas.openxmlformats.org/officeDocument/2006/relationships" xmlns:mc="http://schemas.openxmlformats.org/markup-compatibility/2006" xmlns:mv="urn:schemas-microsoft-com:mac:vml" xmlns:p="http://schemas.openxmlformats.org/presentationml/2006/main" xmlns:c="http://schemas.openxmlformats.org/drawingml/2006/chart" xmlns:dgm="http://schemas.openxmlformats.org/drawingml/2006/diagram" xmlns:o="urn:schemas-microsoft-com:office:office" xmlns:v="urn:schemas-microsoft-com:vml" xmlns:pvml="urn:schemas-microsoft-com:office:powerpoint" xmlns:com="http://schemas.openxmlformats.org/drawingml/2006/compatibility" xmlns:p14="http://schemas.microsoft.com/office/powerpoint/2010/main" xmlns:p15="http://schemas.microsoft.com/office/powerpoint/2012/main" xmlns:ahyp="http://schemas.microsoft.com/office/drawing/2018/hyperlinkcolor">
+  <p:cSld>
+    <p:spTree>
+      <p:nvGrpSpPr>
+        <p:cNvPr id="278" name="Shape 278"/>
+        <p:cNvGrpSpPr/>
+        <p:nvPr/>
+      </p:nvGrpSpPr>
+      <p:grpSpPr>
+        <a:xfrm>
+          <a:off x="0" y="0"/>
+          <a:ext cx="0" cy="0"/>
+          <a:chOff x="0" y="0"/>
+          <a:chExt cx="0" cy="0"/>
+        </a:xfrm>
+      </p:grpSpPr>
+      <p:sp>
+        <p:nvSpPr>
+          <p:cNvPr id="279" name="Google Shape;279;g190ffb19d87_0_36"/>
+          <p:cNvSpPr/>
+          <p:nvPr/>
+        </p:nvSpPr>
+        <p:spPr>
+          <a:xfrm rot="10800000">
+            <a:off x="5140800" y="297300"/>
+            <a:ext cx="4003200" cy="806100"/>
+          </a:xfrm>
+          <a:prstGeom prst="rect">
+            <a:avLst/>
+          </a:prstGeom>
+          <a:solidFill>
+            <a:srgbClr val="3C78D8"/>
+          </a:solidFill>
+          <a:ln>
+            <a:noFill/>
+          </a:ln>
+        </p:spPr>
+        <p:txBody>
+          <a:bodyPr anchorCtr="0" anchor="ctr" bIns="91425" lIns="91425" spcFirstLastPara="1" rIns="91425" wrap="square" tIns="91425">
+            <a:noAutofit/>
+          </a:bodyPr>
+          <a:lstStyle/>
+          <a:p>
+            <a:pPr indent="0" lvl="0" marL="0" marR="0" rtl="0" algn="l">
+              <a:lnSpc>
+                <a:spcPct val="100000"/>
+              </a:lnSpc>
+              <a:spcBef>
+                <a:spcPts val="0"/>
+              </a:spcBef>
+              <a:spcAft>
+                <a:spcPts val="0"/>
+              </a:spcAft>
+              <a:buClr>
+                <a:srgbClr val="000000"/>
+              </a:buClr>
+              <a:buSzPts val="1400"/>
+              <a:buFont typeface="Arial"/>
+              <a:buNone/>
+            </a:pPr>
+            <a:r>
+              <a:t/>
+            </a:r>
+            <a:endParaRPr b="0" i="0" sz="1400" u="none" cap="none" strike="noStrike">
+              <a:solidFill>
+                <a:srgbClr val="000000"/>
+              </a:solidFill>
+              <a:latin typeface="Arial"/>
+              <a:ea typeface="Arial"/>
+              <a:cs typeface="Arial"/>
+              <a:sym typeface="Arial"/>
+            </a:endParaRPr>
+          </a:p>
+        </p:txBody>
+      </p:sp>
+      <p:sp>
+        <p:nvSpPr>
+          <p:cNvPr id="280" name="Google Shape;280;g190ffb19d87_0_36"/>
+          <p:cNvSpPr txBox="1"/>
+          <p:nvPr>
+            <p:ph type="ctrTitle"/>
+          </p:nvPr>
+        </p:nvSpPr>
+        <p:spPr>
+          <a:xfrm>
+            <a:off x="5140800" y="442650"/>
+            <a:ext cx="4003200" cy="515400"/>
+          </a:xfrm>
+          <a:prstGeom prst="rect">
+            <a:avLst/>
+          </a:prstGeom>
+          <a:noFill/>
+          <a:ln>
+            <a:noFill/>
+          </a:ln>
+        </p:spPr>
+        <p:txBody>
+          <a:bodyPr anchorCtr="0" anchor="b" bIns="91425" lIns="91425" spcFirstLastPara="1" rIns="91425" wrap="square" tIns="91425">
+            <a:noAutofit/>
+          </a:bodyPr>
+          <a:lstStyle/>
+          <a:p>
+            <a:pPr indent="0" lvl="0" marL="0" rtl="0" algn="ctr">
+              <a:lnSpc>
+                <a:spcPct val="100000"/>
+              </a:lnSpc>
+              <a:spcBef>
+                <a:spcPts val="0"/>
+              </a:spcBef>
+              <a:spcAft>
+                <a:spcPts val="0"/>
+              </a:spcAft>
+              <a:buSzPts val="2800"/>
+              <a:buNone/>
+            </a:pPr>
+            <a:r>
+              <a:rPr lang="es" sz="2200">
+                <a:solidFill>
+                  <a:schemeClr val="lt1"/>
+                </a:solidFill>
+              </a:rPr>
+              <a:t>Model training</a:t>
+            </a:r>
+            <a:endParaRPr sz="2200">
+              <a:solidFill>
+                <a:schemeClr val="lt1"/>
+              </a:solidFill>
+            </a:endParaRPr>
+          </a:p>
+        </p:txBody>
+      </p:sp>
+      <p:sp>
+        <p:nvSpPr>
+          <p:cNvPr id="281" name="Google Shape;281;g190ffb19d87_0_36"/>
+          <p:cNvSpPr txBox="1"/>
+          <p:nvPr/>
+        </p:nvSpPr>
+        <p:spPr>
+          <a:xfrm>
+            <a:off x="1508700" y="1296563"/>
+            <a:ext cx="6126600" cy="1477500"/>
+          </a:xfrm>
+          <a:prstGeom prst="rect">
+            <a:avLst/>
+          </a:prstGeom>
+          <a:noFill/>
+          <a:ln>
+            <a:noFill/>
+          </a:ln>
+        </p:spPr>
+        <p:txBody>
+          <a:bodyPr anchorCtr="0" anchor="t" bIns="91425" lIns="91425" spcFirstLastPara="1" rIns="91425" wrap="square" tIns="91425">
+            <a:spAutoFit/>
+          </a:bodyPr>
+          <a:lstStyle/>
+          <a:p>
+            <a:pPr indent="0" lvl="0" marL="0" marR="0" rtl="0" algn="l">
               <a:lnSpc>
                 <a:spcPct val="100000"/>
               </a:lnSpc>
@@ -22882,7 +24750,7 @@
       </p:sp>
       <p:pic>
         <p:nvPicPr>
-          <p:cNvPr id="254" name="Google Shape;254;p13"/>
+          <p:cNvPr id="282" name="Google Shape;282;g190ffb19d87_0_36"/>
           <p:cNvPicPr preferRelativeResize="0"/>
           <p:nvPr/>
         </p:nvPicPr>
@@ -22895,34 +24763,7 @@
         </p:blipFill>
         <p:spPr>
           <a:xfrm>
-            <a:off x="2054375" y="2423875"/>
-            <a:ext cx="2416275" cy="301575"/>
-          </a:xfrm>
-          <a:prstGeom prst="rect">
-            <a:avLst/>
-          </a:prstGeom>
-          <a:noFill/>
-          <a:ln>
-            <a:noFill/>
-          </a:ln>
-        </p:spPr>
-      </p:pic>
-      <p:pic>
-        <p:nvPicPr>
-          <p:cNvPr id="255" name="Google Shape;255;p13"/>
-          <p:cNvPicPr preferRelativeResize="0"/>
-          <p:nvPr/>
-        </p:nvPicPr>
-        <p:blipFill rotWithShape="1">
-          <a:blip r:embed="rId4">
-            <a:alphaModFix/>
-          </a:blip>
-          <a:srcRect b="0" l="0" r="0" t="0"/>
-          <a:stretch/>
-        </p:blipFill>
-        <p:spPr>
-          <a:xfrm>
-            <a:off x="2054375" y="3271900"/>
+            <a:off x="3203837" y="1884525"/>
             <a:ext cx="2046939" cy="301575"/>
           </a:xfrm>
           <a:prstGeom prst="rect">
@@ -22936,12 +24777,12 @@
       </p:pic>
       <p:pic>
         <p:nvPicPr>
-          <p:cNvPr id="256" name="Google Shape;256;p13"/>
+          <p:cNvPr id="283" name="Google Shape;283;g190ffb19d87_0_36"/>
           <p:cNvPicPr preferRelativeResize="0"/>
           <p:nvPr/>
         </p:nvPicPr>
         <p:blipFill rotWithShape="1">
-          <a:blip r:embed="rId5">
+          <a:blip r:embed="rId4">
             <a:alphaModFix/>
           </a:blip>
           <a:srcRect b="0" l="0" r="0" t="0"/>
@@ -22949,35 +24790,8 @@
         </p:blipFill>
         <p:spPr>
           <a:xfrm>
-            <a:off x="2054375" y="4119925"/>
+            <a:off x="2054375" y="2774075"/>
             <a:ext cx="4345873" cy="606950"/>
-          </a:xfrm>
-          <a:prstGeom prst="rect">
-            <a:avLst/>
-          </a:prstGeom>
-          <a:noFill/>
-          <a:ln>
-            <a:noFill/>
-          </a:ln>
-        </p:spPr>
-      </p:pic>
-      <p:pic>
-        <p:nvPicPr>
-          <p:cNvPr id="257" name="Google Shape;257;p13"/>
-          <p:cNvPicPr preferRelativeResize="0"/>
-          <p:nvPr/>
-        </p:nvPicPr>
-        <p:blipFill rotWithShape="1">
-          <a:blip r:embed="rId6">
-            <a:alphaModFix/>
-          </a:blip>
-          <a:srcRect b="0" l="0" r="0" t="0"/>
-          <a:stretch/>
-        </p:blipFill>
-        <p:spPr>
-          <a:xfrm>
-            <a:off x="4101325" y="297311"/>
-            <a:ext cx="4950902" cy="1380375"/>
           </a:xfrm>
           <a:prstGeom prst="rect">
             <a:avLst/>
@@ -22990,13 +24804,275 @@
       </p:pic>
       <p:sp>
         <p:nvSpPr>
-          <p:cNvPr id="258" name="Google Shape;258;p13"/>
+          <p:cNvPr id="284" name="Google Shape;284;g190ffb19d87_0_36"/>
           <p:cNvSpPr txBox="1"/>
           <p:nvPr/>
         </p:nvSpPr>
         <p:spPr>
           <a:xfrm>
-            <a:off x="4968168" y="1572907"/>
+            <a:off x="1508700" y="3381013"/>
+            <a:ext cx="6126600" cy="831300"/>
+          </a:xfrm>
+          <a:prstGeom prst="rect">
+            <a:avLst/>
+          </a:prstGeom>
+          <a:noFill/>
+          <a:ln>
+            <a:noFill/>
+          </a:ln>
+        </p:spPr>
+        <p:txBody>
+          <a:bodyPr anchorCtr="0" anchor="t" bIns="91425" lIns="91425" spcFirstLastPara="1" rIns="91425" wrap="square" tIns="91425">
+            <a:spAutoFit/>
+          </a:bodyPr>
+          <a:lstStyle/>
+          <a:p>
+            <a:pPr indent="0" lvl="0" marL="0" marR="0" rtl="0" algn="l">
+              <a:lnSpc>
+                <a:spcPct val="100000"/>
+              </a:lnSpc>
+              <a:spcBef>
+                <a:spcPts val="0"/>
+              </a:spcBef>
+              <a:spcAft>
+                <a:spcPts val="0"/>
+              </a:spcAft>
+              <a:buClr>
+                <a:srgbClr val="000000"/>
+              </a:buClr>
+              <a:buSzPts val="1400"/>
+              <a:buFont typeface="Arial"/>
+              <a:buNone/>
+            </a:pPr>
+            <a:r>
+              <a:t/>
+            </a:r>
+            <a:endParaRPr b="0" i="0" sz="1400" u="none" cap="none" strike="noStrike">
+              <a:solidFill>
+                <a:srgbClr val="000000"/>
+              </a:solidFill>
+              <a:latin typeface="Catamaran Light"/>
+              <a:ea typeface="Catamaran Light"/>
+              <a:cs typeface="Catamaran Light"/>
+              <a:sym typeface="Catamaran Light"/>
+            </a:endParaRPr>
+          </a:p>
+          <a:p>
+            <a:pPr indent="-317500" lvl="0" marL="457200" marR="0" rtl="0" algn="l">
+              <a:lnSpc>
+                <a:spcPct val="100000"/>
+              </a:lnSpc>
+              <a:spcBef>
+                <a:spcPts val="0"/>
+              </a:spcBef>
+              <a:spcAft>
+                <a:spcPts val="0"/>
+              </a:spcAft>
+              <a:buClr>
+                <a:srgbClr val="000000"/>
+              </a:buClr>
+              <a:buSzPts val="1400"/>
+              <a:buFont typeface="Catamaran"/>
+              <a:buChar char="●"/>
+            </a:pPr>
+            <a:r>
+              <a:rPr lang="es">
+                <a:latin typeface="Catamaran"/>
+                <a:ea typeface="Catamaran"/>
+                <a:cs typeface="Catamaran"/>
+                <a:sym typeface="Catamaran"/>
+              </a:rPr>
+              <a:t>The sklearn python library allows us to build and train (fit) models with very few lines of code!</a:t>
+            </a:r>
+            <a:endParaRPr b="0" i="0" sz="1400" u="none" cap="none" strike="noStrike">
+              <a:solidFill>
+                <a:srgbClr val="000000"/>
+              </a:solidFill>
+              <a:latin typeface="Catamaran Light"/>
+              <a:ea typeface="Catamaran Light"/>
+              <a:cs typeface="Catamaran Light"/>
+              <a:sym typeface="Catamaran Light"/>
+            </a:endParaRPr>
+          </a:p>
+        </p:txBody>
+      </p:sp>
+    </p:spTree>
+  </p:cSld>
+  <p:clrMapOvr>
+    <a:masterClrMapping/>
+  </p:clrMapOvr>
+</p:sld>
+</file>
+
+<file path=ppt/slides/slide17.xml><?xml version="1.0" encoding="utf-8"?>
+<p:sld xmlns:a="http://schemas.openxmlformats.org/drawingml/2006/main" xmlns:r="http://schemas.openxmlformats.org/officeDocument/2006/relationships" xmlns:mc="http://schemas.openxmlformats.org/markup-compatibility/2006" xmlns:mv="urn:schemas-microsoft-com:mac:vml" xmlns:p="http://schemas.openxmlformats.org/presentationml/2006/main" xmlns:c="http://schemas.openxmlformats.org/drawingml/2006/chart" xmlns:dgm="http://schemas.openxmlformats.org/drawingml/2006/diagram" xmlns:o="urn:schemas-microsoft-com:office:office" xmlns:v="urn:schemas-microsoft-com:vml" xmlns:pvml="urn:schemas-microsoft-com:office:powerpoint" xmlns:com="http://schemas.openxmlformats.org/drawingml/2006/compatibility" xmlns:p14="http://schemas.microsoft.com/office/powerpoint/2010/main" xmlns:p15="http://schemas.microsoft.com/office/powerpoint/2012/main" xmlns:ahyp="http://schemas.microsoft.com/office/drawing/2018/hyperlinkcolor">
+  <p:cSld>
+    <p:spTree>
+      <p:nvGrpSpPr>
+        <p:cNvPr id="288" name="Shape 288"/>
+        <p:cNvGrpSpPr/>
+        <p:nvPr/>
+      </p:nvGrpSpPr>
+      <p:grpSpPr>
+        <a:xfrm>
+          <a:off x="0" y="0"/>
+          <a:ext cx="0" cy="0"/>
+          <a:chOff x="0" y="0"/>
+          <a:chExt cx="0" cy="0"/>
+        </a:xfrm>
+      </p:grpSpPr>
+      <p:sp>
+        <p:nvSpPr>
+          <p:cNvPr id="289" name="Google Shape;289;g190ffb19d87_0_49"/>
+          <p:cNvSpPr/>
+          <p:nvPr/>
+        </p:nvSpPr>
+        <p:spPr>
+          <a:xfrm rot="10800000">
+            <a:off x="0" y="297300"/>
+            <a:ext cx="4003200" cy="806100"/>
+          </a:xfrm>
+          <a:prstGeom prst="rect">
+            <a:avLst/>
+          </a:prstGeom>
+          <a:solidFill>
+            <a:srgbClr val="3C78D8"/>
+          </a:solidFill>
+          <a:ln>
+            <a:noFill/>
+          </a:ln>
+        </p:spPr>
+        <p:txBody>
+          <a:bodyPr anchorCtr="0" anchor="ctr" bIns="91425" lIns="91425" spcFirstLastPara="1" rIns="91425" wrap="square" tIns="91425">
+            <a:noAutofit/>
+          </a:bodyPr>
+          <a:lstStyle/>
+          <a:p>
+            <a:pPr indent="0" lvl="0" marL="0" marR="0" rtl="0" algn="l">
+              <a:lnSpc>
+                <a:spcPct val="100000"/>
+              </a:lnSpc>
+              <a:spcBef>
+                <a:spcPts val="0"/>
+              </a:spcBef>
+              <a:spcAft>
+                <a:spcPts val="0"/>
+              </a:spcAft>
+              <a:buClr>
+                <a:srgbClr val="000000"/>
+              </a:buClr>
+              <a:buSzPts val="1400"/>
+              <a:buFont typeface="Arial"/>
+              <a:buNone/>
+            </a:pPr>
+            <a:r>
+              <a:t/>
+            </a:r>
+            <a:endParaRPr b="0" i="0" sz="1400" u="none" cap="none" strike="noStrike">
+              <a:solidFill>
+                <a:srgbClr val="000000"/>
+              </a:solidFill>
+              <a:latin typeface="Arial"/>
+              <a:ea typeface="Arial"/>
+              <a:cs typeface="Arial"/>
+              <a:sym typeface="Arial"/>
+            </a:endParaRPr>
+          </a:p>
+        </p:txBody>
+      </p:sp>
+      <p:sp>
+        <p:nvSpPr>
+          <p:cNvPr id="290" name="Google Shape;290;g190ffb19d87_0_49"/>
+          <p:cNvSpPr txBox="1"/>
+          <p:nvPr>
+            <p:ph type="ctrTitle"/>
+          </p:nvPr>
+        </p:nvSpPr>
+        <p:spPr>
+          <a:xfrm>
+            <a:off x="0" y="442650"/>
+            <a:ext cx="4003200" cy="515400"/>
+          </a:xfrm>
+          <a:prstGeom prst="rect">
+            <a:avLst/>
+          </a:prstGeom>
+          <a:noFill/>
+          <a:ln>
+            <a:noFill/>
+          </a:ln>
+        </p:spPr>
+        <p:txBody>
+          <a:bodyPr anchorCtr="0" anchor="b" bIns="91425" lIns="91425" spcFirstLastPara="1" rIns="91425" wrap="square" tIns="91425">
+            <a:noAutofit/>
+          </a:bodyPr>
+          <a:lstStyle/>
+          <a:p>
+            <a:pPr indent="0" lvl="0" marL="0" rtl="0" algn="ctr">
+              <a:lnSpc>
+                <a:spcPct val="100000"/>
+              </a:lnSpc>
+              <a:spcBef>
+                <a:spcPts val="0"/>
+              </a:spcBef>
+              <a:spcAft>
+                <a:spcPts val="0"/>
+              </a:spcAft>
+              <a:buSzPts val="2800"/>
+              <a:buNone/>
+            </a:pPr>
+            <a:r>
+              <a:rPr lang="es" sz="2200">
+                <a:solidFill>
+                  <a:schemeClr val="lt1"/>
+                </a:solidFill>
+              </a:rPr>
+              <a:t>Example: Decision Tree</a:t>
+            </a:r>
+            <a:endParaRPr sz="2200">
+              <a:solidFill>
+                <a:schemeClr val="lt1"/>
+              </a:solidFill>
+            </a:endParaRPr>
+          </a:p>
+        </p:txBody>
+      </p:sp>
+      <p:pic>
+        <p:nvPicPr>
+          <p:cNvPr id="291" name="Google Shape;291;g190ffb19d87_0_49"/>
+          <p:cNvPicPr preferRelativeResize="0"/>
+          <p:nvPr/>
+        </p:nvPicPr>
+        <p:blipFill>
+          <a:blip r:embed="rId3">
+            <a:alphaModFix/>
+          </a:blip>
+          <a:stretch>
+            <a:fillRect/>
+          </a:stretch>
+        </p:blipFill>
+        <p:spPr>
+          <a:xfrm>
+            <a:off x="4696163" y="922172"/>
+            <a:ext cx="3803574" cy="3415126"/>
+          </a:xfrm>
+          <a:prstGeom prst="rect">
+            <a:avLst/>
+          </a:prstGeom>
+          <a:noFill/>
+          <a:ln>
+            <a:noFill/>
+          </a:ln>
+        </p:spPr>
+      </p:pic>
+      <p:sp>
+        <p:nvSpPr>
+          <p:cNvPr id="292" name="Google Shape;292;g190ffb19d87_0_49"/>
+          <p:cNvSpPr txBox="1"/>
+          <p:nvPr/>
+        </p:nvSpPr>
+        <p:spPr>
+          <a:xfrm>
+            <a:off x="4989343" y="4337307"/>
             <a:ext cx="3217200" cy="369300"/>
           </a:xfrm>
           <a:prstGeom prst="rect">
@@ -23040,7 +25116,7 @@
                 <a:cs typeface="Catamaran Light"/>
                 <a:sym typeface="Catamaran Light"/>
               </a:rPr>
-              <a:t>Figure 6: </a:t>
+              <a:t>Figure </a:t>
             </a:r>
             <a:r>
               <a:rPr lang="es" sz="1200">
@@ -23049,7 +25125,7 @@
                 <a:cs typeface="Catamaran Light"/>
                 <a:sym typeface="Catamaran Light"/>
               </a:rPr>
-              <a:t>M</a:t>
+              <a:t>12</a:t>
             </a:r>
             <a:r>
               <a:rPr b="0" i="0" lang="es" sz="1200" u="none" cap="none" strike="noStrike">
@@ -23061,7 +25137,7 @@
                 <a:cs typeface="Catamaran Light"/>
                 <a:sym typeface="Catamaran Light"/>
               </a:rPr>
-              <a:t>odel prediction repres</a:t>
+              <a:t>: </a:t>
             </a:r>
             <a:r>
               <a:rPr lang="es" sz="1200">
@@ -23070,7 +25146,7 @@
                 <a:cs typeface="Catamaran Light"/>
                 <a:sym typeface="Catamaran Light"/>
               </a:rPr>
-              <a:t>entation</a:t>
+              <a:t>Decision tree for the iris dataset</a:t>
             </a:r>
             <a:endParaRPr b="0" i="0" sz="1200" u="none" cap="none" strike="noStrike">
               <a:solidFill>
@@ -23081,6 +25157,1052 @@
               <a:cs typeface="Catamaran Light"/>
               <a:sym typeface="Catamaran Light"/>
             </a:endParaRPr>
+          </a:p>
+        </p:txBody>
+      </p:sp>
+      <p:sp>
+        <p:nvSpPr>
+          <p:cNvPr id="293" name="Google Shape;293;g190ffb19d87_0_49"/>
+          <p:cNvSpPr txBox="1"/>
+          <p:nvPr/>
+        </p:nvSpPr>
+        <p:spPr>
+          <a:xfrm>
+            <a:off x="5377519" y="1784600"/>
+            <a:ext cx="544800" cy="369300"/>
+          </a:xfrm>
+          <a:prstGeom prst="rect">
+            <a:avLst/>
+          </a:prstGeom>
+          <a:noFill/>
+          <a:ln>
+            <a:noFill/>
+          </a:ln>
+        </p:spPr>
+        <p:txBody>
+          <a:bodyPr anchorCtr="0" anchor="t" bIns="91425" lIns="91425" spcFirstLastPara="1" rIns="91425" wrap="square" tIns="91425">
+            <a:spAutoFit/>
+          </a:bodyPr>
+          <a:lstStyle/>
+          <a:p>
+            <a:pPr indent="0" lvl="0" marL="0" marR="0" rtl="0" algn="ctr">
+              <a:lnSpc>
+                <a:spcPct val="100000"/>
+              </a:lnSpc>
+              <a:spcBef>
+                <a:spcPts val="0"/>
+              </a:spcBef>
+              <a:spcAft>
+                <a:spcPts val="0"/>
+              </a:spcAft>
+              <a:buClr>
+                <a:srgbClr val="000000"/>
+              </a:buClr>
+              <a:buSzPts val="1200"/>
+              <a:buFont typeface="Arial"/>
+              <a:buNone/>
+            </a:pPr>
+            <a:r>
+              <a:rPr lang="es" sz="1200">
+                <a:latin typeface="Catamaran Light"/>
+                <a:ea typeface="Catamaran Light"/>
+                <a:cs typeface="Catamaran Light"/>
+                <a:sym typeface="Catamaran Light"/>
+              </a:rPr>
+              <a:t>No</a:t>
+            </a:r>
+            <a:endParaRPr b="0" i="0" sz="1200" u="none" cap="none" strike="noStrike">
+              <a:solidFill>
+                <a:srgbClr val="000000"/>
+              </a:solidFill>
+              <a:latin typeface="Catamaran Light"/>
+              <a:ea typeface="Catamaran Light"/>
+              <a:cs typeface="Catamaran Light"/>
+              <a:sym typeface="Catamaran Light"/>
+            </a:endParaRPr>
+          </a:p>
+        </p:txBody>
+      </p:sp>
+      <p:sp>
+        <p:nvSpPr>
+          <p:cNvPr id="294" name="Google Shape;294;g190ffb19d87_0_49"/>
+          <p:cNvSpPr txBox="1"/>
+          <p:nvPr/>
+        </p:nvSpPr>
+        <p:spPr>
+          <a:xfrm>
+            <a:off x="6606419" y="1784600"/>
+            <a:ext cx="544800" cy="369300"/>
+          </a:xfrm>
+          <a:prstGeom prst="rect">
+            <a:avLst/>
+          </a:prstGeom>
+          <a:noFill/>
+          <a:ln>
+            <a:noFill/>
+          </a:ln>
+        </p:spPr>
+        <p:txBody>
+          <a:bodyPr anchorCtr="0" anchor="t" bIns="91425" lIns="91425" spcFirstLastPara="1" rIns="91425" wrap="square" tIns="91425">
+            <a:spAutoFit/>
+          </a:bodyPr>
+          <a:lstStyle/>
+          <a:p>
+            <a:pPr indent="0" lvl="0" marL="0" marR="0" rtl="0" algn="ctr">
+              <a:lnSpc>
+                <a:spcPct val="100000"/>
+              </a:lnSpc>
+              <a:spcBef>
+                <a:spcPts val="0"/>
+              </a:spcBef>
+              <a:spcAft>
+                <a:spcPts val="0"/>
+              </a:spcAft>
+              <a:buClr>
+                <a:srgbClr val="000000"/>
+              </a:buClr>
+              <a:buSzPts val="1200"/>
+              <a:buFont typeface="Arial"/>
+              <a:buNone/>
+            </a:pPr>
+            <a:r>
+              <a:rPr lang="es" sz="1200">
+                <a:latin typeface="Catamaran Light"/>
+                <a:ea typeface="Catamaran Light"/>
+                <a:cs typeface="Catamaran Light"/>
+                <a:sym typeface="Catamaran Light"/>
+              </a:rPr>
+              <a:t>Yes</a:t>
+            </a:r>
+            <a:endParaRPr b="0" i="0" sz="1200" u="none" cap="none" strike="noStrike">
+              <a:solidFill>
+                <a:srgbClr val="000000"/>
+              </a:solidFill>
+              <a:latin typeface="Catamaran Light"/>
+              <a:ea typeface="Catamaran Light"/>
+              <a:cs typeface="Catamaran Light"/>
+              <a:sym typeface="Catamaran Light"/>
+            </a:endParaRPr>
+          </a:p>
+        </p:txBody>
+      </p:sp>
+      <p:sp>
+        <p:nvSpPr>
+          <p:cNvPr id="295" name="Google Shape;295;g190ffb19d87_0_49"/>
+          <p:cNvSpPr txBox="1"/>
+          <p:nvPr/>
+        </p:nvSpPr>
+        <p:spPr>
+          <a:xfrm>
+            <a:off x="6202344" y="3082763"/>
+            <a:ext cx="544800" cy="369300"/>
+          </a:xfrm>
+          <a:prstGeom prst="rect">
+            <a:avLst/>
+          </a:prstGeom>
+          <a:noFill/>
+          <a:ln>
+            <a:noFill/>
+          </a:ln>
+        </p:spPr>
+        <p:txBody>
+          <a:bodyPr anchorCtr="0" anchor="t" bIns="91425" lIns="91425" spcFirstLastPara="1" rIns="91425" wrap="square" tIns="91425">
+            <a:spAutoFit/>
+          </a:bodyPr>
+          <a:lstStyle/>
+          <a:p>
+            <a:pPr indent="0" lvl="0" marL="0" marR="0" rtl="0" algn="ctr">
+              <a:lnSpc>
+                <a:spcPct val="100000"/>
+              </a:lnSpc>
+              <a:spcBef>
+                <a:spcPts val="0"/>
+              </a:spcBef>
+              <a:spcAft>
+                <a:spcPts val="0"/>
+              </a:spcAft>
+              <a:buClr>
+                <a:srgbClr val="000000"/>
+              </a:buClr>
+              <a:buSzPts val="1200"/>
+              <a:buFont typeface="Arial"/>
+              <a:buNone/>
+            </a:pPr>
+            <a:r>
+              <a:rPr lang="es" sz="1200">
+                <a:latin typeface="Catamaran Light"/>
+                <a:ea typeface="Catamaran Light"/>
+                <a:cs typeface="Catamaran Light"/>
+                <a:sym typeface="Catamaran Light"/>
+              </a:rPr>
+              <a:t>No</a:t>
+            </a:r>
+            <a:endParaRPr b="0" i="0" sz="1200" u="none" cap="none" strike="noStrike">
+              <a:solidFill>
+                <a:srgbClr val="000000"/>
+              </a:solidFill>
+              <a:latin typeface="Catamaran Light"/>
+              <a:ea typeface="Catamaran Light"/>
+              <a:cs typeface="Catamaran Light"/>
+              <a:sym typeface="Catamaran Light"/>
+            </a:endParaRPr>
+          </a:p>
+        </p:txBody>
+      </p:sp>
+      <p:sp>
+        <p:nvSpPr>
+          <p:cNvPr id="296" name="Google Shape;296;g190ffb19d87_0_49"/>
+          <p:cNvSpPr txBox="1"/>
+          <p:nvPr/>
+        </p:nvSpPr>
+        <p:spPr>
+          <a:xfrm>
+            <a:off x="7431244" y="3082763"/>
+            <a:ext cx="544800" cy="369300"/>
+          </a:xfrm>
+          <a:prstGeom prst="rect">
+            <a:avLst/>
+          </a:prstGeom>
+          <a:noFill/>
+          <a:ln>
+            <a:noFill/>
+          </a:ln>
+        </p:spPr>
+        <p:txBody>
+          <a:bodyPr anchorCtr="0" anchor="t" bIns="91425" lIns="91425" spcFirstLastPara="1" rIns="91425" wrap="square" tIns="91425">
+            <a:spAutoFit/>
+          </a:bodyPr>
+          <a:lstStyle/>
+          <a:p>
+            <a:pPr indent="0" lvl="0" marL="0" marR="0" rtl="0" algn="ctr">
+              <a:lnSpc>
+                <a:spcPct val="100000"/>
+              </a:lnSpc>
+              <a:spcBef>
+                <a:spcPts val="0"/>
+              </a:spcBef>
+              <a:spcAft>
+                <a:spcPts val="0"/>
+              </a:spcAft>
+              <a:buClr>
+                <a:srgbClr val="000000"/>
+              </a:buClr>
+              <a:buSzPts val="1200"/>
+              <a:buFont typeface="Arial"/>
+              <a:buNone/>
+            </a:pPr>
+            <a:r>
+              <a:rPr lang="es" sz="1200">
+                <a:latin typeface="Catamaran Light"/>
+                <a:ea typeface="Catamaran Light"/>
+                <a:cs typeface="Catamaran Light"/>
+                <a:sym typeface="Catamaran Light"/>
+              </a:rPr>
+              <a:t>Yes</a:t>
+            </a:r>
+            <a:endParaRPr b="0" i="0" sz="1200" u="none" cap="none" strike="noStrike">
+              <a:solidFill>
+                <a:srgbClr val="000000"/>
+              </a:solidFill>
+              <a:latin typeface="Catamaran Light"/>
+              <a:ea typeface="Catamaran Light"/>
+              <a:cs typeface="Catamaran Light"/>
+              <a:sym typeface="Catamaran Light"/>
+            </a:endParaRPr>
+          </a:p>
+        </p:txBody>
+      </p:sp>
+      <p:sp>
+        <p:nvSpPr>
+          <p:cNvPr id="297" name="Google Shape;297;g190ffb19d87_0_49"/>
+          <p:cNvSpPr txBox="1"/>
+          <p:nvPr/>
+        </p:nvSpPr>
+        <p:spPr>
+          <a:xfrm>
+            <a:off x="569350" y="1989875"/>
+            <a:ext cx="3519300" cy="2555100"/>
+          </a:xfrm>
+          <a:prstGeom prst="rect">
+            <a:avLst/>
+          </a:prstGeom>
+          <a:noFill/>
+          <a:ln>
+            <a:noFill/>
+          </a:ln>
+        </p:spPr>
+        <p:txBody>
+          <a:bodyPr anchorCtr="0" anchor="t" bIns="91425" lIns="91425" spcFirstLastPara="1" rIns="91425" wrap="square" tIns="91425">
+            <a:spAutoFit/>
+          </a:bodyPr>
+          <a:lstStyle/>
+          <a:p>
+            <a:pPr indent="-317500" lvl="0" marL="457200" rtl="0" algn="l">
+              <a:spcBef>
+                <a:spcPts val="0"/>
+              </a:spcBef>
+              <a:spcAft>
+                <a:spcPts val="0"/>
+              </a:spcAft>
+              <a:buSzPts val="1400"/>
+              <a:buFont typeface="Catamaran Light"/>
+              <a:buChar char="●"/>
+            </a:pPr>
+            <a:r>
+              <a:rPr lang="es">
+                <a:latin typeface="Catamaran Light"/>
+                <a:ea typeface="Catamaran Light"/>
+                <a:cs typeface="Catamaran Light"/>
+                <a:sym typeface="Catamaran Light"/>
+              </a:rPr>
+              <a:t>Binary tree</a:t>
+            </a:r>
+            <a:endParaRPr>
+              <a:latin typeface="Catamaran Light"/>
+              <a:ea typeface="Catamaran Light"/>
+              <a:cs typeface="Catamaran Light"/>
+              <a:sym typeface="Catamaran Light"/>
+            </a:endParaRPr>
+          </a:p>
+          <a:p>
+            <a:pPr indent="0" lvl="0" marL="457200" rtl="0" algn="l">
+              <a:spcBef>
+                <a:spcPts val="0"/>
+              </a:spcBef>
+              <a:spcAft>
+                <a:spcPts val="0"/>
+              </a:spcAft>
+              <a:buNone/>
+            </a:pPr>
+            <a:r>
+              <a:t/>
+            </a:r>
+            <a:endParaRPr>
+              <a:latin typeface="Catamaran Light"/>
+              <a:ea typeface="Catamaran Light"/>
+              <a:cs typeface="Catamaran Light"/>
+              <a:sym typeface="Catamaran Light"/>
+            </a:endParaRPr>
+          </a:p>
+          <a:p>
+            <a:pPr indent="-317500" lvl="0" marL="457200" rtl="0" algn="l">
+              <a:spcBef>
+                <a:spcPts val="0"/>
+              </a:spcBef>
+              <a:spcAft>
+                <a:spcPts val="0"/>
+              </a:spcAft>
+              <a:buSzPts val="1400"/>
+              <a:buFont typeface="Catamaran Light"/>
+              <a:buChar char="●"/>
+            </a:pPr>
+            <a:r>
+              <a:rPr lang="es">
+                <a:latin typeface="Catamaran Light"/>
+                <a:ea typeface="Catamaran Light"/>
+                <a:cs typeface="Catamaran Light"/>
+                <a:sym typeface="Catamaran Light"/>
+              </a:rPr>
+              <a:t>Each </a:t>
+            </a:r>
+            <a:r>
+              <a:rPr b="1" lang="es">
+                <a:latin typeface="Catamaran"/>
+                <a:ea typeface="Catamaran"/>
+                <a:cs typeface="Catamaran"/>
+                <a:sym typeface="Catamaran"/>
+              </a:rPr>
+              <a:t>decision node</a:t>
+            </a:r>
+            <a:r>
+              <a:rPr lang="es">
+                <a:latin typeface="Catamaran Light"/>
+                <a:ea typeface="Catamaran Light"/>
+                <a:cs typeface="Catamaran Light"/>
+                <a:sym typeface="Catamaran Light"/>
+              </a:rPr>
+              <a:t> (non-leaf node) contains a </a:t>
+            </a:r>
+            <a:r>
+              <a:rPr b="1" lang="es">
+                <a:latin typeface="Catamaran"/>
+                <a:ea typeface="Catamaran"/>
+                <a:cs typeface="Catamaran"/>
+                <a:sym typeface="Catamaran"/>
+              </a:rPr>
+              <a:t>split</a:t>
+            </a:r>
+            <a:r>
+              <a:rPr lang="es">
+                <a:latin typeface="Catamaran Light"/>
+                <a:ea typeface="Catamaran Light"/>
+                <a:cs typeface="Catamaran Light"/>
+                <a:sym typeface="Catamaran Light"/>
+              </a:rPr>
+              <a:t>, dividing the dataset into two</a:t>
+            </a:r>
+            <a:endParaRPr>
+              <a:latin typeface="Catamaran Light"/>
+              <a:ea typeface="Catamaran Light"/>
+              <a:cs typeface="Catamaran Light"/>
+              <a:sym typeface="Catamaran Light"/>
+            </a:endParaRPr>
+          </a:p>
+          <a:p>
+            <a:pPr indent="0" lvl="0" marL="457200" rtl="0" algn="l">
+              <a:spcBef>
+                <a:spcPts val="0"/>
+              </a:spcBef>
+              <a:spcAft>
+                <a:spcPts val="0"/>
+              </a:spcAft>
+              <a:buNone/>
+            </a:pPr>
+            <a:r>
+              <a:t/>
+            </a:r>
+            <a:endParaRPr>
+              <a:latin typeface="Catamaran Light"/>
+              <a:ea typeface="Catamaran Light"/>
+              <a:cs typeface="Catamaran Light"/>
+              <a:sym typeface="Catamaran Light"/>
+            </a:endParaRPr>
+          </a:p>
+          <a:p>
+            <a:pPr indent="-317500" lvl="0" marL="457200" rtl="0" algn="l">
+              <a:spcBef>
+                <a:spcPts val="0"/>
+              </a:spcBef>
+              <a:spcAft>
+                <a:spcPts val="0"/>
+              </a:spcAft>
+              <a:buSzPts val="1400"/>
+              <a:buFont typeface="Catamaran Light"/>
+              <a:buChar char="●"/>
+            </a:pPr>
+            <a:r>
+              <a:rPr lang="es">
+                <a:latin typeface="Catamaran Light"/>
+                <a:ea typeface="Catamaran Light"/>
+                <a:cs typeface="Catamaran Light"/>
+                <a:sym typeface="Catamaran Light"/>
+              </a:rPr>
+              <a:t>Majority class vote to decide data point class in leaf node</a:t>
+            </a:r>
+            <a:endParaRPr>
+              <a:latin typeface="Catamaran Light"/>
+              <a:ea typeface="Catamaran Light"/>
+              <a:cs typeface="Catamaran Light"/>
+              <a:sym typeface="Catamaran Light"/>
+            </a:endParaRPr>
+          </a:p>
+          <a:p>
+            <a:pPr indent="0" lvl="0" marL="457200" rtl="0" algn="l">
+              <a:spcBef>
+                <a:spcPts val="0"/>
+              </a:spcBef>
+              <a:spcAft>
+                <a:spcPts val="0"/>
+              </a:spcAft>
+              <a:buNone/>
+            </a:pPr>
+            <a:r>
+              <a:t/>
+            </a:r>
+            <a:endParaRPr>
+              <a:latin typeface="Catamaran Light"/>
+              <a:ea typeface="Catamaran Light"/>
+              <a:cs typeface="Catamaran Light"/>
+              <a:sym typeface="Catamaran Light"/>
+            </a:endParaRPr>
+          </a:p>
+          <a:p>
+            <a:pPr indent="-317500" lvl="0" marL="457200" rtl="0" algn="l">
+              <a:spcBef>
+                <a:spcPts val="0"/>
+              </a:spcBef>
+              <a:spcAft>
+                <a:spcPts val="0"/>
+              </a:spcAft>
+              <a:buSzPts val="1400"/>
+              <a:buFont typeface="Catamaran Light"/>
+              <a:buChar char="●"/>
+            </a:pPr>
+            <a:r>
+              <a:rPr lang="es">
+                <a:latin typeface="Catamaran Light"/>
+                <a:ea typeface="Catamaran Light"/>
+                <a:cs typeface="Catamaran Light"/>
+                <a:sym typeface="Catamaran Light"/>
+              </a:rPr>
+              <a:t>Training involves finding the best splits for the dataset: gini and entropy scores</a:t>
+            </a:r>
+            <a:endParaRPr>
+              <a:latin typeface="Catamaran Light"/>
+              <a:ea typeface="Catamaran Light"/>
+              <a:cs typeface="Catamaran Light"/>
+              <a:sym typeface="Catamaran Light"/>
+            </a:endParaRPr>
+          </a:p>
+        </p:txBody>
+      </p:sp>
+    </p:spTree>
+  </p:cSld>
+  <p:clrMapOvr>
+    <a:masterClrMapping/>
+  </p:clrMapOvr>
+</p:sld>
+</file>
+
+<file path=ppt/slides/slide18.xml><?xml version="1.0" encoding="utf-8"?>
+<p:sld xmlns:a="http://schemas.openxmlformats.org/drawingml/2006/main" xmlns:r="http://schemas.openxmlformats.org/officeDocument/2006/relationships" xmlns:mc="http://schemas.openxmlformats.org/markup-compatibility/2006" xmlns:mv="urn:schemas-microsoft-com:mac:vml" xmlns:p="http://schemas.openxmlformats.org/presentationml/2006/main" xmlns:c="http://schemas.openxmlformats.org/drawingml/2006/chart" xmlns:dgm="http://schemas.openxmlformats.org/drawingml/2006/diagram" xmlns:o="urn:schemas-microsoft-com:office:office" xmlns:v="urn:schemas-microsoft-com:vml" xmlns:pvml="urn:schemas-microsoft-com:office:powerpoint" xmlns:com="http://schemas.openxmlformats.org/drawingml/2006/compatibility" xmlns:p14="http://schemas.microsoft.com/office/powerpoint/2010/main" xmlns:p15="http://schemas.microsoft.com/office/powerpoint/2012/main" xmlns:ahyp="http://schemas.microsoft.com/office/drawing/2018/hyperlinkcolor">
+  <p:cSld>
+    <p:spTree>
+      <p:nvGrpSpPr>
+        <p:cNvPr id="301" name="Shape 301"/>
+        <p:cNvGrpSpPr/>
+        <p:nvPr/>
+      </p:nvGrpSpPr>
+      <p:grpSpPr>
+        <a:xfrm>
+          <a:off x="0" y="0"/>
+          <a:ext cx="0" cy="0"/>
+          <a:chOff x="0" y="0"/>
+          <a:chExt cx="0" cy="0"/>
+        </a:xfrm>
+      </p:grpSpPr>
+      <p:sp>
+        <p:nvSpPr>
+          <p:cNvPr id="302" name="Google Shape;302;g190ffb19d87_0_65"/>
+          <p:cNvSpPr/>
+          <p:nvPr/>
+        </p:nvSpPr>
+        <p:spPr>
+          <a:xfrm rot="10800000">
+            <a:off x="5140800" y="297300"/>
+            <a:ext cx="4003200" cy="806100"/>
+          </a:xfrm>
+          <a:prstGeom prst="rect">
+            <a:avLst/>
+          </a:prstGeom>
+          <a:solidFill>
+            <a:srgbClr val="3C78D8"/>
+          </a:solidFill>
+          <a:ln>
+            <a:noFill/>
+          </a:ln>
+        </p:spPr>
+        <p:txBody>
+          <a:bodyPr anchorCtr="0" anchor="ctr" bIns="91425" lIns="91425" spcFirstLastPara="1" rIns="91425" wrap="square" tIns="91425">
+            <a:noAutofit/>
+          </a:bodyPr>
+          <a:lstStyle/>
+          <a:p>
+            <a:pPr indent="0" lvl="0" marL="0" marR="0" rtl="0" algn="l">
+              <a:lnSpc>
+                <a:spcPct val="100000"/>
+              </a:lnSpc>
+              <a:spcBef>
+                <a:spcPts val="0"/>
+              </a:spcBef>
+              <a:spcAft>
+                <a:spcPts val="0"/>
+              </a:spcAft>
+              <a:buClr>
+                <a:srgbClr val="000000"/>
+              </a:buClr>
+              <a:buSzPts val="1400"/>
+              <a:buFont typeface="Arial"/>
+              <a:buNone/>
+            </a:pPr>
+            <a:r>
+              <a:t/>
+            </a:r>
+            <a:endParaRPr b="0" i="0" sz="1400" u="none" cap="none" strike="noStrike">
+              <a:solidFill>
+                <a:srgbClr val="000000"/>
+              </a:solidFill>
+              <a:latin typeface="Arial"/>
+              <a:ea typeface="Arial"/>
+              <a:cs typeface="Arial"/>
+              <a:sym typeface="Arial"/>
+            </a:endParaRPr>
+          </a:p>
+        </p:txBody>
+      </p:sp>
+      <p:sp>
+        <p:nvSpPr>
+          <p:cNvPr id="303" name="Google Shape;303;g190ffb19d87_0_65"/>
+          <p:cNvSpPr txBox="1"/>
+          <p:nvPr>
+            <p:ph type="ctrTitle"/>
+          </p:nvPr>
+        </p:nvSpPr>
+        <p:spPr>
+          <a:xfrm>
+            <a:off x="5140800" y="442650"/>
+            <a:ext cx="4003200" cy="515400"/>
+          </a:xfrm>
+          <a:prstGeom prst="rect">
+            <a:avLst/>
+          </a:prstGeom>
+          <a:noFill/>
+          <a:ln>
+            <a:noFill/>
+          </a:ln>
+        </p:spPr>
+        <p:txBody>
+          <a:bodyPr anchorCtr="0" anchor="b" bIns="91425" lIns="91425" spcFirstLastPara="1" rIns="91425" wrap="square" tIns="91425">
+            <a:noAutofit/>
+          </a:bodyPr>
+          <a:lstStyle/>
+          <a:p>
+            <a:pPr indent="0" lvl="0" marL="0" rtl="0" algn="ctr">
+              <a:lnSpc>
+                <a:spcPct val="100000"/>
+              </a:lnSpc>
+              <a:spcBef>
+                <a:spcPts val="0"/>
+              </a:spcBef>
+              <a:spcAft>
+                <a:spcPts val="0"/>
+              </a:spcAft>
+              <a:buSzPts val="2800"/>
+              <a:buNone/>
+            </a:pPr>
+            <a:r>
+              <a:rPr lang="es" sz="2200">
+                <a:solidFill>
+                  <a:schemeClr val="lt1"/>
+                </a:solidFill>
+              </a:rPr>
+              <a:t>Model tuning</a:t>
+            </a:r>
+            <a:endParaRPr sz="2200">
+              <a:solidFill>
+                <a:schemeClr val="lt1"/>
+              </a:solidFill>
+            </a:endParaRPr>
+          </a:p>
+        </p:txBody>
+      </p:sp>
+      <p:sp>
+        <p:nvSpPr>
+          <p:cNvPr id="304" name="Google Shape;304;g190ffb19d87_0_65"/>
+          <p:cNvSpPr txBox="1"/>
+          <p:nvPr/>
+        </p:nvSpPr>
+        <p:spPr>
+          <a:xfrm>
+            <a:off x="1244250" y="1443976"/>
+            <a:ext cx="6655500" cy="2986200"/>
+          </a:xfrm>
+          <a:prstGeom prst="rect">
+            <a:avLst/>
+          </a:prstGeom>
+          <a:noFill/>
+          <a:ln>
+            <a:noFill/>
+          </a:ln>
+        </p:spPr>
+        <p:txBody>
+          <a:bodyPr anchorCtr="0" anchor="t" bIns="91425" lIns="91425" spcFirstLastPara="1" rIns="91425" wrap="square" tIns="91425">
+            <a:spAutoFit/>
+          </a:bodyPr>
+          <a:lstStyle/>
+          <a:p>
+            <a:pPr indent="0" lvl="0" marL="0" marR="0" rtl="0" algn="l">
+              <a:lnSpc>
+                <a:spcPct val="100000"/>
+              </a:lnSpc>
+              <a:spcBef>
+                <a:spcPts val="0"/>
+              </a:spcBef>
+              <a:spcAft>
+                <a:spcPts val="0"/>
+              </a:spcAft>
+              <a:buClr>
+                <a:srgbClr val="000000"/>
+              </a:buClr>
+              <a:buSzPts val="1400"/>
+              <a:buFont typeface="Arial"/>
+              <a:buNone/>
+            </a:pPr>
+            <a:r>
+              <a:t/>
+            </a:r>
+            <a:endParaRPr b="0" i="0" sz="1400" u="none" cap="none" strike="noStrike">
+              <a:solidFill>
+                <a:srgbClr val="000000"/>
+              </a:solidFill>
+              <a:latin typeface="Catamaran Light"/>
+              <a:ea typeface="Catamaran Light"/>
+              <a:cs typeface="Catamaran Light"/>
+              <a:sym typeface="Catamaran Light"/>
+            </a:endParaRPr>
+          </a:p>
+          <a:p>
+            <a:pPr indent="-317500" lvl="0" marL="457200" marR="0" rtl="0" algn="l">
+              <a:lnSpc>
+                <a:spcPct val="100000"/>
+              </a:lnSpc>
+              <a:spcBef>
+                <a:spcPts val="0"/>
+              </a:spcBef>
+              <a:spcAft>
+                <a:spcPts val="0"/>
+              </a:spcAft>
+              <a:buClr>
+                <a:srgbClr val="000000"/>
+              </a:buClr>
+              <a:buSzPts val="1400"/>
+              <a:buFont typeface="Catamaran"/>
+              <a:buChar char="●"/>
+            </a:pPr>
+            <a:r>
+              <a:rPr lang="es">
+                <a:latin typeface="Catamaran"/>
+                <a:ea typeface="Catamaran"/>
+                <a:cs typeface="Catamaran"/>
+                <a:sym typeface="Catamaran"/>
+              </a:rPr>
+              <a:t>Some model parameters are used to guide the fitting process, and therefore are not optimized in this process:</a:t>
+            </a:r>
+            <a:r>
+              <a:rPr b="1" lang="es">
+                <a:latin typeface="Catamaran"/>
+                <a:ea typeface="Catamaran"/>
+                <a:cs typeface="Catamaran"/>
+                <a:sym typeface="Catamaran"/>
+              </a:rPr>
+              <a:t> </a:t>
+            </a:r>
+            <a:r>
+              <a:rPr b="1" lang="es">
+                <a:latin typeface="Catamaran"/>
+                <a:ea typeface="Catamaran"/>
+                <a:cs typeface="Catamaran"/>
+                <a:sym typeface="Catamaran"/>
+              </a:rPr>
+              <a:t>hyperparameters</a:t>
+            </a:r>
+            <a:endParaRPr b="1">
+              <a:latin typeface="Catamaran"/>
+              <a:ea typeface="Catamaran"/>
+              <a:cs typeface="Catamaran"/>
+              <a:sym typeface="Catamaran"/>
+            </a:endParaRPr>
+          </a:p>
+          <a:p>
+            <a:pPr indent="0" lvl="0" marL="457200" marR="0" rtl="0" algn="l">
+              <a:lnSpc>
+                <a:spcPct val="100000"/>
+              </a:lnSpc>
+              <a:spcBef>
+                <a:spcPts val="0"/>
+              </a:spcBef>
+              <a:spcAft>
+                <a:spcPts val="0"/>
+              </a:spcAft>
+              <a:buNone/>
+            </a:pPr>
+            <a:r>
+              <a:t/>
+            </a:r>
+            <a:endParaRPr b="1">
+              <a:latin typeface="Catamaran"/>
+              <a:ea typeface="Catamaran"/>
+              <a:cs typeface="Catamaran"/>
+              <a:sym typeface="Catamaran"/>
+            </a:endParaRPr>
+          </a:p>
+          <a:p>
+            <a:pPr indent="-317500" lvl="0" marL="457200" marR="0" rtl="0" algn="l">
+              <a:lnSpc>
+                <a:spcPct val="100000"/>
+              </a:lnSpc>
+              <a:spcBef>
+                <a:spcPts val="0"/>
+              </a:spcBef>
+              <a:spcAft>
+                <a:spcPts val="0"/>
+              </a:spcAft>
+              <a:buSzPts val="1400"/>
+              <a:buFont typeface="Catamaran Light"/>
+              <a:buChar char="●"/>
+            </a:pPr>
+            <a:r>
+              <a:rPr lang="es">
+                <a:latin typeface="Catamaran Light"/>
+                <a:ea typeface="Catamaran Light"/>
+                <a:cs typeface="Catamaran Light"/>
+                <a:sym typeface="Catamaran Light"/>
+              </a:rPr>
+              <a:t>Different hyperparameters lead to performance differences. </a:t>
+            </a:r>
+            <a:r>
+              <a:rPr b="1" lang="es">
+                <a:latin typeface="Catamaran"/>
+                <a:ea typeface="Catamaran"/>
+                <a:cs typeface="Catamaran"/>
+                <a:sym typeface="Catamaran"/>
+              </a:rPr>
+              <a:t>Model tuning</a:t>
+            </a:r>
+            <a:r>
+              <a:rPr lang="es">
+                <a:latin typeface="Catamaran Light"/>
+                <a:ea typeface="Catamaran Light"/>
+                <a:cs typeface="Catamaran Light"/>
+                <a:sym typeface="Catamaran Light"/>
+              </a:rPr>
+              <a:t> tries to find the best hyperparameters.</a:t>
+            </a:r>
+            <a:endParaRPr>
+              <a:latin typeface="Catamaran Light"/>
+              <a:ea typeface="Catamaran Light"/>
+              <a:cs typeface="Catamaran Light"/>
+              <a:sym typeface="Catamaran Light"/>
+            </a:endParaRPr>
+          </a:p>
+          <a:p>
+            <a:pPr indent="0" lvl="0" marL="457200" marR="0" rtl="0" algn="l">
+              <a:lnSpc>
+                <a:spcPct val="100000"/>
+              </a:lnSpc>
+              <a:spcBef>
+                <a:spcPts val="0"/>
+              </a:spcBef>
+              <a:spcAft>
+                <a:spcPts val="0"/>
+              </a:spcAft>
+              <a:buNone/>
+            </a:pPr>
+            <a:r>
+              <a:t/>
+            </a:r>
+            <a:endParaRPr>
+              <a:latin typeface="Catamaran Light"/>
+              <a:ea typeface="Catamaran Light"/>
+              <a:cs typeface="Catamaran Light"/>
+              <a:sym typeface="Catamaran Light"/>
+            </a:endParaRPr>
+          </a:p>
+          <a:p>
+            <a:pPr indent="-317500" lvl="0" marL="457200" marR="0" rtl="0" algn="l">
+              <a:lnSpc>
+                <a:spcPct val="100000"/>
+              </a:lnSpc>
+              <a:spcBef>
+                <a:spcPts val="0"/>
+              </a:spcBef>
+              <a:spcAft>
+                <a:spcPts val="0"/>
+              </a:spcAft>
+              <a:buSzPts val="1400"/>
+              <a:buFont typeface="Catamaran Light"/>
+              <a:buChar char="●"/>
+            </a:pPr>
+            <a:r>
+              <a:rPr lang="es">
+                <a:latin typeface="Catamaran Light"/>
+                <a:ea typeface="Catamaran Light"/>
+                <a:cs typeface="Catamaran Light"/>
+                <a:sym typeface="Catamaran Light"/>
+              </a:rPr>
+              <a:t>Typically involves running multiple models with different hyperparameters and choose the best performing ones: these models are fitted with training data and evaluated with validation data.</a:t>
+            </a:r>
+            <a:endParaRPr>
+              <a:latin typeface="Catamaran Light"/>
+              <a:ea typeface="Catamaran Light"/>
+              <a:cs typeface="Catamaran Light"/>
+              <a:sym typeface="Catamaran Light"/>
+            </a:endParaRPr>
+          </a:p>
+          <a:p>
+            <a:pPr indent="0" lvl="0" marL="457200" marR="0" rtl="0" algn="l">
+              <a:lnSpc>
+                <a:spcPct val="100000"/>
+              </a:lnSpc>
+              <a:spcBef>
+                <a:spcPts val="0"/>
+              </a:spcBef>
+              <a:spcAft>
+                <a:spcPts val="0"/>
+              </a:spcAft>
+              <a:buNone/>
+            </a:pPr>
+            <a:r>
+              <a:t/>
+            </a:r>
+            <a:endParaRPr>
+              <a:latin typeface="Catamaran Light"/>
+              <a:ea typeface="Catamaran Light"/>
+              <a:cs typeface="Catamaran Light"/>
+              <a:sym typeface="Catamaran Light"/>
+            </a:endParaRPr>
+          </a:p>
+          <a:p>
+            <a:pPr indent="-317500" lvl="0" marL="457200" marR="0" rtl="0" algn="l">
+              <a:lnSpc>
+                <a:spcPct val="100000"/>
+              </a:lnSpc>
+              <a:spcBef>
+                <a:spcPts val="0"/>
+              </a:spcBef>
+              <a:spcAft>
+                <a:spcPts val="0"/>
+              </a:spcAft>
+              <a:buSzPts val="1400"/>
+              <a:buFont typeface="Catamaran Light"/>
+              <a:buChar char="●"/>
+            </a:pPr>
+            <a:r>
+              <a:rPr lang="es">
+                <a:latin typeface="Catamaran Light"/>
+                <a:ea typeface="Catamaran Light"/>
+                <a:cs typeface="Catamaran Light"/>
+                <a:sym typeface="Catamaran Light"/>
+              </a:rPr>
+              <a:t>Once the best model has been chosen, it is usually fitted on joint training and validation data and is then ready to be evaluated on test data.</a:t>
+            </a:r>
+            <a:endParaRPr>
+              <a:latin typeface="Catamaran Light"/>
+              <a:ea typeface="Catamaran Light"/>
+              <a:cs typeface="Catamaran Light"/>
+              <a:sym typeface="Catamaran Light"/>
+            </a:endParaRPr>
+          </a:p>
+        </p:txBody>
+      </p:sp>
+      <p:sp>
+        <p:nvSpPr>
+          <p:cNvPr id="305" name="Google Shape;305;g190ffb19d87_0_65"/>
+          <p:cNvSpPr txBox="1"/>
+          <p:nvPr/>
+        </p:nvSpPr>
+        <p:spPr>
+          <a:xfrm>
+            <a:off x="813900" y="392550"/>
+            <a:ext cx="3100200" cy="615600"/>
+          </a:xfrm>
+          <a:prstGeom prst="rect">
+            <a:avLst/>
+          </a:prstGeom>
+          <a:noFill/>
+          <a:ln cap="flat" cmpd="sng" w="28575">
+            <a:solidFill>
+              <a:srgbClr val="000000"/>
+            </a:solidFill>
+            <a:prstDash val="solid"/>
+            <a:round/>
+            <a:headEnd len="sm" w="sm" type="none"/>
+            <a:tailEnd len="sm" w="sm" type="none"/>
+          </a:ln>
+        </p:spPr>
+        <p:txBody>
+          <a:bodyPr anchorCtr="0" anchor="t" bIns="91425" lIns="91425" spcFirstLastPara="1" rIns="91425" wrap="square" tIns="91425">
+            <a:spAutoFit/>
+          </a:bodyPr>
+          <a:lstStyle/>
+          <a:p>
+            <a:pPr indent="0" lvl="0" marL="0" rtl="0" algn="ctr">
+              <a:spcBef>
+                <a:spcPts val="0"/>
+              </a:spcBef>
+              <a:spcAft>
+                <a:spcPts val="0"/>
+              </a:spcAft>
+              <a:buNone/>
+            </a:pPr>
+            <a:r>
+              <a:rPr lang="es">
+                <a:latin typeface="Catamaran Light"/>
+                <a:ea typeface="Catamaran Light"/>
+                <a:cs typeface="Catamaran Light"/>
+                <a:sym typeface="Catamaran Light"/>
+              </a:rPr>
+              <a:t>Time to get coding! Let’s go through Part 2 of the hands-on notebook!</a:t>
+            </a:r>
+            <a:endParaRPr>
+              <a:latin typeface="Catamaran Light"/>
+              <a:ea typeface="Catamaran Light"/>
+              <a:cs typeface="Catamaran Light"/>
+              <a:sym typeface="Catamaran Light"/>
+            </a:endParaRPr>
+          </a:p>
+        </p:txBody>
+      </p:sp>
+    </p:spTree>
+  </p:cSld>
+  <p:clrMapOvr>
+    <a:masterClrMapping/>
+  </p:clrMapOvr>
+</p:sld>
+</file>
+
+<file path=ppt/slides/slide19.xml><?xml version="1.0" encoding="utf-8"?>
+<p:sld xmlns:a="http://schemas.openxmlformats.org/drawingml/2006/main" xmlns:r="http://schemas.openxmlformats.org/officeDocument/2006/relationships" xmlns:mc="http://schemas.openxmlformats.org/markup-compatibility/2006" xmlns:mv="urn:schemas-microsoft-com:mac:vml" xmlns:p="http://schemas.openxmlformats.org/presentationml/2006/main" xmlns:c="http://schemas.openxmlformats.org/drawingml/2006/chart" xmlns:dgm="http://schemas.openxmlformats.org/drawingml/2006/diagram" xmlns:o="urn:schemas-microsoft-com:office:office" xmlns:v="urn:schemas-microsoft-com:vml" xmlns:pvml="urn:schemas-microsoft-com:office:powerpoint" xmlns:com="http://schemas.openxmlformats.org/drawingml/2006/compatibility" xmlns:p14="http://schemas.microsoft.com/office/powerpoint/2010/main" xmlns:p15="http://schemas.microsoft.com/office/powerpoint/2012/main" xmlns:ahyp="http://schemas.microsoft.com/office/drawing/2018/hyperlinkcolor">
+  <p:cSld>
+    <p:spTree>
+      <p:nvGrpSpPr>
+        <p:cNvPr id="309" name="Shape 309"/>
+        <p:cNvGrpSpPr/>
+        <p:nvPr/>
+      </p:nvGrpSpPr>
+      <p:grpSpPr>
+        <a:xfrm>
+          <a:off x="0" y="0"/>
+          <a:ext cx="0" cy="0"/>
+          <a:chOff x="0" y="0"/>
+          <a:chExt cx="0" cy="0"/>
+        </a:xfrm>
+      </p:grpSpPr>
+      <p:sp>
+        <p:nvSpPr>
+          <p:cNvPr id="310" name="Google Shape;310;g190ffb19d87_0_75"/>
+          <p:cNvSpPr txBox="1"/>
+          <p:nvPr>
+            <p:ph type="ctrTitle"/>
+          </p:nvPr>
+        </p:nvSpPr>
+        <p:spPr>
+          <a:xfrm>
+            <a:off x="751200" y="2577425"/>
+            <a:ext cx="5053500" cy="1961400"/>
+          </a:xfrm>
+          <a:prstGeom prst="rect">
+            <a:avLst/>
+          </a:prstGeom>
+          <a:noFill/>
+          <a:ln>
+            <a:noFill/>
+          </a:ln>
+        </p:spPr>
+        <p:txBody>
+          <a:bodyPr anchorCtr="0" anchor="ctr" bIns="91425" lIns="91425" spcFirstLastPara="1" rIns="91425" wrap="square" tIns="91425">
+            <a:noAutofit/>
+          </a:bodyPr>
+          <a:lstStyle/>
+          <a:p>
+            <a:pPr indent="0" lvl="0" marL="0" rtl="0" algn="l">
+              <a:lnSpc>
+                <a:spcPct val="100000"/>
+              </a:lnSpc>
+              <a:spcBef>
+                <a:spcPts val="0"/>
+              </a:spcBef>
+              <a:spcAft>
+                <a:spcPts val="0"/>
+              </a:spcAft>
+              <a:buSzPts val="3600"/>
+              <a:buNone/>
+            </a:pPr>
+            <a:r>
+              <a:rPr lang="es"/>
+              <a:t>Supervised classification model evaluation</a:t>
+            </a:r>
+            <a:endParaRPr/>
           </a:p>
         </p:txBody>
       </p:sp>
@@ -23471,6 +26593,1497 @@
 </p:sld>
 </file>
 
+<file path=ppt/slides/slide20.xml><?xml version="1.0" encoding="utf-8"?>
+<p:sld xmlns:a="http://schemas.openxmlformats.org/drawingml/2006/main" xmlns:r="http://schemas.openxmlformats.org/officeDocument/2006/relationships" xmlns:mc="http://schemas.openxmlformats.org/markup-compatibility/2006" xmlns:mv="urn:schemas-microsoft-com:mac:vml" xmlns:p="http://schemas.openxmlformats.org/presentationml/2006/main" xmlns:c="http://schemas.openxmlformats.org/drawingml/2006/chart" xmlns:dgm="http://schemas.openxmlformats.org/drawingml/2006/diagram" xmlns:o="urn:schemas-microsoft-com:office:office" xmlns:v="urn:schemas-microsoft-com:vml" xmlns:pvml="urn:schemas-microsoft-com:office:powerpoint" xmlns:com="http://schemas.openxmlformats.org/drawingml/2006/compatibility" xmlns:p14="http://schemas.microsoft.com/office/powerpoint/2010/main" xmlns:p15="http://schemas.microsoft.com/office/powerpoint/2012/main" xmlns:ahyp="http://schemas.microsoft.com/office/drawing/2018/hyperlinkcolor">
+  <p:cSld>
+    <p:spTree>
+      <p:nvGrpSpPr>
+        <p:cNvPr id="314" name="Shape 314"/>
+        <p:cNvGrpSpPr/>
+        <p:nvPr/>
+      </p:nvGrpSpPr>
+      <p:grpSpPr>
+        <a:xfrm>
+          <a:off x="0" y="0"/>
+          <a:ext cx="0" cy="0"/>
+          <a:chOff x="0" y="0"/>
+          <a:chExt cx="0" cy="0"/>
+        </a:xfrm>
+      </p:grpSpPr>
+      <p:sp>
+        <p:nvSpPr>
+          <p:cNvPr id="315" name="Google Shape;315;g190ffb19d87_0_79"/>
+          <p:cNvSpPr/>
+          <p:nvPr/>
+        </p:nvSpPr>
+        <p:spPr>
+          <a:xfrm rot="10800000">
+            <a:off x="0" y="297300"/>
+            <a:ext cx="4003200" cy="806100"/>
+          </a:xfrm>
+          <a:prstGeom prst="rect">
+            <a:avLst/>
+          </a:prstGeom>
+          <a:solidFill>
+            <a:srgbClr val="3C78D8"/>
+          </a:solidFill>
+          <a:ln>
+            <a:noFill/>
+          </a:ln>
+        </p:spPr>
+        <p:txBody>
+          <a:bodyPr anchorCtr="0" anchor="ctr" bIns="91425" lIns="91425" spcFirstLastPara="1" rIns="91425" wrap="square" tIns="91425">
+            <a:noAutofit/>
+          </a:bodyPr>
+          <a:lstStyle/>
+          <a:p>
+            <a:pPr indent="0" lvl="0" marL="0" marR="0" rtl="0" algn="l">
+              <a:lnSpc>
+                <a:spcPct val="100000"/>
+              </a:lnSpc>
+              <a:spcBef>
+                <a:spcPts val="0"/>
+              </a:spcBef>
+              <a:spcAft>
+                <a:spcPts val="0"/>
+              </a:spcAft>
+              <a:buClr>
+                <a:srgbClr val="000000"/>
+              </a:buClr>
+              <a:buSzPts val="1400"/>
+              <a:buFont typeface="Arial"/>
+              <a:buNone/>
+            </a:pPr>
+            <a:r>
+              <a:t/>
+            </a:r>
+            <a:endParaRPr b="0" i="0" sz="1400" u="none" cap="none" strike="noStrike">
+              <a:solidFill>
+                <a:srgbClr val="000000"/>
+              </a:solidFill>
+              <a:latin typeface="Arial"/>
+              <a:ea typeface="Arial"/>
+              <a:cs typeface="Arial"/>
+              <a:sym typeface="Arial"/>
+            </a:endParaRPr>
+          </a:p>
+        </p:txBody>
+      </p:sp>
+      <p:sp>
+        <p:nvSpPr>
+          <p:cNvPr id="316" name="Google Shape;316;g190ffb19d87_0_79"/>
+          <p:cNvSpPr txBox="1"/>
+          <p:nvPr>
+            <p:ph type="ctrTitle"/>
+          </p:nvPr>
+        </p:nvSpPr>
+        <p:spPr>
+          <a:xfrm>
+            <a:off x="0" y="442650"/>
+            <a:ext cx="4003200" cy="515400"/>
+          </a:xfrm>
+          <a:prstGeom prst="rect">
+            <a:avLst/>
+          </a:prstGeom>
+          <a:noFill/>
+          <a:ln>
+            <a:noFill/>
+          </a:ln>
+        </p:spPr>
+        <p:txBody>
+          <a:bodyPr anchorCtr="0" anchor="b" bIns="91425" lIns="91425" spcFirstLastPara="1" rIns="91425" wrap="square" tIns="91425">
+            <a:noAutofit/>
+          </a:bodyPr>
+          <a:lstStyle/>
+          <a:p>
+            <a:pPr indent="0" lvl="0" marL="0" rtl="0" algn="ctr">
+              <a:lnSpc>
+                <a:spcPct val="100000"/>
+              </a:lnSpc>
+              <a:spcBef>
+                <a:spcPts val="0"/>
+              </a:spcBef>
+              <a:spcAft>
+                <a:spcPts val="0"/>
+              </a:spcAft>
+              <a:buSzPts val="2800"/>
+              <a:buNone/>
+            </a:pPr>
+            <a:r>
+              <a:rPr lang="es" sz="2200">
+                <a:solidFill>
+                  <a:schemeClr val="lt1"/>
+                </a:solidFill>
+              </a:rPr>
+              <a:t>Accuracy</a:t>
+            </a:r>
+            <a:endParaRPr sz="2200">
+              <a:solidFill>
+                <a:schemeClr val="lt1"/>
+              </a:solidFill>
+            </a:endParaRPr>
+          </a:p>
+        </p:txBody>
+      </p:sp>
+      <p:sp>
+        <p:nvSpPr>
+          <p:cNvPr id="317" name="Google Shape;317;g190ffb19d87_0_79"/>
+          <p:cNvSpPr txBox="1"/>
+          <p:nvPr/>
+        </p:nvSpPr>
+        <p:spPr>
+          <a:xfrm>
+            <a:off x="207525" y="1358225"/>
+            <a:ext cx="4597200" cy="1477500"/>
+          </a:xfrm>
+          <a:prstGeom prst="rect">
+            <a:avLst/>
+          </a:prstGeom>
+          <a:noFill/>
+          <a:ln>
+            <a:noFill/>
+          </a:ln>
+        </p:spPr>
+        <p:txBody>
+          <a:bodyPr anchorCtr="0" anchor="t" bIns="91425" lIns="91425" spcFirstLastPara="1" rIns="91425" wrap="square" tIns="91425">
+            <a:spAutoFit/>
+          </a:bodyPr>
+          <a:lstStyle/>
+          <a:p>
+            <a:pPr indent="-317500" lvl="0" marL="457200" marR="0" rtl="0" algn="l">
+              <a:lnSpc>
+                <a:spcPct val="100000"/>
+              </a:lnSpc>
+              <a:spcBef>
+                <a:spcPts val="0"/>
+              </a:spcBef>
+              <a:spcAft>
+                <a:spcPts val="0"/>
+              </a:spcAft>
+              <a:buClr>
+                <a:srgbClr val="000000"/>
+              </a:buClr>
+              <a:buSzPts val="1400"/>
+              <a:buFont typeface="Catamaran Light"/>
+              <a:buChar char="●"/>
+            </a:pPr>
+            <a:r>
+              <a:rPr lang="es">
+                <a:latin typeface="Catamaran"/>
+                <a:ea typeface="Catamaran"/>
+                <a:cs typeface="Catamaran"/>
+                <a:sym typeface="Catamaran"/>
+              </a:rPr>
+              <a:t>The </a:t>
+            </a:r>
+            <a:r>
+              <a:rPr lang="es">
+                <a:latin typeface="Catamaran"/>
+                <a:ea typeface="Catamaran"/>
+                <a:cs typeface="Catamaran"/>
+                <a:sym typeface="Catamaran"/>
+              </a:rPr>
+              <a:t>number of correctly classified data points.</a:t>
+            </a:r>
+            <a:endParaRPr>
+              <a:latin typeface="Catamaran"/>
+              <a:ea typeface="Catamaran"/>
+              <a:cs typeface="Catamaran"/>
+              <a:sym typeface="Catamaran"/>
+            </a:endParaRPr>
+          </a:p>
+          <a:p>
+            <a:pPr indent="0" lvl="0" marL="457200" marR="0" rtl="0" algn="l">
+              <a:lnSpc>
+                <a:spcPct val="100000"/>
+              </a:lnSpc>
+              <a:spcBef>
+                <a:spcPts val="0"/>
+              </a:spcBef>
+              <a:spcAft>
+                <a:spcPts val="0"/>
+              </a:spcAft>
+              <a:buNone/>
+            </a:pPr>
+            <a:r>
+              <a:t/>
+            </a:r>
+            <a:endParaRPr>
+              <a:latin typeface="Catamaran"/>
+              <a:ea typeface="Catamaran"/>
+              <a:cs typeface="Catamaran"/>
+              <a:sym typeface="Catamaran"/>
+            </a:endParaRPr>
+          </a:p>
+          <a:p>
+            <a:pPr indent="-317500" lvl="0" marL="457200" marR="0" rtl="0" algn="l">
+              <a:lnSpc>
+                <a:spcPct val="100000"/>
+              </a:lnSpc>
+              <a:spcBef>
+                <a:spcPts val="0"/>
+              </a:spcBef>
+              <a:spcAft>
+                <a:spcPts val="0"/>
+              </a:spcAft>
+              <a:buSzPts val="1400"/>
+              <a:buFont typeface="Catamaran"/>
+              <a:buChar char="●"/>
+            </a:pPr>
+            <a:r>
+              <a:rPr lang="es">
+                <a:latin typeface="Catamaran"/>
+                <a:ea typeface="Catamaran"/>
+                <a:cs typeface="Catamaran"/>
+                <a:sym typeface="Catamaran"/>
+              </a:rPr>
+              <a:t>Not very descriptive, and not very useful for unbalanced data</a:t>
+            </a:r>
+            <a:endParaRPr>
+              <a:latin typeface="Catamaran"/>
+              <a:ea typeface="Catamaran"/>
+              <a:cs typeface="Catamaran"/>
+              <a:sym typeface="Catamaran"/>
+            </a:endParaRPr>
+          </a:p>
+          <a:p>
+            <a:pPr indent="0" lvl="0" marL="457200" marR="0" rtl="0" algn="l">
+              <a:lnSpc>
+                <a:spcPct val="100000"/>
+              </a:lnSpc>
+              <a:spcBef>
+                <a:spcPts val="0"/>
+              </a:spcBef>
+              <a:spcAft>
+                <a:spcPts val="0"/>
+              </a:spcAft>
+              <a:buClr>
+                <a:srgbClr val="000000"/>
+              </a:buClr>
+              <a:buSzPts val="1400"/>
+              <a:buFont typeface="Arial"/>
+              <a:buNone/>
+            </a:pPr>
+            <a:r>
+              <a:t/>
+            </a:r>
+            <a:endParaRPr b="0" i="0" sz="1400" u="none" cap="none" strike="noStrike">
+              <a:solidFill>
+                <a:srgbClr val="000000"/>
+              </a:solidFill>
+              <a:latin typeface="Catamaran Light"/>
+              <a:ea typeface="Catamaran Light"/>
+              <a:cs typeface="Catamaran Light"/>
+              <a:sym typeface="Catamaran Light"/>
+            </a:endParaRPr>
+          </a:p>
+          <a:p>
+            <a:pPr indent="0" lvl="0" marL="0" marR="0" rtl="0" algn="l">
+              <a:lnSpc>
+                <a:spcPct val="100000"/>
+              </a:lnSpc>
+              <a:spcBef>
+                <a:spcPts val="0"/>
+              </a:spcBef>
+              <a:spcAft>
+                <a:spcPts val="0"/>
+              </a:spcAft>
+              <a:buNone/>
+            </a:pPr>
+            <a:r>
+              <a:t/>
+            </a:r>
+            <a:endParaRPr b="0" i="0" sz="1400" u="none" cap="none" strike="noStrike">
+              <a:solidFill>
+                <a:srgbClr val="000000"/>
+              </a:solidFill>
+              <a:latin typeface="Catamaran Light"/>
+              <a:ea typeface="Catamaran Light"/>
+              <a:cs typeface="Catamaran Light"/>
+              <a:sym typeface="Catamaran Light"/>
+            </a:endParaRPr>
+          </a:p>
+        </p:txBody>
+      </p:sp>
+      <p:sp>
+        <p:nvSpPr>
+          <p:cNvPr id="318" name="Google Shape;318;g190ffb19d87_0_79"/>
+          <p:cNvSpPr/>
+          <p:nvPr/>
+        </p:nvSpPr>
+        <p:spPr>
+          <a:xfrm rot="10800000">
+            <a:off x="5140800" y="2168700"/>
+            <a:ext cx="4003200" cy="806100"/>
+          </a:xfrm>
+          <a:prstGeom prst="rect">
+            <a:avLst/>
+          </a:prstGeom>
+          <a:solidFill>
+            <a:srgbClr val="3C78D8"/>
+          </a:solidFill>
+          <a:ln>
+            <a:noFill/>
+          </a:ln>
+        </p:spPr>
+        <p:txBody>
+          <a:bodyPr anchorCtr="0" anchor="ctr" bIns="91425" lIns="91425" spcFirstLastPara="1" rIns="91425" wrap="square" tIns="91425">
+            <a:noAutofit/>
+          </a:bodyPr>
+          <a:lstStyle/>
+          <a:p>
+            <a:pPr indent="0" lvl="0" marL="0" marR="0" rtl="0" algn="l">
+              <a:lnSpc>
+                <a:spcPct val="100000"/>
+              </a:lnSpc>
+              <a:spcBef>
+                <a:spcPts val="0"/>
+              </a:spcBef>
+              <a:spcAft>
+                <a:spcPts val="0"/>
+              </a:spcAft>
+              <a:buClr>
+                <a:srgbClr val="000000"/>
+              </a:buClr>
+              <a:buSzPts val="1400"/>
+              <a:buFont typeface="Arial"/>
+              <a:buNone/>
+            </a:pPr>
+            <a:r>
+              <a:t/>
+            </a:r>
+            <a:endParaRPr b="0" i="0" sz="1400" u="none" cap="none" strike="noStrike">
+              <a:solidFill>
+                <a:srgbClr val="000000"/>
+              </a:solidFill>
+              <a:latin typeface="Arial"/>
+              <a:ea typeface="Arial"/>
+              <a:cs typeface="Arial"/>
+              <a:sym typeface="Arial"/>
+            </a:endParaRPr>
+          </a:p>
+        </p:txBody>
+      </p:sp>
+      <p:sp>
+        <p:nvSpPr>
+          <p:cNvPr id="319" name="Google Shape;319;g190ffb19d87_0_79"/>
+          <p:cNvSpPr txBox="1"/>
+          <p:nvPr>
+            <p:ph type="ctrTitle"/>
+          </p:nvPr>
+        </p:nvSpPr>
+        <p:spPr>
+          <a:xfrm>
+            <a:off x="5140800" y="2314050"/>
+            <a:ext cx="4003200" cy="515400"/>
+          </a:xfrm>
+          <a:prstGeom prst="rect">
+            <a:avLst/>
+          </a:prstGeom>
+          <a:noFill/>
+          <a:ln>
+            <a:noFill/>
+          </a:ln>
+        </p:spPr>
+        <p:txBody>
+          <a:bodyPr anchorCtr="0" anchor="b" bIns="91425" lIns="91425" spcFirstLastPara="1" rIns="91425" wrap="square" tIns="91425">
+            <a:noAutofit/>
+          </a:bodyPr>
+          <a:lstStyle/>
+          <a:p>
+            <a:pPr indent="0" lvl="0" marL="0" rtl="0" algn="ctr">
+              <a:lnSpc>
+                <a:spcPct val="100000"/>
+              </a:lnSpc>
+              <a:spcBef>
+                <a:spcPts val="0"/>
+              </a:spcBef>
+              <a:spcAft>
+                <a:spcPts val="0"/>
+              </a:spcAft>
+              <a:buSzPts val="2800"/>
+              <a:buNone/>
+            </a:pPr>
+            <a:r>
+              <a:rPr lang="es" sz="2200">
+                <a:solidFill>
+                  <a:schemeClr val="lt1"/>
+                </a:solidFill>
+              </a:rPr>
+              <a:t>Confusion matrix</a:t>
+            </a:r>
+            <a:endParaRPr sz="2200">
+              <a:solidFill>
+                <a:schemeClr val="lt1"/>
+              </a:solidFill>
+            </a:endParaRPr>
+          </a:p>
+        </p:txBody>
+      </p:sp>
+      <p:sp>
+        <p:nvSpPr>
+          <p:cNvPr id="320" name="Google Shape;320;g190ffb19d87_0_79"/>
+          <p:cNvSpPr txBox="1"/>
+          <p:nvPr/>
+        </p:nvSpPr>
+        <p:spPr>
+          <a:xfrm>
+            <a:off x="3700600" y="3090550"/>
+            <a:ext cx="5391900" cy="1908600"/>
+          </a:xfrm>
+          <a:prstGeom prst="rect">
+            <a:avLst/>
+          </a:prstGeom>
+          <a:noFill/>
+          <a:ln>
+            <a:noFill/>
+          </a:ln>
+        </p:spPr>
+        <p:txBody>
+          <a:bodyPr anchorCtr="0" anchor="t" bIns="91425" lIns="91425" spcFirstLastPara="1" rIns="91425" wrap="square" tIns="91425">
+            <a:spAutoFit/>
+          </a:bodyPr>
+          <a:lstStyle/>
+          <a:p>
+            <a:pPr indent="-317500" lvl="0" marL="457200" marR="0" rtl="0" algn="l">
+              <a:lnSpc>
+                <a:spcPct val="100000"/>
+              </a:lnSpc>
+              <a:spcBef>
+                <a:spcPts val="0"/>
+              </a:spcBef>
+              <a:spcAft>
+                <a:spcPts val="0"/>
+              </a:spcAft>
+              <a:buClr>
+                <a:srgbClr val="000000"/>
+              </a:buClr>
+              <a:buSzPts val="1400"/>
+              <a:buFont typeface="Catamaran Light"/>
+              <a:buChar char="●"/>
+            </a:pPr>
+            <a:r>
+              <a:rPr lang="es">
+                <a:latin typeface="Catamaran"/>
+                <a:ea typeface="Catamaran"/>
+                <a:cs typeface="Catamaran"/>
+                <a:sym typeface="Catamaran"/>
+              </a:rPr>
+              <a:t>How much the model confuses one class with another. </a:t>
+            </a:r>
+            <a:endParaRPr>
+              <a:latin typeface="Catamaran"/>
+              <a:ea typeface="Catamaran"/>
+              <a:cs typeface="Catamaran"/>
+              <a:sym typeface="Catamaran"/>
+            </a:endParaRPr>
+          </a:p>
+          <a:p>
+            <a:pPr indent="0" lvl="0" marL="457200" marR="0" rtl="0" algn="l">
+              <a:lnSpc>
+                <a:spcPct val="100000"/>
+              </a:lnSpc>
+              <a:spcBef>
+                <a:spcPts val="0"/>
+              </a:spcBef>
+              <a:spcAft>
+                <a:spcPts val="0"/>
+              </a:spcAft>
+              <a:buNone/>
+            </a:pPr>
+            <a:r>
+              <a:t/>
+            </a:r>
+            <a:endParaRPr>
+              <a:latin typeface="Catamaran"/>
+              <a:ea typeface="Catamaran"/>
+              <a:cs typeface="Catamaran"/>
+              <a:sym typeface="Catamaran"/>
+            </a:endParaRPr>
+          </a:p>
+          <a:p>
+            <a:pPr indent="-317500" lvl="0" marL="457200" marR="0" rtl="0" algn="l">
+              <a:lnSpc>
+                <a:spcPct val="100000"/>
+              </a:lnSpc>
+              <a:spcBef>
+                <a:spcPts val="0"/>
+              </a:spcBef>
+              <a:spcAft>
+                <a:spcPts val="0"/>
+              </a:spcAft>
+              <a:buSzPts val="1400"/>
+              <a:buFont typeface="Catamaran"/>
+              <a:buChar char="●"/>
+            </a:pPr>
+            <a:r>
+              <a:rPr lang="es">
+                <a:latin typeface="Catamaran"/>
+                <a:ea typeface="Catamaran"/>
+                <a:cs typeface="Catamaran"/>
+                <a:sym typeface="Catamaran"/>
+              </a:rPr>
+              <a:t>Groups these into four groups:</a:t>
+            </a:r>
+            <a:endParaRPr>
+              <a:latin typeface="Catamaran"/>
+              <a:ea typeface="Catamaran"/>
+              <a:cs typeface="Catamaran"/>
+              <a:sym typeface="Catamaran"/>
+            </a:endParaRPr>
+          </a:p>
+          <a:p>
+            <a:pPr indent="-317500" lvl="1" marL="914400" marR="0" rtl="0" algn="l">
+              <a:lnSpc>
+                <a:spcPct val="100000"/>
+              </a:lnSpc>
+              <a:spcBef>
+                <a:spcPts val="0"/>
+              </a:spcBef>
+              <a:spcAft>
+                <a:spcPts val="0"/>
+              </a:spcAft>
+              <a:buSzPts val="1400"/>
+              <a:buFont typeface="Catamaran"/>
+              <a:buChar char="○"/>
+            </a:pPr>
+            <a:r>
+              <a:rPr b="1" lang="es">
+                <a:latin typeface="Catamaran"/>
+                <a:ea typeface="Catamaran"/>
+                <a:cs typeface="Catamaran"/>
+                <a:sym typeface="Catamaran"/>
+              </a:rPr>
+              <a:t>False negatives:</a:t>
+            </a:r>
+            <a:r>
+              <a:rPr lang="es">
+                <a:latin typeface="Catamaran"/>
+                <a:ea typeface="Catamaran"/>
+                <a:cs typeface="Catamaran"/>
+                <a:sym typeface="Catamaran"/>
+              </a:rPr>
+              <a:t> incorrectly predicted negative data points</a:t>
+            </a:r>
+            <a:endParaRPr>
+              <a:latin typeface="Catamaran"/>
+              <a:ea typeface="Catamaran"/>
+              <a:cs typeface="Catamaran"/>
+              <a:sym typeface="Catamaran"/>
+            </a:endParaRPr>
+          </a:p>
+          <a:p>
+            <a:pPr indent="-317500" lvl="1" marL="914400" marR="0" rtl="0" algn="l">
+              <a:lnSpc>
+                <a:spcPct val="100000"/>
+              </a:lnSpc>
+              <a:spcBef>
+                <a:spcPts val="0"/>
+              </a:spcBef>
+              <a:spcAft>
+                <a:spcPts val="0"/>
+              </a:spcAft>
+              <a:buSzPts val="1400"/>
+              <a:buFont typeface="Catamaran"/>
+              <a:buChar char="○"/>
+            </a:pPr>
+            <a:r>
+              <a:rPr b="1" lang="es">
+                <a:latin typeface="Catamaran"/>
+                <a:ea typeface="Catamaran"/>
+                <a:cs typeface="Catamaran"/>
+                <a:sym typeface="Catamaran"/>
+              </a:rPr>
+              <a:t>True negatives:</a:t>
+            </a:r>
+            <a:r>
+              <a:rPr lang="es">
+                <a:latin typeface="Catamaran"/>
+                <a:ea typeface="Catamaran"/>
+                <a:cs typeface="Catamaran"/>
+                <a:sym typeface="Catamaran"/>
+              </a:rPr>
+              <a:t> correctly predicted negative data points</a:t>
+            </a:r>
+            <a:endParaRPr>
+              <a:latin typeface="Catamaran"/>
+              <a:ea typeface="Catamaran"/>
+              <a:cs typeface="Catamaran"/>
+              <a:sym typeface="Catamaran"/>
+            </a:endParaRPr>
+          </a:p>
+          <a:p>
+            <a:pPr indent="-317500" lvl="1" marL="914400" marR="0" rtl="0" algn="l">
+              <a:lnSpc>
+                <a:spcPct val="100000"/>
+              </a:lnSpc>
+              <a:spcBef>
+                <a:spcPts val="0"/>
+              </a:spcBef>
+              <a:spcAft>
+                <a:spcPts val="0"/>
+              </a:spcAft>
+              <a:buSzPts val="1400"/>
+              <a:buFont typeface="Catamaran"/>
+              <a:buChar char="○"/>
+            </a:pPr>
+            <a:r>
+              <a:rPr b="1" lang="es">
+                <a:latin typeface="Catamaran"/>
+                <a:ea typeface="Catamaran"/>
+                <a:cs typeface="Catamaran"/>
+                <a:sym typeface="Catamaran"/>
+              </a:rPr>
+              <a:t>False positives:</a:t>
+            </a:r>
+            <a:r>
+              <a:rPr lang="es">
+                <a:latin typeface="Catamaran"/>
+                <a:ea typeface="Catamaran"/>
+                <a:cs typeface="Catamaran"/>
+                <a:sym typeface="Catamaran"/>
+              </a:rPr>
+              <a:t> incorrectly predicted positive data point</a:t>
+            </a:r>
+            <a:endParaRPr>
+              <a:latin typeface="Catamaran"/>
+              <a:ea typeface="Catamaran"/>
+              <a:cs typeface="Catamaran"/>
+              <a:sym typeface="Catamaran"/>
+            </a:endParaRPr>
+          </a:p>
+          <a:p>
+            <a:pPr indent="-317500" lvl="1" marL="914400" marR="0" rtl="0" algn="l">
+              <a:lnSpc>
+                <a:spcPct val="100000"/>
+              </a:lnSpc>
+              <a:spcBef>
+                <a:spcPts val="0"/>
+              </a:spcBef>
+              <a:spcAft>
+                <a:spcPts val="0"/>
+              </a:spcAft>
+              <a:buSzPts val="1400"/>
+              <a:buFont typeface="Catamaran"/>
+              <a:buChar char="○"/>
+            </a:pPr>
+            <a:r>
+              <a:rPr b="1" lang="es">
+                <a:latin typeface="Catamaran"/>
+                <a:ea typeface="Catamaran"/>
+                <a:cs typeface="Catamaran"/>
+                <a:sym typeface="Catamaran"/>
+              </a:rPr>
+              <a:t>True positives:</a:t>
+            </a:r>
+            <a:r>
+              <a:rPr lang="es">
+                <a:latin typeface="Catamaran"/>
+                <a:ea typeface="Catamaran"/>
+                <a:cs typeface="Catamaran"/>
+                <a:sym typeface="Catamaran"/>
+              </a:rPr>
+              <a:t> correctly predicted positive data points</a:t>
+            </a:r>
+            <a:endParaRPr>
+              <a:latin typeface="Catamaran"/>
+              <a:ea typeface="Catamaran"/>
+              <a:cs typeface="Catamaran"/>
+              <a:sym typeface="Catamaran"/>
+            </a:endParaRPr>
+          </a:p>
+          <a:p>
+            <a:pPr indent="0" lvl="0" marL="0" marR="0" rtl="0" algn="l">
+              <a:lnSpc>
+                <a:spcPct val="100000"/>
+              </a:lnSpc>
+              <a:spcBef>
+                <a:spcPts val="0"/>
+              </a:spcBef>
+              <a:spcAft>
+                <a:spcPts val="0"/>
+              </a:spcAft>
+              <a:buNone/>
+            </a:pPr>
+            <a:r>
+              <a:t/>
+            </a:r>
+            <a:endParaRPr b="0" i="0" sz="1400" u="none" cap="none" strike="noStrike">
+              <a:solidFill>
+                <a:srgbClr val="000000"/>
+              </a:solidFill>
+              <a:latin typeface="Catamaran Light"/>
+              <a:ea typeface="Catamaran Light"/>
+              <a:cs typeface="Catamaran Light"/>
+              <a:sym typeface="Catamaran Light"/>
+            </a:endParaRPr>
+          </a:p>
+        </p:txBody>
+      </p:sp>
+      <p:pic>
+        <p:nvPicPr>
+          <p:cNvPr id="321" name="Google Shape;321;g190ffb19d87_0_79"/>
+          <p:cNvPicPr preferRelativeResize="0"/>
+          <p:nvPr/>
+        </p:nvPicPr>
+        <p:blipFill>
+          <a:blip r:embed="rId3">
+            <a:alphaModFix/>
+          </a:blip>
+          <a:stretch>
+            <a:fillRect/>
+          </a:stretch>
+        </p:blipFill>
+        <p:spPr>
+          <a:xfrm>
+            <a:off x="531650" y="2658650"/>
+            <a:ext cx="2782705" cy="2085875"/>
+          </a:xfrm>
+          <a:prstGeom prst="rect">
+            <a:avLst/>
+          </a:prstGeom>
+          <a:noFill/>
+          <a:ln>
+            <a:noFill/>
+          </a:ln>
+        </p:spPr>
+      </p:pic>
+      <p:sp>
+        <p:nvSpPr>
+          <p:cNvPr id="322" name="Google Shape;322;g190ffb19d87_0_79"/>
+          <p:cNvSpPr txBox="1"/>
+          <p:nvPr/>
+        </p:nvSpPr>
+        <p:spPr>
+          <a:xfrm>
+            <a:off x="314393" y="4683407"/>
+            <a:ext cx="3217200" cy="369300"/>
+          </a:xfrm>
+          <a:prstGeom prst="rect">
+            <a:avLst/>
+          </a:prstGeom>
+          <a:noFill/>
+          <a:ln>
+            <a:noFill/>
+          </a:ln>
+        </p:spPr>
+        <p:txBody>
+          <a:bodyPr anchorCtr="0" anchor="t" bIns="91425" lIns="91425" spcFirstLastPara="1" rIns="91425" wrap="square" tIns="91425">
+            <a:spAutoFit/>
+          </a:bodyPr>
+          <a:lstStyle/>
+          <a:p>
+            <a:pPr indent="0" lvl="0" marL="0" marR="0" rtl="0" algn="ctr">
+              <a:lnSpc>
+                <a:spcPct val="100000"/>
+              </a:lnSpc>
+              <a:spcBef>
+                <a:spcPts val="0"/>
+              </a:spcBef>
+              <a:spcAft>
+                <a:spcPts val="0"/>
+              </a:spcAft>
+              <a:buClr>
+                <a:srgbClr val="000000"/>
+              </a:buClr>
+              <a:buSzPts val="1200"/>
+              <a:buFont typeface="Arial"/>
+              <a:buNone/>
+            </a:pPr>
+            <a:r>
+              <a:rPr b="0" i="0" lang="es" sz="1200" u="none" cap="none" strike="noStrike">
+                <a:solidFill>
+                  <a:srgbClr val="000000"/>
+                </a:solidFill>
+                <a:latin typeface="Catamaran Light"/>
+                <a:ea typeface="Catamaran Light"/>
+                <a:cs typeface="Catamaran Light"/>
+                <a:sym typeface="Catamaran Light"/>
+              </a:rPr>
+              <a:t>Figure </a:t>
+            </a:r>
+            <a:r>
+              <a:rPr lang="es" sz="1200">
+                <a:latin typeface="Catamaran Light"/>
+                <a:ea typeface="Catamaran Light"/>
+                <a:cs typeface="Catamaran Light"/>
+                <a:sym typeface="Catamaran Light"/>
+              </a:rPr>
+              <a:t>13</a:t>
+            </a:r>
+            <a:r>
+              <a:rPr b="0" i="0" lang="es" sz="1200" u="none" cap="none" strike="noStrike">
+                <a:solidFill>
+                  <a:srgbClr val="000000"/>
+                </a:solidFill>
+                <a:latin typeface="Catamaran Light"/>
+                <a:ea typeface="Catamaran Light"/>
+                <a:cs typeface="Catamaran Light"/>
+                <a:sym typeface="Catamaran Light"/>
+              </a:rPr>
+              <a:t>: </a:t>
+            </a:r>
+            <a:r>
+              <a:rPr lang="es" sz="1200">
+                <a:latin typeface="Catamaran Light"/>
+                <a:ea typeface="Catamaran Light"/>
+                <a:cs typeface="Catamaran Light"/>
+                <a:sym typeface="Catamaran Light"/>
+              </a:rPr>
+              <a:t>Confusion matrix</a:t>
+            </a:r>
+            <a:endParaRPr b="0" i="0" sz="1200" u="none" cap="none" strike="noStrike">
+              <a:solidFill>
+                <a:srgbClr val="000000"/>
+              </a:solidFill>
+              <a:latin typeface="Catamaran Light"/>
+              <a:ea typeface="Catamaran Light"/>
+              <a:cs typeface="Catamaran Light"/>
+              <a:sym typeface="Catamaran Light"/>
+            </a:endParaRPr>
+          </a:p>
+        </p:txBody>
+      </p:sp>
+    </p:spTree>
+  </p:cSld>
+  <p:clrMapOvr>
+    <a:masterClrMapping/>
+  </p:clrMapOvr>
+</p:sld>
+</file>
+
+<file path=ppt/slides/slide21.xml><?xml version="1.0" encoding="utf-8"?>
+<p:sld xmlns:a="http://schemas.openxmlformats.org/drawingml/2006/main" xmlns:r="http://schemas.openxmlformats.org/officeDocument/2006/relationships" xmlns:mc="http://schemas.openxmlformats.org/markup-compatibility/2006" xmlns:mv="urn:schemas-microsoft-com:mac:vml" xmlns:p="http://schemas.openxmlformats.org/presentationml/2006/main" xmlns:c="http://schemas.openxmlformats.org/drawingml/2006/chart" xmlns:dgm="http://schemas.openxmlformats.org/drawingml/2006/diagram" xmlns:o="urn:schemas-microsoft-com:office:office" xmlns:v="urn:schemas-microsoft-com:vml" xmlns:pvml="urn:schemas-microsoft-com:office:powerpoint" xmlns:com="http://schemas.openxmlformats.org/drawingml/2006/compatibility" xmlns:p14="http://schemas.microsoft.com/office/powerpoint/2010/main" xmlns:p15="http://schemas.microsoft.com/office/powerpoint/2012/main" xmlns:ahyp="http://schemas.microsoft.com/office/drawing/2018/hyperlinkcolor">
+  <p:cSld>
+    <p:spTree>
+      <p:nvGrpSpPr>
+        <p:cNvPr id="326" name="Shape 326"/>
+        <p:cNvGrpSpPr/>
+        <p:nvPr/>
+      </p:nvGrpSpPr>
+      <p:grpSpPr>
+        <a:xfrm>
+          <a:off x="0" y="0"/>
+          <a:ext cx="0" cy="0"/>
+          <a:chOff x="0" y="0"/>
+          <a:chExt cx="0" cy="0"/>
+        </a:xfrm>
+      </p:grpSpPr>
+      <p:sp>
+        <p:nvSpPr>
+          <p:cNvPr id="327" name="Google Shape;327;g190ffb19d87_0_96"/>
+          <p:cNvSpPr/>
+          <p:nvPr/>
+        </p:nvSpPr>
+        <p:spPr>
+          <a:xfrm rot="10800000">
+            <a:off x="4726200" y="297300"/>
+            <a:ext cx="4417800" cy="806100"/>
+          </a:xfrm>
+          <a:prstGeom prst="rect">
+            <a:avLst/>
+          </a:prstGeom>
+          <a:solidFill>
+            <a:srgbClr val="3C78D8"/>
+          </a:solidFill>
+          <a:ln>
+            <a:noFill/>
+          </a:ln>
+        </p:spPr>
+        <p:txBody>
+          <a:bodyPr anchorCtr="0" anchor="ctr" bIns="91425" lIns="91425" spcFirstLastPara="1" rIns="91425" wrap="square" tIns="91425">
+            <a:noAutofit/>
+          </a:bodyPr>
+          <a:lstStyle/>
+          <a:p>
+            <a:pPr indent="0" lvl="0" marL="0" marR="0" rtl="0" algn="l">
+              <a:lnSpc>
+                <a:spcPct val="100000"/>
+              </a:lnSpc>
+              <a:spcBef>
+                <a:spcPts val="0"/>
+              </a:spcBef>
+              <a:spcAft>
+                <a:spcPts val="0"/>
+              </a:spcAft>
+              <a:buClr>
+                <a:srgbClr val="000000"/>
+              </a:buClr>
+              <a:buSzPts val="1400"/>
+              <a:buFont typeface="Arial"/>
+              <a:buNone/>
+            </a:pPr>
+            <a:r>
+              <a:t/>
+            </a:r>
+            <a:endParaRPr b="0" i="0" sz="1400" u="none" cap="none" strike="noStrike">
+              <a:solidFill>
+                <a:srgbClr val="000000"/>
+              </a:solidFill>
+              <a:latin typeface="Arial"/>
+              <a:ea typeface="Arial"/>
+              <a:cs typeface="Arial"/>
+              <a:sym typeface="Arial"/>
+            </a:endParaRPr>
+          </a:p>
+        </p:txBody>
+      </p:sp>
+      <p:sp>
+        <p:nvSpPr>
+          <p:cNvPr id="328" name="Google Shape;328;g190ffb19d87_0_96"/>
+          <p:cNvSpPr txBox="1"/>
+          <p:nvPr>
+            <p:ph type="ctrTitle"/>
+          </p:nvPr>
+        </p:nvSpPr>
+        <p:spPr>
+          <a:xfrm>
+            <a:off x="4756800" y="442650"/>
+            <a:ext cx="4356600" cy="515400"/>
+          </a:xfrm>
+          <a:prstGeom prst="rect">
+            <a:avLst/>
+          </a:prstGeom>
+          <a:noFill/>
+          <a:ln>
+            <a:noFill/>
+          </a:ln>
+        </p:spPr>
+        <p:txBody>
+          <a:bodyPr anchorCtr="0" anchor="b" bIns="91425" lIns="91425" spcFirstLastPara="1" rIns="91425" wrap="square" tIns="91425">
+            <a:noAutofit/>
+          </a:bodyPr>
+          <a:lstStyle/>
+          <a:p>
+            <a:pPr indent="0" lvl="0" marL="0" rtl="0" algn="ctr">
+              <a:lnSpc>
+                <a:spcPct val="100000"/>
+              </a:lnSpc>
+              <a:spcBef>
+                <a:spcPts val="0"/>
+              </a:spcBef>
+              <a:spcAft>
+                <a:spcPts val="0"/>
+              </a:spcAft>
+              <a:buSzPts val="2800"/>
+              <a:buNone/>
+            </a:pPr>
+            <a:r>
+              <a:rPr lang="es" sz="2200">
+                <a:solidFill>
+                  <a:schemeClr val="lt1"/>
+                </a:solidFill>
+              </a:rPr>
+              <a:t>True vs predicted distributions</a:t>
+            </a:r>
+            <a:endParaRPr sz="2200">
+              <a:solidFill>
+                <a:schemeClr val="lt1"/>
+              </a:solidFill>
+            </a:endParaRPr>
+          </a:p>
+        </p:txBody>
+      </p:sp>
+      <p:sp>
+        <p:nvSpPr>
+          <p:cNvPr id="329" name="Google Shape;329;g190ffb19d87_0_96"/>
+          <p:cNvSpPr txBox="1"/>
+          <p:nvPr/>
+        </p:nvSpPr>
+        <p:spPr>
+          <a:xfrm>
+            <a:off x="1244250" y="1443976"/>
+            <a:ext cx="6655500" cy="1262100"/>
+          </a:xfrm>
+          <a:prstGeom prst="rect">
+            <a:avLst/>
+          </a:prstGeom>
+          <a:noFill/>
+          <a:ln>
+            <a:noFill/>
+          </a:ln>
+        </p:spPr>
+        <p:txBody>
+          <a:bodyPr anchorCtr="0" anchor="t" bIns="91425" lIns="91425" spcFirstLastPara="1" rIns="91425" wrap="square" tIns="91425">
+            <a:spAutoFit/>
+          </a:bodyPr>
+          <a:lstStyle/>
+          <a:p>
+            <a:pPr indent="0" lvl="0" marL="0" marR="0" rtl="0" algn="l">
+              <a:lnSpc>
+                <a:spcPct val="100000"/>
+              </a:lnSpc>
+              <a:spcBef>
+                <a:spcPts val="0"/>
+              </a:spcBef>
+              <a:spcAft>
+                <a:spcPts val="0"/>
+              </a:spcAft>
+              <a:buClr>
+                <a:srgbClr val="000000"/>
+              </a:buClr>
+              <a:buSzPts val="1400"/>
+              <a:buFont typeface="Arial"/>
+              <a:buNone/>
+            </a:pPr>
+            <a:r>
+              <a:t/>
+            </a:r>
+            <a:endParaRPr b="0" i="0" sz="1400" u="none" cap="none" strike="noStrike">
+              <a:solidFill>
+                <a:srgbClr val="000000"/>
+              </a:solidFill>
+              <a:latin typeface="Catamaran Light"/>
+              <a:ea typeface="Catamaran Light"/>
+              <a:cs typeface="Catamaran Light"/>
+              <a:sym typeface="Catamaran Light"/>
+            </a:endParaRPr>
+          </a:p>
+          <a:p>
+            <a:pPr indent="-317500" lvl="0" marL="457200" marR="0" rtl="0" algn="l">
+              <a:lnSpc>
+                <a:spcPct val="100000"/>
+              </a:lnSpc>
+              <a:spcBef>
+                <a:spcPts val="0"/>
+              </a:spcBef>
+              <a:spcAft>
+                <a:spcPts val="0"/>
+              </a:spcAft>
+              <a:buSzPts val="1400"/>
+              <a:buFont typeface="Catamaran Light"/>
+              <a:buChar char="●"/>
+            </a:pPr>
+            <a:r>
+              <a:rPr lang="es">
+                <a:latin typeface="Catamaran"/>
+                <a:ea typeface="Catamaran"/>
+                <a:cs typeface="Catamaran"/>
+                <a:sym typeface="Catamaran"/>
+              </a:rPr>
+              <a:t>Similar to the distribution plots we saw in the data visualization section.</a:t>
+            </a:r>
+            <a:endParaRPr>
+              <a:latin typeface="Catamaran"/>
+              <a:ea typeface="Catamaran"/>
+              <a:cs typeface="Catamaran"/>
+              <a:sym typeface="Catamaran"/>
+            </a:endParaRPr>
+          </a:p>
+          <a:p>
+            <a:pPr indent="0" lvl="0" marL="457200" marR="0" rtl="0" algn="l">
+              <a:lnSpc>
+                <a:spcPct val="100000"/>
+              </a:lnSpc>
+              <a:spcBef>
+                <a:spcPts val="0"/>
+              </a:spcBef>
+              <a:spcAft>
+                <a:spcPts val="0"/>
+              </a:spcAft>
+              <a:buNone/>
+            </a:pPr>
+            <a:r>
+              <a:t/>
+            </a:r>
+            <a:endParaRPr>
+              <a:latin typeface="Catamaran"/>
+              <a:ea typeface="Catamaran"/>
+              <a:cs typeface="Catamaran"/>
+              <a:sym typeface="Catamaran"/>
+            </a:endParaRPr>
+          </a:p>
+          <a:p>
+            <a:pPr indent="-317500" lvl="0" marL="457200" marR="0" rtl="0" algn="l">
+              <a:lnSpc>
+                <a:spcPct val="100000"/>
+              </a:lnSpc>
+              <a:spcBef>
+                <a:spcPts val="0"/>
+              </a:spcBef>
+              <a:spcAft>
+                <a:spcPts val="0"/>
+              </a:spcAft>
+              <a:buSzPts val="1400"/>
+              <a:buFont typeface="Catamaran"/>
+              <a:buChar char="●"/>
+            </a:pPr>
+            <a:r>
+              <a:rPr lang="es">
+                <a:latin typeface="Catamaran"/>
+                <a:ea typeface="Catamaran"/>
+                <a:cs typeface="Catamaran"/>
+                <a:sym typeface="Catamaran"/>
+              </a:rPr>
+              <a:t>Shows differences in the distributions predicted by our model vs the true distributions (for each class)</a:t>
+            </a:r>
+            <a:endParaRPr>
+              <a:latin typeface="Catamaran"/>
+              <a:ea typeface="Catamaran"/>
+              <a:cs typeface="Catamaran"/>
+              <a:sym typeface="Catamaran"/>
+            </a:endParaRPr>
+          </a:p>
+        </p:txBody>
+      </p:sp>
+      <p:sp>
+        <p:nvSpPr>
+          <p:cNvPr id="330" name="Google Shape;330;g190ffb19d87_0_96"/>
+          <p:cNvSpPr txBox="1"/>
+          <p:nvPr/>
+        </p:nvSpPr>
+        <p:spPr>
+          <a:xfrm>
+            <a:off x="813900" y="392550"/>
+            <a:ext cx="3100200" cy="615600"/>
+          </a:xfrm>
+          <a:prstGeom prst="rect">
+            <a:avLst/>
+          </a:prstGeom>
+          <a:noFill/>
+          <a:ln cap="flat" cmpd="sng" w="28575">
+            <a:solidFill>
+              <a:srgbClr val="000000"/>
+            </a:solidFill>
+            <a:prstDash val="solid"/>
+            <a:round/>
+            <a:headEnd len="sm" w="sm" type="none"/>
+            <a:tailEnd len="sm" w="sm" type="none"/>
+          </a:ln>
+        </p:spPr>
+        <p:txBody>
+          <a:bodyPr anchorCtr="0" anchor="t" bIns="91425" lIns="91425" spcFirstLastPara="1" rIns="91425" wrap="square" tIns="91425">
+            <a:spAutoFit/>
+          </a:bodyPr>
+          <a:lstStyle/>
+          <a:p>
+            <a:pPr indent="0" lvl="0" marL="0" rtl="0" algn="ctr">
+              <a:spcBef>
+                <a:spcPts val="0"/>
+              </a:spcBef>
+              <a:spcAft>
+                <a:spcPts val="0"/>
+              </a:spcAft>
+              <a:buNone/>
+            </a:pPr>
+            <a:r>
+              <a:rPr lang="es">
+                <a:latin typeface="Catamaran Light"/>
+                <a:ea typeface="Catamaran Light"/>
+                <a:cs typeface="Catamaran Light"/>
+                <a:sym typeface="Catamaran Light"/>
+              </a:rPr>
+              <a:t>Time to get coding! Let’s go through Part 3 of the hands-on notebook!</a:t>
+            </a:r>
+            <a:endParaRPr>
+              <a:latin typeface="Catamaran Light"/>
+              <a:ea typeface="Catamaran Light"/>
+              <a:cs typeface="Catamaran Light"/>
+              <a:sym typeface="Catamaran Light"/>
+            </a:endParaRPr>
+          </a:p>
+        </p:txBody>
+      </p:sp>
+      <p:pic>
+        <p:nvPicPr>
+          <p:cNvPr id="331" name="Google Shape;331;g190ffb19d87_0_96"/>
+          <p:cNvPicPr preferRelativeResize="0"/>
+          <p:nvPr/>
+        </p:nvPicPr>
+        <p:blipFill>
+          <a:blip r:embed="rId3">
+            <a:alphaModFix/>
+          </a:blip>
+          <a:stretch>
+            <a:fillRect/>
+          </a:stretch>
+        </p:blipFill>
+        <p:spPr>
+          <a:xfrm>
+            <a:off x="2048150" y="2706076"/>
+            <a:ext cx="5047689" cy="2132625"/>
+          </a:xfrm>
+          <a:prstGeom prst="rect">
+            <a:avLst/>
+          </a:prstGeom>
+          <a:noFill/>
+          <a:ln>
+            <a:noFill/>
+          </a:ln>
+        </p:spPr>
+      </p:pic>
+      <p:sp>
+        <p:nvSpPr>
+          <p:cNvPr id="332" name="Google Shape;332;g190ffb19d87_0_96"/>
+          <p:cNvSpPr txBox="1"/>
+          <p:nvPr/>
+        </p:nvSpPr>
+        <p:spPr>
+          <a:xfrm>
+            <a:off x="2963393" y="4762507"/>
+            <a:ext cx="3217200" cy="369300"/>
+          </a:xfrm>
+          <a:prstGeom prst="rect">
+            <a:avLst/>
+          </a:prstGeom>
+          <a:noFill/>
+          <a:ln>
+            <a:noFill/>
+          </a:ln>
+        </p:spPr>
+        <p:txBody>
+          <a:bodyPr anchorCtr="0" anchor="t" bIns="91425" lIns="91425" spcFirstLastPara="1" rIns="91425" wrap="square" tIns="91425">
+            <a:spAutoFit/>
+          </a:bodyPr>
+          <a:lstStyle/>
+          <a:p>
+            <a:pPr indent="0" lvl="0" marL="0" marR="0" rtl="0" algn="ctr">
+              <a:lnSpc>
+                <a:spcPct val="100000"/>
+              </a:lnSpc>
+              <a:spcBef>
+                <a:spcPts val="0"/>
+              </a:spcBef>
+              <a:spcAft>
+                <a:spcPts val="0"/>
+              </a:spcAft>
+              <a:buClr>
+                <a:srgbClr val="000000"/>
+              </a:buClr>
+              <a:buSzPts val="1200"/>
+              <a:buFont typeface="Arial"/>
+              <a:buNone/>
+            </a:pPr>
+            <a:r>
+              <a:rPr b="0" i="0" lang="es" sz="1200" u="none" cap="none" strike="noStrike">
+                <a:solidFill>
+                  <a:srgbClr val="000000"/>
+                </a:solidFill>
+                <a:latin typeface="Catamaran Light"/>
+                <a:ea typeface="Catamaran Light"/>
+                <a:cs typeface="Catamaran Light"/>
+                <a:sym typeface="Catamaran Light"/>
+              </a:rPr>
+              <a:t>Figure </a:t>
+            </a:r>
+            <a:r>
+              <a:rPr lang="es" sz="1200">
+                <a:latin typeface="Catamaran Light"/>
+                <a:ea typeface="Catamaran Light"/>
+                <a:cs typeface="Catamaran Light"/>
+                <a:sym typeface="Catamaran Light"/>
+              </a:rPr>
+              <a:t>14</a:t>
+            </a:r>
+            <a:r>
+              <a:rPr b="0" i="0" lang="es" sz="1200" u="none" cap="none" strike="noStrike">
+                <a:solidFill>
+                  <a:srgbClr val="000000"/>
+                </a:solidFill>
+                <a:latin typeface="Catamaran Light"/>
+                <a:ea typeface="Catamaran Light"/>
+                <a:cs typeface="Catamaran Light"/>
+                <a:sym typeface="Catamaran Light"/>
+              </a:rPr>
+              <a:t>: </a:t>
+            </a:r>
+            <a:r>
+              <a:rPr lang="es" sz="1200">
+                <a:latin typeface="Catamaran Light"/>
+                <a:ea typeface="Catamaran Light"/>
+                <a:cs typeface="Catamaran Light"/>
+                <a:sym typeface="Catamaran Light"/>
+              </a:rPr>
+              <a:t>True vs predicted histograms</a:t>
+            </a:r>
+            <a:endParaRPr b="0" i="0" sz="1200" u="none" cap="none" strike="noStrike">
+              <a:solidFill>
+                <a:srgbClr val="000000"/>
+              </a:solidFill>
+              <a:latin typeface="Catamaran Light"/>
+              <a:ea typeface="Catamaran Light"/>
+              <a:cs typeface="Catamaran Light"/>
+              <a:sym typeface="Catamaran Light"/>
+            </a:endParaRPr>
+          </a:p>
+        </p:txBody>
+      </p:sp>
+    </p:spTree>
+  </p:cSld>
+  <p:clrMapOvr>
+    <a:masterClrMapping/>
+  </p:clrMapOvr>
+</p:sld>
+</file>
+
+<file path=ppt/slides/slide22.xml><?xml version="1.0" encoding="utf-8"?>
+<p:sld xmlns:a="http://schemas.openxmlformats.org/drawingml/2006/main" xmlns:r="http://schemas.openxmlformats.org/officeDocument/2006/relationships" xmlns:mc="http://schemas.openxmlformats.org/markup-compatibility/2006" xmlns:mv="urn:schemas-microsoft-com:mac:vml" xmlns:p="http://schemas.openxmlformats.org/presentationml/2006/main" xmlns:c="http://schemas.openxmlformats.org/drawingml/2006/chart" xmlns:dgm="http://schemas.openxmlformats.org/drawingml/2006/diagram" xmlns:o="urn:schemas-microsoft-com:office:office" xmlns:v="urn:schemas-microsoft-com:vml" xmlns:pvml="urn:schemas-microsoft-com:office:powerpoint" xmlns:com="http://schemas.openxmlformats.org/drawingml/2006/compatibility" xmlns:p14="http://schemas.microsoft.com/office/powerpoint/2010/main" xmlns:p15="http://schemas.microsoft.com/office/powerpoint/2012/main" xmlns:ahyp="http://schemas.microsoft.com/office/drawing/2018/hyperlinkcolor">
+  <p:cSld>
+    <p:spTree>
+      <p:nvGrpSpPr>
+        <p:cNvPr id="336" name="Shape 336"/>
+        <p:cNvGrpSpPr/>
+        <p:nvPr/>
+      </p:nvGrpSpPr>
+      <p:grpSpPr>
+        <a:xfrm>
+          <a:off x="0" y="0"/>
+          <a:ext cx="0" cy="0"/>
+          <a:chOff x="0" y="0"/>
+          <a:chExt cx="0" cy="0"/>
+        </a:xfrm>
+      </p:grpSpPr>
+      <p:sp>
+        <p:nvSpPr>
+          <p:cNvPr id="337" name="Google Shape;337;g190ffb19d87_0_105"/>
+          <p:cNvSpPr/>
+          <p:nvPr/>
+        </p:nvSpPr>
+        <p:spPr>
+          <a:xfrm rot="5400000">
+            <a:off x="3220950" y="-924900"/>
+            <a:ext cx="2702100" cy="6993300"/>
+          </a:xfrm>
+          <a:prstGeom prst="rect">
+            <a:avLst/>
+          </a:prstGeom>
+          <a:solidFill>
+            <a:srgbClr val="3C78D8"/>
+          </a:solidFill>
+          <a:ln>
+            <a:noFill/>
+          </a:ln>
+        </p:spPr>
+        <p:txBody>
+          <a:bodyPr anchorCtr="0" anchor="ctr" bIns="91425" lIns="91425" spcFirstLastPara="1" rIns="91425" wrap="square" tIns="91425">
+            <a:noAutofit/>
+          </a:bodyPr>
+          <a:lstStyle/>
+          <a:p>
+            <a:pPr indent="0" lvl="0" marL="0" marR="0" rtl="0" algn="l">
+              <a:lnSpc>
+                <a:spcPct val="100000"/>
+              </a:lnSpc>
+              <a:spcBef>
+                <a:spcPts val="0"/>
+              </a:spcBef>
+              <a:spcAft>
+                <a:spcPts val="0"/>
+              </a:spcAft>
+              <a:buClr>
+                <a:srgbClr val="000000"/>
+              </a:buClr>
+              <a:buSzPts val="1400"/>
+              <a:buFont typeface="Arial"/>
+              <a:buNone/>
+            </a:pPr>
+            <a:r>
+              <a:t/>
+            </a:r>
+            <a:endParaRPr b="0" i="0" sz="1400" u="none" cap="none" strike="noStrike">
+              <a:solidFill>
+                <a:srgbClr val="000000"/>
+              </a:solidFill>
+              <a:latin typeface="Arial"/>
+              <a:ea typeface="Arial"/>
+              <a:cs typeface="Arial"/>
+              <a:sym typeface="Arial"/>
+            </a:endParaRPr>
+          </a:p>
+        </p:txBody>
+      </p:sp>
+      <p:sp>
+        <p:nvSpPr>
+          <p:cNvPr id="338" name="Google Shape;338;g190ffb19d87_0_105"/>
+          <p:cNvSpPr txBox="1"/>
+          <p:nvPr>
+            <p:ph type="ctrTitle"/>
+          </p:nvPr>
+        </p:nvSpPr>
+        <p:spPr>
+          <a:xfrm>
+            <a:off x="1338748" y="1653759"/>
+            <a:ext cx="6466500" cy="1836000"/>
+          </a:xfrm>
+          <a:prstGeom prst="rect">
+            <a:avLst/>
+          </a:prstGeom>
+          <a:noFill/>
+          <a:ln>
+            <a:noFill/>
+          </a:ln>
+        </p:spPr>
+        <p:txBody>
+          <a:bodyPr anchorCtr="0" anchor="ctr" bIns="91425" lIns="91425" spcFirstLastPara="1" rIns="91425" wrap="square" tIns="91425">
+            <a:noAutofit/>
+          </a:bodyPr>
+          <a:lstStyle/>
+          <a:p>
+            <a:pPr indent="0" lvl="0" marL="0" rtl="0" algn="ctr">
+              <a:lnSpc>
+                <a:spcPct val="100000"/>
+              </a:lnSpc>
+              <a:spcBef>
+                <a:spcPts val="0"/>
+              </a:spcBef>
+              <a:spcAft>
+                <a:spcPts val="0"/>
+              </a:spcAft>
+              <a:buSzPts val="4800"/>
+              <a:buNone/>
+            </a:pPr>
+            <a:r>
+              <a:rPr lang="es" sz="3400">
+                <a:solidFill>
+                  <a:schemeClr val="lt1"/>
+                </a:solidFill>
+              </a:rPr>
+              <a:t>Thank you! </a:t>
+            </a:r>
+            <a:endParaRPr sz="3400">
+              <a:solidFill>
+                <a:schemeClr val="lt1"/>
+              </a:solidFill>
+            </a:endParaRPr>
+          </a:p>
+          <a:p>
+            <a:pPr indent="0" lvl="0" marL="0" rtl="0" algn="ctr">
+              <a:lnSpc>
+                <a:spcPct val="100000"/>
+              </a:lnSpc>
+              <a:spcBef>
+                <a:spcPts val="0"/>
+              </a:spcBef>
+              <a:spcAft>
+                <a:spcPts val="0"/>
+              </a:spcAft>
+              <a:buSzPts val="4800"/>
+              <a:buNone/>
+            </a:pPr>
+            <a:r>
+              <a:rPr lang="es" sz="3400">
+                <a:solidFill>
+                  <a:schemeClr val="lt1"/>
+                </a:solidFill>
+              </a:rPr>
+              <a:t>And good luck on your Machine Learning journey</a:t>
+            </a:r>
+            <a:endParaRPr sz="3400">
+              <a:solidFill>
+                <a:schemeClr val="lt1"/>
+              </a:solidFill>
+            </a:endParaRPr>
+          </a:p>
+        </p:txBody>
+      </p:sp>
+    </p:spTree>
+  </p:cSld>
+  <p:clrMapOvr>
+    <a:masterClrMapping/>
+  </p:clrMapOvr>
+</p:sld>
+</file>
+
 <file path=ppt/slides/slide3.xml><?xml version="1.0" encoding="utf-8"?>
 <p:sld xmlns:a="http://schemas.openxmlformats.org/drawingml/2006/main" xmlns:r="http://schemas.openxmlformats.org/officeDocument/2006/relationships" xmlns:mc="http://schemas.openxmlformats.org/markup-compatibility/2006" xmlns:mv="urn:schemas-microsoft-com:mac:vml" xmlns:p="http://schemas.openxmlformats.org/presentationml/2006/main" xmlns:c="http://schemas.openxmlformats.org/drawingml/2006/chart" xmlns:dgm="http://schemas.openxmlformats.org/drawingml/2006/diagram" xmlns:o="urn:schemas-microsoft-com:office:office" xmlns:v="urn:schemas-microsoft-com:vml" xmlns:pvml="urn:schemas-microsoft-com:office:powerpoint" xmlns:com="http://schemas.openxmlformats.org/drawingml/2006/compatibility" xmlns:p14="http://schemas.microsoft.com/office/powerpoint/2010/main" xmlns:p15="http://schemas.microsoft.com/office/powerpoint/2012/main" xmlns:ahyp="http://schemas.microsoft.com/office/drawing/2018/hyperlinkcolor">
   <p:cSld>
@@ -23610,8 +28223,8 @@
         </p:nvSpPr>
         <p:spPr>
           <a:xfrm>
-            <a:off x="3428000" y="3760325"/>
-            <a:ext cx="2427300" cy="577800"/>
+            <a:off x="3428000" y="2656663"/>
+            <a:ext cx="3891300" cy="577800"/>
           </a:xfrm>
           <a:prstGeom prst="rect">
             <a:avLst/>
@@ -23642,7 +28255,7 @@
             </a:pPr>
             <a:r>
               <a:rPr lang="es"/>
-              <a:t>Supervised Classification</a:t>
+              <a:t>Supervised classification models: an overview</a:t>
             </a:r>
             <a:endParaRPr/>
           </a:p>
@@ -23658,8 +28271,8 @@
         </p:nvSpPr>
         <p:spPr>
           <a:xfrm>
-            <a:off x="2023007" y="3812263"/>
-            <a:ext cx="1573500" cy="577800"/>
+            <a:off x="2519515" y="3020450"/>
+            <a:ext cx="565200" cy="577800"/>
           </a:xfrm>
           <a:prstGeom prst="rect">
             <a:avLst/>
@@ -23694,7 +28307,7 @@
                   <a:schemeClr val="lt1"/>
                 </a:solidFill>
               </a:rPr>
-              <a:t>03</a:t>
+              <a:t>3</a:t>
             </a:r>
             <a:endParaRPr>
               <a:solidFill>
@@ -23714,7 +28327,7 @@
         </p:nvSpPr>
         <p:spPr>
           <a:xfrm>
-            <a:off x="3425976" y="569150"/>
+            <a:off x="3396439" y="393050"/>
             <a:ext cx="2491800" cy="577800"/>
           </a:xfrm>
           <a:prstGeom prst="rect">
@@ -23785,8 +28398,8 @@
         </p:nvSpPr>
         <p:spPr>
           <a:xfrm>
-            <a:off x="3424588" y="984196"/>
-            <a:ext cx="1906500" cy="572400"/>
+            <a:off x="3395063" y="808102"/>
+            <a:ext cx="1906500" cy="924600"/>
           </a:xfrm>
           <a:prstGeom prst="rect">
             <a:avLst/>
@@ -23861,6 +28474,46 @@
             </a:r>
             <a:endParaRPr/>
           </a:p>
+          <a:p>
+            <a:pPr indent="0" lvl="0" marL="0" rtl="0" algn="l">
+              <a:lnSpc>
+                <a:spcPct val="100000"/>
+              </a:lnSpc>
+              <a:spcBef>
+                <a:spcPts val="0"/>
+              </a:spcBef>
+              <a:spcAft>
+                <a:spcPts val="0"/>
+              </a:spcAft>
+              <a:buSzPts val="1000"/>
+              <a:buNone/>
+            </a:pPr>
+            <a:r>
+              <a:rPr lang="es"/>
+              <a:t>ML systems</a:t>
+            </a:r>
+            <a:endParaRPr/>
+          </a:p>
+          <a:p>
+            <a:pPr indent="0" lvl="0" marL="0" rtl="0" algn="l">
+              <a:lnSpc>
+                <a:spcPct val="100000"/>
+              </a:lnSpc>
+              <a:spcBef>
+                <a:spcPts val="0"/>
+              </a:spcBef>
+              <a:spcAft>
+                <a:spcPts val="0"/>
+              </a:spcAft>
+              <a:buSzPts val="1000"/>
+              <a:buNone/>
+            </a:pPr>
+            <a:r>
+              <a:rPr lang="es"/>
+              <a:t>Typical ML workflow</a:t>
+            </a:r>
+            <a:endParaRPr/>
+          </a:p>
         </p:txBody>
       </p:sp>
       <p:sp>
@@ -23873,8 +28526,8 @@
         </p:nvSpPr>
         <p:spPr>
           <a:xfrm>
-            <a:off x="2023007" y="773963"/>
-            <a:ext cx="1739100" cy="577800"/>
+            <a:off x="2512026" y="808100"/>
+            <a:ext cx="624600" cy="577800"/>
           </a:xfrm>
           <a:prstGeom prst="rect">
             <a:avLst/>
@@ -23909,7 +28562,7 @@
                   <a:schemeClr val="lt1"/>
                 </a:solidFill>
               </a:rPr>
-              <a:t>01</a:t>
+              <a:t>1</a:t>
             </a:r>
             <a:endParaRPr>
               <a:solidFill>
@@ -23929,8 +28582,8 @@
         </p:nvSpPr>
         <p:spPr>
           <a:xfrm>
-            <a:off x="3425264" y="2028623"/>
-            <a:ext cx="2251800" cy="577800"/>
+            <a:off x="3425276" y="1647625"/>
+            <a:ext cx="2427300" cy="577800"/>
           </a:xfrm>
           <a:prstGeom prst="rect">
             <a:avLst/>
@@ -23961,7 +28614,7 @@
             </a:pPr>
             <a:r>
               <a:rPr lang="es"/>
-              <a:t>ML Landscape</a:t>
+              <a:t>Supervised classification data</a:t>
             </a:r>
             <a:endParaRPr/>
           </a:p>
@@ -23977,7 +28630,7 @@
         </p:nvSpPr>
         <p:spPr>
           <a:xfrm>
-            <a:off x="3425259" y="2443196"/>
+            <a:off x="3425259" y="2062196"/>
             <a:ext cx="1976700" cy="572400"/>
           </a:xfrm>
           <a:prstGeom prst="rect">
@@ -24009,7 +28662,7 @@
             </a:pPr>
             <a:r>
               <a:rPr lang="es"/>
-              <a:t>ML systems</a:t>
+              <a:t>Dataset</a:t>
             </a:r>
             <a:endParaRPr/>
           </a:p>
@@ -24029,7 +28682,27 @@
             </a:pPr>
             <a:r>
               <a:rPr lang="es"/>
-              <a:t>Typical ML workflow</a:t>
+              <a:t>Data visualization</a:t>
+            </a:r>
+            <a:endParaRPr/>
+          </a:p>
+          <a:p>
+            <a:pPr indent="0" lvl="0" marL="0" rtl="0" algn="l">
+              <a:lnSpc>
+                <a:spcPct val="100000"/>
+              </a:lnSpc>
+              <a:spcBef>
+                <a:spcPts val="0"/>
+              </a:spcBef>
+              <a:spcAft>
+                <a:spcPts val="0"/>
+              </a:spcAft>
+              <a:buSzPts val="1000"/>
+              <a:buNone/>
+            </a:pPr>
+            <a:r>
+              <a:rPr lang="es"/>
+              <a:t>Data splits</a:t>
             </a:r>
             <a:endParaRPr/>
           </a:p>
@@ -24045,8 +28718,8 @@
         </p:nvSpPr>
         <p:spPr>
           <a:xfrm>
-            <a:off x="2023007" y="2293125"/>
-            <a:ext cx="1615200" cy="577800"/>
+            <a:off x="2512026" y="1946262"/>
+            <a:ext cx="580200" cy="577800"/>
           </a:xfrm>
           <a:prstGeom prst="rect">
             <a:avLst/>
@@ -24081,13 +28754,293 @@
                   <a:schemeClr val="lt1"/>
                 </a:solidFill>
               </a:rPr>
-              <a:t>02</a:t>
+              <a:t>2</a:t>
             </a:r>
             <a:endParaRPr>
               <a:solidFill>
                 <a:schemeClr val="lt1"/>
               </a:solidFill>
             </a:endParaRPr>
+          </a:p>
+        </p:txBody>
+      </p:sp>
+      <p:sp>
+        <p:nvSpPr>
+          <p:cNvPr id="162" name="Google Shape;162;p3"/>
+          <p:cNvSpPr txBox="1"/>
+          <p:nvPr>
+            <p:ph idx="4" type="subTitle"/>
+          </p:nvPr>
+        </p:nvSpPr>
+        <p:spPr>
+          <a:xfrm>
+            <a:off x="3425259" y="3115784"/>
+            <a:ext cx="1976700" cy="572400"/>
+          </a:xfrm>
+          <a:prstGeom prst="rect">
+            <a:avLst/>
+          </a:prstGeom>
+          <a:noFill/>
+          <a:ln>
+            <a:noFill/>
+          </a:ln>
+        </p:spPr>
+        <p:txBody>
+          <a:bodyPr anchorCtr="0" anchor="t" bIns="91425" lIns="91425" spcFirstLastPara="1" rIns="91425" wrap="square" tIns="91425">
+            <a:noAutofit/>
+          </a:bodyPr>
+          <a:lstStyle/>
+          <a:p>
+            <a:pPr indent="0" lvl="0" marL="0" rtl="0" algn="l">
+              <a:lnSpc>
+                <a:spcPct val="100000"/>
+              </a:lnSpc>
+              <a:spcBef>
+                <a:spcPts val="0"/>
+              </a:spcBef>
+              <a:spcAft>
+                <a:spcPts val="0"/>
+              </a:spcAft>
+              <a:buSzPts val="1000"/>
+              <a:buNone/>
+            </a:pPr>
+            <a:r>
+              <a:rPr lang="es"/>
+              <a:t>Models</a:t>
+            </a:r>
+            <a:endParaRPr/>
+          </a:p>
+          <a:p>
+            <a:pPr indent="0" lvl="0" marL="0" rtl="0" algn="l">
+              <a:lnSpc>
+                <a:spcPct val="100000"/>
+              </a:lnSpc>
+              <a:spcBef>
+                <a:spcPts val="0"/>
+              </a:spcBef>
+              <a:spcAft>
+                <a:spcPts val="0"/>
+              </a:spcAft>
+              <a:buSzPts val="1000"/>
+              <a:buNone/>
+            </a:pPr>
+            <a:r>
+              <a:rPr lang="es"/>
+              <a:t>Data visualization</a:t>
+            </a:r>
+            <a:endParaRPr/>
+          </a:p>
+          <a:p>
+            <a:pPr indent="0" lvl="0" marL="0" rtl="0" algn="l">
+              <a:lnSpc>
+                <a:spcPct val="100000"/>
+              </a:lnSpc>
+              <a:spcBef>
+                <a:spcPts val="0"/>
+              </a:spcBef>
+              <a:spcAft>
+                <a:spcPts val="0"/>
+              </a:spcAft>
+              <a:buSzPts val="1000"/>
+              <a:buNone/>
+            </a:pPr>
+            <a:r>
+              <a:rPr lang="es"/>
+              <a:t>Data splits</a:t>
+            </a:r>
+            <a:endParaRPr/>
+          </a:p>
+        </p:txBody>
+      </p:sp>
+      <p:sp>
+        <p:nvSpPr>
+          <p:cNvPr id="163" name="Google Shape;163;p3"/>
+          <p:cNvSpPr txBox="1"/>
+          <p:nvPr>
+            <p:ph idx="6" type="ctrTitle"/>
+          </p:nvPr>
+        </p:nvSpPr>
+        <p:spPr>
+          <a:xfrm>
+            <a:off x="3469050" y="3735063"/>
+            <a:ext cx="3891300" cy="577800"/>
+          </a:xfrm>
+          <a:prstGeom prst="rect">
+            <a:avLst/>
+          </a:prstGeom>
+          <a:noFill/>
+          <a:ln>
+            <a:noFill/>
+          </a:ln>
+        </p:spPr>
+        <p:txBody>
+          <a:bodyPr anchorCtr="0" anchor="b" bIns="91425" lIns="91425" spcFirstLastPara="1" rIns="91425" wrap="square" tIns="91425">
+            <a:noAutofit/>
+          </a:bodyPr>
+          <a:lstStyle/>
+          <a:p>
+            <a:pPr indent="0" lvl="0" marL="0" rtl="0" algn="l">
+              <a:lnSpc>
+                <a:spcPct val="100000"/>
+              </a:lnSpc>
+              <a:spcBef>
+                <a:spcPts val="0"/>
+              </a:spcBef>
+              <a:spcAft>
+                <a:spcPts val="0"/>
+              </a:spcAft>
+              <a:buSzPts val="1200"/>
+              <a:buNone/>
+            </a:pPr>
+            <a:r>
+              <a:rPr lang="es"/>
+              <a:t>Supervised classification model evaluation</a:t>
+            </a:r>
+            <a:endParaRPr/>
+          </a:p>
+        </p:txBody>
+      </p:sp>
+      <p:sp>
+        <p:nvSpPr>
+          <p:cNvPr id="164" name="Google Shape;164;p3"/>
+          <p:cNvSpPr txBox="1"/>
+          <p:nvPr>
+            <p:ph idx="8" type="title"/>
+          </p:nvPr>
+        </p:nvSpPr>
+        <p:spPr>
+          <a:xfrm>
+            <a:off x="2512026" y="3996050"/>
+            <a:ext cx="565200" cy="577800"/>
+          </a:xfrm>
+          <a:prstGeom prst="rect">
+            <a:avLst/>
+          </a:prstGeom>
+          <a:noFill/>
+          <a:ln>
+            <a:noFill/>
+          </a:ln>
+        </p:spPr>
+        <p:txBody>
+          <a:bodyPr anchorCtr="0" anchor="ctr" bIns="91425" lIns="91425" spcFirstLastPara="1" rIns="91425" wrap="square" tIns="91425">
+            <a:noAutofit/>
+          </a:bodyPr>
+          <a:lstStyle/>
+          <a:p>
+            <a:pPr indent="0" lvl="0" marL="0" rtl="0" algn="l">
+              <a:lnSpc>
+                <a:spcPct val="100000"/>
+              </a:lnSpc>
+              <a:spcBef>
+                <a:spcPts val="0"/>
+              </a:spcBef>
+              <a:spcAft>
+                <a:spcPts val="0"/>
+              </a:spcAft>
+              <a:buSzPts val="4800"/>
+              <a:buNone/>
+            </a:pPr>
+            <a:r>
+              <a:rPr lang="es">
+                <a:solidFill>
+                  <a:schemeClr val="lt1"/>
+                </a:solidFill>
+              </a:rPr>
+              <a:t>4</a:t>
+            </a:r>
+            <a:endParaRPr>
+              <a:solidFill>
+                <a:schemeClr val="lt1"/>
+              </a:solidFill>
+            </a:endParaRPr>
+          </a:p>
+        </p:txBody>
+      </p:sp>
+      <p:sp>
+        <p:nvSpPr>
+          <p:cNvPr id="165" name="Google Shape;165;p3"/>
+          <p:cNvSpPr txBox="1"/>
+          <p:nvPr>
+            <p:ph idx="4" type="subTitle"/>
+          </p:nvPr>
+        </p:nvSpPr>
+        <p:spPr>
+          <a:xfrm>
+            <a:off x="3466309" y="4194184"/>
+            <a:ext cx="1976700" cy="572400"/>
+          </a:xfrm>
+          <a:prstGeom prst="rect">
+            <a:avLst/>
+          </a:prstGeom>
+          <a:noFill/>
+          <a:ln>
+            <a:noFill/>
+          </a:ln>
+        </p:spPr>
+        <p:txBody>
+          <a:bodyPr anchorCtr="0" anchor="t" bIns="91425" lIns="91425" spcFirstLastPara="1" rIns="91425" wrap="square" tIns="91425">
+            <a:noAutofit/>
+          </a:bodyPr>
+          <a:lstStyle/>
+          <a:p>
+            <a:pPr indent="0" lvl="0" marL="0" rtl="0" algn="l">
+              <a:lnSpc>
+                <a:spcPct val="100000"/>
+              </a:lnSpc>
+              <a:spcBef>
+                <a:spcPts val="0"/>
+              </a:spcBef>
+              <a:spcAft>
+                <a:spcPts val="0"/>
+              </a:spcAft>
+              <a:buSzPts val="1000"/>
+              <a:buNone/>
+            </a:pPr>
+            <a:r>
+              <a:rPr lang="es"/>
+              <a:t>Accuracy</a:t>
+            </a:r>
+            <a:endParaRPr/>
+          </a:p>
+          <a:p>
+            <a:pPr indent="0" lvl="0" marL="0" rtl="0" algn="l">
+              <a:lnSpc>
+                <a:spcPct val="100000"/>
+              </a:lnSpc>
+              <a:spcBef>
+                <a:spcPts val="0"/>
+              </a:spcBef>
+              <a:spcAft>
+                <a:spcPts val="0"/>
+              </a:spcAft>
+              <a:buSzPts val="1000"/>
+              <a:buNone/>
+            </a:pPr>
+            <a:r>
+              <a:rPr lang="es"/>
+              <a:t>Confusion matrix</a:t>
+            </a:r>
+            <a:endParaRPr/>
+          </a:p>
+          <a:p>
+            <a:pPr indent="0" lvl="0" marL="0" rtl="0" algn="l">
+              <a:lnSpc>
+                <a:spcPct val="100000"/>
+              </a:lnSpc>
+              <a:spcBef>
+                <a:spcPts val="0"/>
+              </a:spcBef>
+              <a:spcAft>
+                <a:spcPts val="0"/>
+              </a:spcAft>
+              <a:buSzPts val="1000"/>
+              <a:buNone/>
+            </a:pPr>
+            <a:r>
+              <a:rPr lang="es"/>
+              <a:t>True vs predicted distributions</a:t>
+            </a:r>
+            <a:endParaRPr/>
           </a:p>
         </p:txBody>
       </p:sp>
@@ -24104,7 +29057,7 @@
   <p:cSld>
     <p:spTree>
       <p:nvGrpSpPr>
-        <p:cNvPr id="165" name="Shape 165"/>
+        <p:cNvPr id="169" name="Shape 169"/>
         <p:cNvGrpSpPr/>
         <p:nvPr/>
       </p:nvGrpSpPr>
@@ -24118,7 +29071,7 @@
       </p:grpSpPr>
       <p:sp>
         <p:nvSpPr>
-          <p:cNvPr id="166" name="Google Shape;166;p4"/>
+          <p:cNvPr id="170" name="Google Shape;170;p4"/>
           <p:cNvSpPr txBox="1"/>
           <p:nvPr>
             <p:ph type="ctrTitle"/>
@@ -24177,7 +29130,7 @@
   <p:cSld>
     <p:spTree>
       <p:nvGrpSpPr>
-        <p:cNvPr id="170" name="Shape 170"/>
+        <p:cNvPr id="174" name="Shape 174"/>
         <p:cNvGrpSpPr/>
         <p:nvPr/>
       </p:nvGrpSpPr>
@@ -24191,7 +29144,7 @@
       </p:grpSpPr>
       <p:sp>
         <p:nvSpPr>
-          <p:cNvPr id="171" name="Google Shape;171;p5"/>
+          <p:cNvPr id="175" name="Google Shape;175;p5"/>
           <p:cNvSpPr/>
           <p:nvPr/>
         </p:nvSpPr>
@@ -24250,7 +29203,7 @@
       </p:sp>
       <p:sp>
         <p:nvSpPr>
-          <p:cNvPr id="172" name="Google Shape;172;p5"/>
+          <p:cNvPr id="176" name="Google Shape;176;p5"/>
           <p:cNvSpPr txBox="1"/>
           <p:nvPr>
             <p:ph type="ctrTitle"/>
@@ -24306,14 +29259,14 @@
       </p:sp>
       <p:sp>
         <p:nvSpPr>
-          <p:cNvPr id="173" name="Google Shape;173;p5"/>
+          <p:cNvPr id="177" name="Google Shape;177;p5"/>
           <p:cNvSpPr txBox="1"/>
           <p:nvPr/>
         </p:nvSpPr>
         <p:spPr>
           <a:xfrm>
-            <a:off x="2802150" y="2279250"/>
-            <a:ext cx="3539700" cy="585000"/>
+            <a:off x="4571925" y="1869575"/>
+            <a:ext cx="3539700" cy="985200"/>
           </a:xfrm>
           <a:prstGeom prst="rect">
             <a:avLst/>
@@ -24328,6 +29281,40 @@
             <a:spAutoFit/>
           </a:bodyPr>
           <a:lstStyle/>
+          <a:p>
+            <a:pPr indent="0" lvl="0" marL="0" marR="0" rtl="0" algn="ctr">
+              <a:lnSpc>
+                <a:spcPct val="100000"/>
+              </a:lnSpc>
+              <a:spcBef>
+                <a:spcPts val="0"/>
+              </a:spcBef>
+              <a:spcAft>
+                <a:spcPts val="0"/>
+              </a:spcAft>
+              <a:buClr>
+                <a:srgbClr val="000000"/>
+              </a:buClr>
+              <a:buSzPts val="2600"/>
+              <a:buFont typeface="Arial"/>
+              <a:buNone/>
+            </a:pPr>
+            <a:r>
+              <a:rPr lang="es" sz="2600">
+                <a:latin typeface="Catamaran Light"/>
+                <a:ea typeface="Catamaran Light"/>
+                <a:cs typeface="Catamaran Light"/>
+                <a:sym typeface="Catamaran Light"/>
+              </a:rPr>
+              <a:t>In short:</a:t>
+            </a:r>
+            <a:endParaRPr sz="2600">
+              <a:latin typeface="Catamaran Light"/>
+              <a:ea typeface="Catamaran Light"/>
+              <a:cs typeface="Catamaran Light"/>
+              <a:sym typeface="Catamaran Light"/>
+            </a:endParaRPr>
+          </a:p>
           <a:p>
             <a:pPr indent="0" lvl="0" marL="0" marR="0" rtl="0" algn="ctr">
               <a:lnSpc>
@@ -24370,149 +29357,9 @@
           </a:p>
         </p:txBody>
       </p:sp>
-    </p:spTree>
-  </p:cSld>
-  <p:clrMapOvr>
-    <a:masterClrMapping/>
-  </p:clrMapOvr>
-</p:sld>
-</file>
-
-<file path=ppt/slides/slide6.xml><?xml version="1.0" encoding="utf-8"?>
-<p:sld xmlns:a="http://schemas.openxmlformats.org/drawingml/2006/main" xmlns:r="http://schemas.openxmlformats.org/officeDocument/2006/relationships" xmlns:mc="http://schemas.openxmlformats.org/markup-compatibility/2006" xmlns:mv="urn:schemas-microsoft-com:mac:vml" xmlns:p="http://schemas.openxmlformats.org/presentationml/2006/main" xmlns:c="http://schemas.openxmlformats.org/drawingml/2006/chart" xmlns:dgm="http://schemas.openxmlformats.org/drawingml/2006/diagram" xmlns:o="urn:schemas-microsoft-com:office:office" xmlns:v="urn:schemas-microsoft-com:vml" xmlns:pvml="urn:schemas-microsoft-com:office:powerpoint" xmlns:com="http://schemas.openxmlformats.org/drawingml/2006/compatibility" xmlns:p14="http://schemas.microsoft.com/office/powerpoint/2010/main" xmlns:p15="http://schemas.microsoft.com/office/powerpoint/2012/main" xmlns:ahyp="http://schemas.microsoft.com/office/drawing/2018/hyperlinkcolor">
-  <p:cSld>
-    <p:spTree>
-      <p:nvGrpSpPr>
-        <p:cNvPr id="177" name="Shape 177"/>
-        <p:cNvGrpSpPr/>
-        <p:nvPr/>
-      </p:nvGrpSpPr>
-      <p:grpSpPr>
-        <a:xfrm>
-          <a:off x="0" y="0"/>
-          <a:ext cx="0" cy="0"/>
-          <a:chOff x="0" y="0"/>
-          <a:chExt cx="0" cy="0"/>
-        </a:xfrm>
-      </p:grpSpPr>
-      <p:sp>
-        <p:nvSpPr>
-          <p:cNvPr id="178" name="Google Shape;178;p6"/>
-          <p:cNvSpPr/>
-          <p:nvPr/>
-        </p:nvSpPr>
-        <p:spPr>
-          <a:xfrm rot="10800000">
-            <a:off x="5145400" y="271100"/>
-            <a:ext cx="4003200" cy="806100"/>
-          </a:xfrm>
-          <a:prstGeom prst="rect">
-            <a:avLst/>
-          </a:prstGeom>
-          <a:solidFill>
-            <a:srgbClr val="3C78D8"/>
-          </a:solidFill>
-          <a:ln>
-            <a:noFill/>
-          </a:ln>
-        </p:spPr>
-        <p:txBody>
-          <a:bodyPr anchorCtr="0" anchor="ctr" bIns="91425" lIns="91425" spcFirstLastPara="1" rIns="91425" wrap="square" tIns="91425">
-            <a:noAutofit/>
-          </a:bodyPr>
-          <a:lstStyle/>
-          <a:p>
-            <a:pPr indent="0" lvl="0" marL="0" marR="0" rtl="0" algn="l">
-              <a:lnSpc>
-                <a:spcPct val="100000"/>
-              </a:lnSpc>
-              <a:spcBef>
-                <a:spcPts val="0"/>
-              </a:spcBef>
-              <a:spcAft>
-                <a:spcPts val="0"/>
-              </a:spcAft>
-              <a:buClr>
-                <a:srgbClr val="000000"/>
-              </a:buClr>
-              <a:buSzPts val="1400"/>
-              <a:buFont typeface="Arial"/>
-              <a:buNone/>
-            </a:pPr>
-            <a:r>
-              <a:t/>
-            </a:r>
-            <a:endParaRPr b="0" i="0" sz="1400" u="none" cap="none" strike="noStrike">
-              <a:solidFill>
-                <a:srgbClr val="000000"/>
-              </a:solidFill>
-              <a:latin typeface="Arial"/>
-              <a:ea typeface="Arial"/>
-              <a:cs typeface="Arial"/>
-              <a:sym typeface="Arial"/>
-            </a:endParaRPr>
-          </a:p>
-        </p:txBody>
-      </p:sp>
-      <p:sp>
-        <p:nvSpPr>
-          <p:cNvPr id="179" name="Google Shape;179;p6"/>
-          <p:cNvSpPr txBox="1"/>
-          <p:nvPr>
-            <p:ph type="ctrTitle"/>
-          </p:nvPr>
-        </p:nvSpPr>
-        <p:spPr>
-          <a:xfrm>
-            <a:off x="5145400" y="509025"/>
-            <a:ext cx="4003200" cy="454500"/>
-          </a:xfrm>
-          <a:prstGeom prst="rect">
-            <a:avLst/>
-          </a:prstGeom>
-          <a:noFill/>
-          <a:ln>
-            <a:noFill/>
-          </a:ln>
-        </p:spPr>
-        <p:txBody>
-          <a:bodyPr anchorCtr="0" anchor="b" bIns="91425" lIns="91425" spcFirstLastPara="1" rIns="91425" wrap="square" tIns="91425">
-            <a:noAutofit/>
-          </a:bodyPr>
-          <a:lstStyle/>
-          <a:p>
-            <a:pPr indent="0" lvl="0" marL="0" rtl="0" algn="ctr">
-              <a:lnSpc>
-                <a:spcPct val="100000"/>
-              </a:lnSpc>
-              <a:spcBef>
-                <a:spcPts val="0"/>
-              </a:spcBef>
-              <a:spcAft>
-                <a:spcPts val="0"/>
-              </a:spcAft>
-              <a:buSzPts val="2800"/>
-              <a:buNone/>
-            </a:pPr>
-            <a:r>
-              <a:rPr lang="es" sz="2200">
-                <a:solidFill>
-                  <a:schemeClr val="lt1"/>
-                </a:solidFill>
-              </a:rPr>
-              <a:t>Why use it?</a:t>
-            </a:r>
-            <a:endParaRPr sz="2200">
-              <a:solidFill>
-                <a:schemeClr val="lt1"/>
-              </a:solidFill>
-            </a:endParaRPr>
-          </a:p>
-        </p:txBody>
-      </p:sp>
       <p:pic>
         <p:nvPicPr>
-          <p:cNvPr id="180" name="Google Shape;180;p6"/>
+          <p:cNvPr id="178" name="Google Shape;178;p5"/>
           <p:cNvPicPr preferRelativeResize="0"/>
           <p:nvPr/>
         </p:nvPicPr>
@@ -24520,12 +29367,12 @@
           <a:blip r:embed="rId3">
             <a:alphaModFix/>
           </a:blip>
-          <a:srcRect b="34339" l="27993" r="17479" t="28248"/>
+          <a:srcRect b="34337" l="27993" r="17480" t="28250"/>
           <a:stretch/>
         </p:blipFill>
         <p:spPr>
           <a:xfrm>
-            <a:off x="0" y="932812"/>
+            <a:off x="279425" y="1255912"/>
             <a:ext cx="3281525" cy="1407225"/>
           </a:xfrm>
           <a:prstGeom prst="rect">
@@ -24539,7 +29386,7 @@
       </p:pic>
       <p:pic>
         <p:nvPicPr>
-          <p:cNvPr id="181" name="Google Shape;181;p6"/>
+          <p:cNvPr id="179" name="Google Shape;179;p5"/>
           <p:cNvPicPr preferRelativeResize="0"/>
           <p:nvPr/>
         </p:nvPicPr>
@@ -24547,12 +29394,12 @@
           <a:blip r:embed="rId4">
             <a:alphaModFix/>
           </a:blip>
-          <a:srcRect b="23402" l="28207" r="17441" t="37429"/>
+          <a:srcRect b="23399" l="28208" r="17441" t="37430"/>
           <a:stretch/>
         </p:blipFill>
         <p:spPr>
           <a:xfrm>
-            <a:off x="1074427" y="2826800"/>
+            <a:off x="1353852" y="3149900"/>
             <a:ext cx="3369826" cy="1517850"/>
           </a:xfrm>
           <a:prstGeom prst="rect">
@@ -24566,13 +29413,13 @@
       </p:pic>
       <p:sp>
         <p:nvSpPr>
-          <p:cNvPr id="182" name="Google Shape;182;p6"/>
+          <p:cNvPr id="180" name="Google Shape;180;p5"/>
           <p:cNvSpPr txBox="1"/>
           <p:nvPr/>
         </p:nvSpPr>
         <p:spPr>
           <a:xfrm>
-            <a:off x="107600" y="2229425"/>
+            <a:off x="387025" y="2552525"/>
             <a:ext cx="3066300" cy="369300"/>
           </a:xfrm>
           <a:prstGeom prst="rect">
@@ -24632,13 +29479,13 @@
       </p:sp>
       <p:sp>
         <p:nvSpPr>
-          <p:cNvPr id="183" name="Google Shape;183;p6"/>
+          <p:cNvPr id="181" name="Google Shape;181;p5"/>
           <p:cNvSpPr txBox="1"/>
           <p:nvPr/>
         </p:nvSpPr>
         <p:spPr>
           <a:xfrm>
-            <a:off x="1226188" y="4251275"/>
+            <a:off x="1505613" y="4574375"/>
             <a:ext cx="3066300" cy="369300"/>
           </a:xfrm>
           <a:prstGeom prst="rect">
@@ -24696,9 +29543,149 @@
           </a:p>
         </p:txBody>
       </p:sp>
+    </p:spTree>
+  </p:cSld>
+  <p:clrMapOvr>
+    <a:masterClrMapping/>
+  </p:clrMapOvr>
+</p:sld>
+</file>
+
+<file path=ppt/slides/slide6.xml><?xml version="1.0" encoding="utf-8"?>
+<p:sld xmlns:a="http://schemas.openxmlformats.org/drawingml/2006/main" xmlns:r="http://schemas.openxmlformats.org/officeDocument/2006/relationships" xmlns:mc="http://schemas.openxmlformats.org/markup-compatibility/2006" xmlns:mv="urn:schemas-microsoft-com:mac:vml" xmlns:p="http://schemas.openxmlformats.org/presentationml/2006/main" xmlns:c="http://schemas.openxmlformats.org/drawingml/2006/chart" xmlns:dgm="http://schemas.openxmlformats.org/drawingml/2006/diagram" xmlns:o="urn:schemas-microsoft-com:office:office" xmlns:v="urn:schemas-microsoft-com:vml" xmlns:pvml="urn:schemas-microsoft-com:office:powerpoint" xmlns:com="http://schemas.openxmlformats.org/drawingml/2006/compatibility" xmlns:p14="http://schemas.microsoft.com/office/powerpoint/2010/main" xmlns:p15="http://schemas.microsoft.com/office/powerpoint/2012/main" xmlns:ahyp="http://schemas.microsoft.com/office/drawing/2018/hyperlinkcolor">
+  <p:cSld>
+    <p:spTree>
+      <p:nvGrpSpPr>
+        <p:cNvPr id="185" name="Shape 185"/>
+        <p:cNvGrpSpPr/>
+        <p:nvPr/>
+      </p:nvGrpSpPr>
+      <p:grpSpPr>
+        <a:xfrm>
+          <a:off x="0" y="0"/>
+          <a:ext cx="0" cy="0"/>
+          <a:chOff x="0" y="0"/>
+          <a:chExt cx="0" cy="0"/>
+        </a:xfrm>
+      </p:grpSpPr>
       <p:sp>
         <p:nvSpPr>
-          <p:cNvPr id="184" name="Google Shape;184;p6"/>
+          <p:cNvPr id="186" name="Google Shape;186;p6"/>
+          <p:cNvSpPr/>
+          <p:nvPr/>
+        </p:nvSpPr>
+        <p:spPr>
+          <a:xfrm rot="10800000">
+            <a:off x="5145400" y="271100"/>
+            <a:ext cx="4003200" cy="806100"/>
+          </a:xfrm>
+          <a:prstGeom prst="rect">
+            <a:avLst/>
+          </a:prstGeom>
+          <a:solidFill>
+            <a:srgbClr val="3C78D8"/>
+          </a:solidFill>
+          <a:ln>
+            <a:noFill/>
+          </a:ln>
+        </p:spPr>
+        <p:txBody>
+          <a:bodyPr anchorCtr="0" anchor="ctr" bIns="91425" lIns="91425" spcFirstLastPara="1" rIns="91425" wrap="square" tIns="91425">
+            <a:noAutofit/>
+          </a:bodyPr>
+          <a:lstStyle/>
+          <a:p>
+            <a:pPr indent="0" lvl="0" marL="0" marR="0" rtl="0" algn="l">
+              <a:lnSpc>
+                <a:spcPct val="100000"/>
+              </a:lnSpc>
+              <a:spcBef>
+                <a:spcPts val="0"/>
+              </a:spcBef>
+              <a:spcAft>
+                <a:spcPts val="0"/>
+              </a:spcAft>
+              <a:buClr>
+                <a:srgbClr val="000000"/>
+              </a:buClr>
+              <a:buSzPts val="1400"/>
+              <a:buFont typeface="Arial"/>
+              <a:buNone/>
+            </a:pPr>
+            <a:r>
+              <a:t/>
+            </a:r>
+            <a:endParaRPr b="0" i="0" sz="1400" u="none" cap="none" strike="noStrike">
+              <a:solidFill>
+                <a:srgbClr val="000000"/>
+              </a:solidFill>
+              <a:latin typeface="Arial"/>
+              <a:ea typeface="Arial"/>
+              <a:cs typeface="Arial"/>
+              <a:sym typeface="Arial"/>
+            </a:endParaRPr>
+          </a:p>
+        </p:txBody>
+      </p:sp>
+      <p:sp>
+        <p:nvSpPr>
+          <p:cNvPr id="187" name="Google Shape;187;p6"/>
+          <p:cNvSpPr txBox="1"/>
+          <p:nvPr>
+            <p:ph type="ctrTitle"/>
+          </p:nvPr>
+        </p:nvSpPr>
+        <p:spPr>
+          <a:xfrm>
+            <a:off x="5145400" y="509025"/>
+            <a:ext cx="4003200" cy="454500"/>
+          </a:xfrm>
+          <a:prstGeom prst="rect">
+            <a:avLst/>
+          </a:prstGeom>
+          <a:noFill/>
+          <a:ln>
+            <a:noFill/>
+          </a:ln>
+        </p:spPr>
+        <p:txBody>
+          <a:bodyPr anchorCtr="0" anchor="b" bIns="91425" lIns="91425" spcFirstLastPara="1" rIns="91425" wrap="square" tIns="91425">
+            <a:noAutofit/>
+          </a:bodyPr>
+          <a:lstStyle/>
+          <a:p>
+            <a:pPr indent="0" lvl="0" marL="0" rtl="0" algn="ctr">
+              <a:lnSpc>
+                <a:spcPct val="100000"/>
+              </a:lnSpc>
+              <a:spcBef>
+                <a:spcPts val="0"/>
+              </a:spcBef>
+              <a:spcAft>
+                <a:spcPts val="0"/>
+              </a:spcAft>
+              <a:buSzPts val="2800"/>
+              <a:buNone/>
+            </a:pPr>
+            <a:r>
+              <a:rPr lang="es" sz="2200">
+                <a:solidFill>
+                  <a:schemeClr val="lt1"/>
+                </a:solidFill>
+              </a:rPr>
+              <a:t>Why use it?</a:t>
+            </a:r>
+            <a:endParaRPr sz="2200">
+              <a:solidFill>
+                <a:schemeClr val="lt1"/>
+              </a:solidFill>
+            </a:endParaRPr>
+          </a:p>
+        </p:txBody>
+      </p:sp>
+      <p:sp>
+        <p:nvSpPr>
+          <p:cNvPr id="188" name="Google Shape;188;p6"/>
           <p:cNvSpPr txBox="1"/>
           <p:nvPr/>
         </p:nvSpPr>
@@ -24917,7 +29904,7 @@
   <p:cSld>
     <p:spTree>
       <p:nvGrpSpPr>
-        <p:cNvPr id="188" name="Shape 188"/>
+        <p:cNvPr id="192" name="Shape 192"/>
         <p:cNvGrpSpPr/>
         <p:nvPr/>
       </p:nvGrpSpPr>
@@ -24931,7 +29918,7 @@
       </p:grpSpPr>
       <p:sp>
         <p:nvSpPr>
-          <p:cNvPr id="189" name="Google Shape;189;p7"/>
+          <p:cNvPr id="193" name="Google Shape;193;p7"/>
           <p:cNvSpPr/>
           <p:nvPr/>
         </p:nvSpPr>
@@ -24990,7 +29977,7 @@
       </p:sp>
       <p:sp>
         <p:nvSpPr>
-          <p:cNvPr id="190" name="Google Shape;190;p7"/>
+          <p:cNvPr id="194" name="Google Shape;194;p7"/>
           <p:cNvSpPr txBox="1"/>
           <p:nvPr>
             <p:ph type="ctrTitle"/>
@@ -25046,7 +30033,7 @@
       </p:sp>
       <p:sp>
         <p:nvSpPr>
-          <p:cNvPr id="191" name="Google Shape;191;p7"/>
+          <p:cNvPr id="195" name="Google Shape;195;p7"/>
           <p:cNvSpPr txBox="1"/>
           <p:nvPr/>
         </p:nvSpPr>
@@ -25325,7 +30312,7 @@
       </p:sp>
       <p:pic>
         <p:nvPicPr>
-          <p:cNvPr id="192" name="Google Shape;192;p7"/>
+          <p:cNvPr id="196" name="Google Shape;196;p7"/>
           <p:cNvPicPr preferRelativeResize="0"/>
           <p:nvPr/>
         </p:nvPicPr>
@@ -25352,7 +30339,7 @@
       </p:pic>
       <p:sp>
         <p:nvSpPr>
-          <p:cNvPr id="193" name="Google Shape;193;p7"/>
+          <p:cNvPr id="197" name="Google Shape;197;p7"/>
           <p:cNvSpPr txBox="1"/>
           <p:nvPr/>
         </p:nvSpPr>
@@ -25402,7 +30389,28 @@
                 <a:cs typeface="Catamaran Light"/>
                 <a:sym typeface="Catamaran Light"/>
               </a:rPr>
-              <a:t>Figure 3: Garbage in, garbage out principle</a:t>
+              <a:t>Figure </a:t>
+            </a:r>
+            <a:r>
+              <a:rPr lang="es" sz="1200">
+                <a:latin typeface="Catamaran Light"/>
+                <a:ea typeface="Catamaran Light"/>
+                <a:cs typeface="Catamaran Light"/>
+                <a:sym typeface="Catamaran Light"/>
+              </a:rPr>
+              <a:t>4</a:t>
+            </a:r>
+            <a:r>
+              <a:rPr b="0" i="0" lang="es" sz="1200" u="none" cap="none" strike="noStrike">
+                <a:solidFill>
+                  <a:srgbClr val="000000"/>
+                </a:solidFill>
+                <a:latin typeface="Catamaran Light"/>
+                <a:ea typeface="Catamaran Light"/>
+                <a:cs typeface="Catamaran Light"/>
+                <a:sym typeface="Catamaran Light"/>
+              </a:rPr>
+              <a:t>: Garbage in, garbage out principle</a:t>
             </a:r>
             <a:endParaRPr b="0" i="0" sz="1200" u="none" cap="none" strike="noStrike">
               <a:solidFill>
@@ -25429,7 +30437,7 @@
   <p:cSld>
     <p:spTree>
       <p:nvGrpSpPr>
-        <p:cNvPr id="197" name="Shape 197"/>
+        <p:cNvPr id="201" name="Shape 201"/>
         <p:cNvGrpSpPr/>
         <p:nvPr/>
       </p:nvGrpSpPr>
@@ -25443,86 +30451,13 @@
       </p:grpSpPr>
       <p:sp>
         <p:nvSpPr>
-          <p:cNvPr id="198" name="Google Shape;198;p8"/>
-          <p:cNvSpPr txBox="1"/>
-          <p:nvPr>
-            <p:ph type="ctrTitle"/>
-          </p:nvPr>
-        </p:nvSpPr>
-        <p:spPr>
-          <a:xfrm>
-            <a:off x="751200" y="2577425"/>
-            <a:ext cx="5053500" cy="1961400"/>
-          </a:xfrm>
-          <a:prstGeom prst="rect">
-            <a:avLst/>
-          </a:prstGeom>
-          <a:noFill/>
-          <a:ln>
-            <a:noFill/>
-          </a:ln>
-        </p:spPr>
-        <p:txBody>
-          <a:bodyPr anchorCtr="0" anchor="ctr" bIns="91425" lIns="91425" spcFirstLastPara="1" rIns="91425" wrap="square" tIns="91425">
-            <a:noAutofit/>
-          </a:bodyPr>
-          <a:lstStyle/>
-          <a:p>
-            <a:pPr indent="0" lvl="0" marL="0" rtl="0" algn="l">
-              <a:lnSpc>
-                <a:spcPct val="100000"/>
-              </a:lnSpc>
-              <a:spcBef>
-                <a:spcPts val="0"/>
-              </a:spcBef>
-              <a:spcAft>
-                <a:spcPts val="0"/>
-              </a:spcAft>
-              <a:buSzPts val="3600"/>
-              <a:buNone/>
-            </a:pPr>
-            <a:r>
-              <a:rPr lang="es"/>
-              <a:t>ML Landscape</a:t>
-            </a:r>
-            <a:endParaRPr/>
-          </a:p>
-        </p:txBody>
-      </p:sp>
-    </p:spTree>
-  </p:cSld>
-  <p:clrMapOvr>
-    <a:masterClrMapping/>
-  </p:clrMapOvr>
-</p:sld>
-</file>
-
-<file path=ppt/slides/slide9.xml><?xml version="1.0" encoding="utf-8"?>
-<p:sld xmlns:a="http://schemas.openxmlformats.org/drawingml/2006/main" xmlns:r="http://schemas.openxmlformats.org/officeDocument/2006/relationships" xmlns:mc="http://schemas.openxmlformats.org/markup-compatibility/2006" xmlns:mv="urn:schemas-microsoft-com:mac:vml" xmlns:p="http://schemas.openxmlformats.org/presentationml/2006/main" xmlns:c="http://schemas.openxmlformats.org/drawingml/2006/chart" xmlns:dgm="http://schemas.openxmlformats.org/drawingml/2006/diagram" xmlns:o="urn:schemas-microsoft-com:office:office" xmlns:v="urn:schemas-microsoft-com:vml" xmlns:pvml="urn:schemas-microsoft-com:office:powerpoint" xmlns:com="http://schemas.openxmlformats.org/drawingml/2006/compatibility" xmlns:p14="http://schemas.microsoft.com/office/powerpoint/2010/main" xmlns:p15="http://schemas.microsoft.com/office/powerpoint/2012/main" xmlns:ahyp="http://schemas.microsoft.com/office/drawing/2018/hyperlinkcolor">
-  <p:cSld>
-    <p:spTree>
-      <p:nvGrpSpPr>
-        <p:cNvPr id="202" name="Shape 202"/>
-        <p:cNvGrpSpPr/>
-        <p:nvPr/>
-      </p:nvGrpSpPr>
-      <p:grpSpPr>
-        <a:xfrm>
-          <a:off x="0" y="0"/>
-          <a:ext cx="0" cy="0"/>
-          <a:chOff x="0" y="0"/>
-          <a:chExt cx="0" cy="0"/>
-        </a:xfrm>
-      </p:grpSpPr>
-      <p:sp>
-        <p:nvSpPr>
-          <p:cNvPr id="203" name="Google Shape;203;p9"/>
+          <p:cNvPr id="202" name="Google Shape;202;p9"/>
           <p:cNvSpPr/>
           <p:nvPr/>
         </p:nvSpPr>
         <p:spPr>
           <a:xfrm flipH="1" rot="10800000">
-            <a:off x="0" y="304000"/>
+            <a:off x="4780500" y="304275"/>
             <a:ext cx="4363500" cy="783900"/>
           </a:xfrm>
           <a:prstGeom prst="rect">
@@ -25575,7 +30510,7 @@
       </p:sp>
       <p:sp>
         <p:nvSpPr>
-          <p:cNvPr id="204" name="Google Shape;204;p9"/>
+          <p:cNvPr id="203" name="Google Shape;203;p9"/>
           <p:cNvSpPr txBox="1"/>
           <p:nvPr>
             <p:ph type="ctrTitle"/>
@@ -25583,7 +30518,7 @@
         </p:nvSpPr>
         <p:spPr>
           <a:xfrm>
-            <a:off x="0" y="380500"/>
+            <a:off x="4780500" y="380775"/>
             <a:ext cx="4363500" cy="630900"/>
           </a:xfrm>
           <a:prstGeom prst="rect">
@@ -25631,7 +30566,7 @@
       </p:sp>
       <p:pic>
         <p:nvPicPr>
-          <p:cNvPr id="205" name="Google Shape;205;p9"/>
+          <p:cNvPr id="204" name="Google Shape;204;p9"/>
           <p:cNvPicPr preferRelativeResize="0"/>
           <p:nvPr/>
         </p:nvPicPr>
@@ -25644,7 +30579,7 @@
         </p:blipFill>
         <p:spPr>
           <a:xfrm>
-            <a:off x="4756350" y="1161050"/>
+            <a:off x="5100275" y="1394375"/>
             <a:ext cx="3723949" cy="3054251"/>
           </a:xfrm>
           <a:prstGeom prst="rect">
@@ -25658,14 +30593,14 @@
       </p:pic>
       <p:sp>
         <p:nvSpPr>
-          <p:cNvPr id="206" name="Google Shape;206;p9"/>
+          <p:cNvPr id="205" name="Google Shape;205;p9"/>
           <p:cNvSpPr txBox="1"/>
           <p:nvPr/>
         </p:nvSpPr>
         <p:spPr>
           <a:xfrm>
-            <a:off x="460775" y="2114875"/>
-            <a:ext cx="4056000" cy="1908600"/>
+            <a:off x="460775" y="1394375"/>
+            <a:ext cx="4056000" cy="2893800"/>
           </a:xfrm>
           <a:prstGeom prst="rect">
             <a:avLst/>
@@ -25933,17 +30868,116 @@
               <a:sym typeface="Catamaran Light"/>
             </a:endParaRPr>
           </a:p>
+          <a:p>
+            <a:pPr indent="0" lvl="0" marL="0" marR="0" rtl="0" algn="l">
+              <a:lnSpc>
+                <a:spcPct val="100000"/>
+              </a:lnSpc>
+              <a:spcBef>
+                <a:spcPts val="0"/>
+              </a:spcBef>
+              <a:spcAft>
+                <a:spcPts val="0"/>
+              </a:spcAft>
+              <a:buNone/>
+            </a:pPr>
+            <a:r>
+              <a:t/>
+            </a:r>
+            <a:endParaRPr sz="1600">
+              <a:latin typeface="Catamaran Light"/>
+              <a:ea typeface="Catamaran Light"/>
+              <a:cs typeface="Catamaran Light"/>
+              <a:sym typeface="Catamaran Light"/>
+            </a:endParaRPr>
+          </a:p>
+          <a:p>
+            <a:pPr indent="0" lvl="0" marL="0" marR="0" rtl="0" algn="l">
+              <a:lnSpc>
+                <a:spcPct val="100000"/>
+              </a:lnSpc>
+              <a:spcBef>
+                <a:spcPts val="0"/>
+              </a:spcBef>
+              <a:spcAft>
+                <a:spcPts val="0"/>
+              </a:spcAft>
+              <a:buNone/>
+            </a:pPr>
+            <a:r>
+              <a:rPr lang="es" sz="1600">
+                <a:latin typeface="Catamaran Light"/>
+                <a:ea typeface="Catamaran Light"/>
+                <a:cs typeface="Catamaran Light"/>
+                <a:sym typeface="Catamaran Light"/>
+              </a:rPr>
+              <a:t>Inside each of these categories there are multiple types of problems that can be solved!</a:t>
+            </a:r>
+            <a:endParaRPr sz="1600">
+              <a:latin typeface="Catamaran Light"/>
+              <a:ea typeface="Catamaran Light"/>
+              <a:cs typeface="Catamaran Light"/>
+              <a:sym typeface="Catamaran Light"/>
+            </a:endParaRPr>
+          </a:p>
+          <a:p>
+            <a:pPr indent="0" lvl="0" marL="0" marR="0" rtl="0" algn="l">
+              <a:lnSpc>
+                <a:spcPct val="100000"/>
+              </a:lnSpc>
+              <a:spcBef>
+                <a:spcPts val="0"/>
+              </a:spcBef>
+              <a:spcAft>
+                <a:spcPts val="0"/>
+              </a:spcAft>
+              <a:buNone/>
+            </a:pPr>
+            <a:r>
+              <a:rPr lang="es" sz="1600">
+                <a:latin typeface="Catamaran Light"/>
+                <a:ea typeface="Catamaran Light"/>
+                <a:cs typeface="Catamaran Light"/>
+                <a:sym typeface="Catamaran Light"/>
+              </a:rPr>
+              <a:t>We’ll be looking at </a:t>
+            </a:r>
+            <a:r>
+              <a:rPr b="1" lang="es" sz="1600">
+                <a:latin typeface="Catamaran"/>
+                <a:ea typeface="Catamaran"/>
+                <a:cs typeface="Catamaran"/>
+                <a:sym typeface="Catamaran"/>
+              </a:rPr>
+              <a:t>supervised classification</a:t>
+            </a:r>
+            <a:r>
+              <a:rPr lang="es" sz="1600">
+                <a:latin typeface="Catamaran Light"/>
+                <a:ea typeface="Catamaran Light"/>
+                <a:cs typeface="Catamaran Light"/>
+                <a:sym typeface="Catamaran Light"/>
+              </a:rPr>
+              <a:t>.</a:t>
+            </a:r>
+            <a:endParaRPr sz="1600">
+              <a:latin typeface="Catamaran Light"/>
+              <a:ea typeface="Catamaran Light"/>
+              <a:cs typeface="Catamaran Light"/>
+              <a:sym typeface="Catamaran Light"/>
+            </a:endParaRPr>
+          </a:p>
         </p:txBody>
       </p:sp>
       <p:sp>
         <p:nvSpPr>
-          <p:cNvPr id="207" name="Google Shape;207;p9"/>
+          <p:cNvPr id="206" name="Google Shape;206;p9"/>
           <p:cNvSpPr txBox="1"/>
           <p:nvPr/>
         </p:nvSpPr>
         <p:spPr>
           <a:xfrm>
-            <a:off x="5085163" y="4288175"/>
+            <a:off x="5429088" y="4521500"/>
             <a:ext cx="3066300" cy="369300"/>
           </a:xfrm>
           <a:prstGeom prst="rect">
@@ -25987,7 +31021,282 @@
                 <a:cs typeface="Catamaran Light"/>
                 <a:sym typeface="Catamaran Light"/>
               </a:rPr>
-              <a:t>Figure 4: Supervised vs unsupervised datasets</a:t>
+              <a:t>Figure </a:t>
+            </a:r>
+            <a:r>
+              <a:rPr lang="es" sz="1200">
+                <a:latin typeface="Catamaran Light"/>
+                <a:ea typeface="Catamaran Light"/>
+                <a:cs typeface="Catamaran Light"/>
+                <a:sym typeface="Catamaran Light"/>
+              </a:rPr>
+              <a:t>5</a:t>
+            </a:r>
+            <a:r>
+              <a:rPr b="0" i="0" lang="es" sz="1200" u="none" cap="none" strike="noStrike">
+                <a:solidFill>
+                  <a:srgbClr val="000000"/>
+                </a:solidFill>
+                <a:latin typeface="Catamaran Light"/>
+                <a:ea typeface="Catamaran Light"/>
+                <a:cs typeface="Catamaran Light"/>
+                <a:sym typeface="Catamaran Light"/>
+              </a:rPr>
+              <a:t>: Supervised vs unsupervised datasets</a:t>
+            </a:r>
+            <a:endParaRPr b="0" i="0" sz="1200" u="none" cap="none" strike="noStrike">
+              <a:solidFill>
+                <a:srgbClr val="000000"/>
+              </a:solidFill>
+              <a:latin typeface="Catamaran Light"/>
+              <a:ea typeface="Catamaran Light"/>
+              <a:cs typeface="Catamaran Light"/>
+              <a:sym typeface="Catamaran Light"/>
+            </a:endParaRPr>
+          </a:p>
+        </p:txBody>
+      </p:sp>
+    </p:spTree>
+  </p:cSld>
+  <p:clrMapOvr>
+    <a:masterClrMapping/>
+  </p:clrMapOvr>
+</p:sld>
+</file>
+
+<file path=ppt/slides/slide9.xml><?xml version="1.0" encoding="utf-8"?>
+<p:sld xmlns:a="http://schemas.openxmlformats.org/drawingml/2006/main" xmlns:r="http://schemas.openxmlformats.org/officeDocument/2006/relationships" xmlns:mc="http://schemas.openxmlformats.org/markup-compatibility/2006" xmlns:mv="urn:schemas-microsoft-com:mac:vml" xmlns:p="http://schemas.openxmlformats.org/presentationml/2006/main" xmlns:c="http://schemas.openxmlformats.org/drawingml/2006/chart" xmlns:dgm="http://schemas.openxmlformats.org/drawingml/2006/diagram" xmlns:o="urn:schemas-microsoft-com:office:office" xmlns:v="urn:schemas-microsoft-com:vml" xmlns:pvml="urn:schemas-microsoft-com:office:powerpoint" xmlns:com="http://schemas.openxmlformats.org/drawingml/2006/compatibility" xmlns:p14="http://schemas.microsoft.com/office/powerpoint/2010/main" xmlns:p15="http://schemas.microsoft.com/office/powerpoint/2012/main" xmlns:ahyp="http://schemas.microsoft.com/office/drawing/2018/hyperlinkcolor">
+  <p:cSld>
+    <p:spTree>
+      <p:nvGrpSpPr>
+        <p:cNvPr id="210" name="Shape 210"/>
+        <p:cNvGrpSpPr/>
+        <p:nvPr/>
+      </p:nvGrpSpPr>
+      <p:grpSpPr>
+        <a:xfrm>
+          <a:off x="0" y="0"/>
+          <a:ext cx="0" cy="0"/>
+          <a:chOff x="0" y="0"/>
+          <a:chExt cx="0" cy="0"/>
+        </a:xfrm>
+      </p:grpSpPr>
+      <p:sp>
+        <p:nvSpPr>
+          <p:cNvPr id="211" name="Google Shape;211;p10"/>
+          <p:cNvSpPr/>
+          <p:nvPr/>
+        </p:nvSpPr>
+        <p:spPr>
+          <a:xfrm rot="10800000">
+            <a:off x="0" y="271100"/>
+            <a:ext cx="4003200" cy="806100"/>
+          </a:xfrm>
+          <a:prstGeom prst="rect">
+            <a:avLst/>
+          </a:prstGeom>
+          <a:solidFill>
+            <a:srgbClr val="3C78D8"/>
+          </a:solidFill>
+          <a:ln>
+            <a:noFill/>
+          </a:ln>
+        </p:spPr>
+        <p:txBody>
+          <a:bodyPr anchorCtr="0" anchor="ctr" bIns="91425" lIns="91425" spcFirstLastPara="1" rIns="91425" wrap="square" tIns="91425">
+            <a:noAutofit/>
+          </a:bodyPr>
+          <a:lstStyle/>
+          <a:p>
+            <a:pPr indent="0" lvl="0" marL="0" marR="0" rtl="0" algn="l">
+              <a:lnSpc>
+                <a:spcPct val="100000"/>
+              </a:lnSpc>
+              <a:spcBef>
+                <a:spcPts val="0"/>
+              </a:spcBef>
+              <a:spcAft>
+                <a:spcPts val="0"/>
+              </a:spcAft>
+              <a:buClr>
+                <a:srgbClr val="000000"/>
+              </a:buClr>
+              <a:buSzPts val="1400"/>
+              <a:buFont typeface="Arial"/>
+              <a:buNone/>
+            </a:pPr>
+            <a:r>
+              <a:t/>
+            </a:r>
+            <a:endParaRPr b="0" i="0" sz="1400" u="none" cap="none" strike="noStrike">
+              <a:solidFill>
+                <a:srgbClr val="000000"/>
+              </a:solidFill>
+              <a:latin typeface="Arial"/>
+              <a:ea typeface="Arial"/>
+              <a:cs typeface="Arial"/>
+              <a:sym typeface="Arial"/>
+            </a:endParaRPr>
+          </a:p>
+        </p:txBody>
+      </p:sp>
+      <p:sp>
+        <p:nvSpPr>
+          <p:cNvPr id="212" name="Google Shape;212;p10"/>
+          <p:cNvSpPr txBox="1"/>
+          <p:nvPr>
+            <p:ph type="ctrTitle"/>
+          </p:nvPr>
+        </p:nvSpPr>
+        <p:spPr>
+          <a:xfrm>
+            <a:off x="0" y="509025"/>
+            <a:ext cx="4003200" cy="454500"/>
+          </a:xfrm>
+          <a:prstGeom prst="rect">
+            <a:avLst/>
+          </a:prstGeom>
+          <a:noFill/>
+          <a:ln>
+            <a:noFill/>
+          </a:ln>
+        </p:spPr>
+        <p:txBody>
+          <a:bodyPr anchorCtr="0" anchor="b" bIns="91425" lIns="91425" spcFirstLastPara="1" rIns="91425" wrap="square" tIns="91425">
+            <a:noAutofit/>
+          </a:bodyPr>
+          <a:lstStyle/>
+          <a:p>
+            <a:pPr indent="0" lvl="0" marL="0" rtl="0" algn="ctr">
+              <a:lnSpc>
+                <a:spcPct val="100000"/>
+              </a:lnSpc>
+              <a:spcBef>
+                <a:spcPts val="0"/>
+              </a:spcBef>
+              <a:spcAft>
+                <a:spcPts val="0"/>
+              </a:spcAft>
+              <a:buSzPts val="2800"/>
+              <a:buNone/>
+            </a:pPr>
+            <a:r>
+              <a:rPr lang="es" sz="2200">
+                <a:solidFill>
+                  <a:schemeClr val="lt1"/>
+                </a:solidFill>
+              </a:rPr>
+              <a:t>ML Workflow</a:t>
+            </a:r>
+            <a:endParaRPr sz="2200">
+              <a:solidFill>
+                <a:schemeClr val="lt1"/>
+              </a:solidFill>
+            </a:endParaRPr>
+          </a:p>
+        </p:txBody>
+      </p:sp>
+      <p:pic>
+        <p:nvPicPr>
+          <p:cNvPr id="213" name="Google Shape;213;p10"/>
+          <p:cNvPicPr preferRelativeResize="0"/>
+          <p:nvPr/>
+        </p:nvPicPr>
+        <p:blipFill rotWithShape="1">
+          <a:blip r:embed="rId3">
+            <a:alphaModFix/>
+          </a:blip>
+          <a:srcRect b="0" l="0" r="0" t="0"/>
+          <a:stretch/>
+        </p:blipFill>
+        <p:spPr>
+          <a:xfrm>
+            <a:off x="1755675" y="1573725"/>
+            <a:ext cx="5632650" cy="2818525"/>
+          </a:xfrm>
+          <a:prstGeom prst="rect">
+            <a:avLst/>
+          </a:prstGeom>
+          <a:noFill/>
+          <a:ln>
+            <a:noFill/>
+          </a:ln>
+        </p:spPr>
+      </p:pic>
+      <p:sp>
+        <p:nvSpPr>
+          <p:cNvPr id="214" name="Google Shape;214;p10"/>
+          <p:cNvSpPr txBox="1"/>
+          <p:nvPr/>
+        </p:nvSpPr>
+        <p:spPr>
+          <a:xfrm>
+            <a:off x="3038838" y="4165250"/>
+            <a:ext cx="3066300" cy="369300"/>
+          </a:xfrm>
+          <a:prstGeom prst="rect">
+            <a:avLst/>
+          </a:prstGeom>
+          <a:noFill/>
+          <a:ln>
+            <a:noFill/>
+          </a:ln>
+        </p:spPr>
+        <p:txBody>
+          <a:bodyPr anchorCtr="0" anchor="t" bIns="91425" lIns="91425" spcFirstLastPara="1" rIns="91425" wrap="square" tIns="91425">
+            <a:spAutoFit/>
+          </a:bodyPr>
+          <a:lstStyle/>
+          <a:p>
+            <a:pPr indent="0" lvl="0" marL="0" marR="0" rtl="0" algn="ctr">
+              <a:lnSpc>
+                <a:spcPct val="100000"/>
+              </a:lnSpc>
+              <a:spcBef>
+                <a:spcPts val="0"/>
+              </a:spcBef>
+              <a:spcAft>
+                <a:spcPts val="0"/>
+              </a:spcAft>
+              <a:buClr>
+                <a:srgbClr val="000000"/>
+              </a:buClr>
+              <a:buSzPts val="1200"/>
+              <a:buFont typeface="Arial"/>
+              <a:buNone/>
+            </a:pPr>
+            <a:r>
+              <a:rPr b="0" i="0" lang="es" sz="1200" u="none" cap="none" strike="noStrike">
+                <a:solidFill>
+                  <a:srgbClr val="000000"/>
+                </a:solidFill>
+                <a:latin typeface="Catamaran Light"/>
+                <a:ea typeface="Catamaran Light"/>
+                <a:cs typeface="Catamaran Light"/>
+                <a:sym typeface="Catamaran Light"/>
+              </a:rPr>
+              <a:t>Figure </a:t>
+            </a:r>
+            <a:r>
+              <a:rPr lang="es" sz="1200">
+                <a:latin typeface="Catamaran Light"/>
+                <a:ea typeface="Catamaran Light"/>
+                <a:cs typeface="Catamaran Light"/>
+                <a:sym typeface="Catamaran Light"/>
+              </a:rPr>
+              <a:t>6</a:t>
+            </a:r>
+            <a:r>
+              <a:rPr b="0" i="0" lang="es" sz="1200" u="none" cap="none" strike="noStrike">
+                <a:solidFill>
+                  <a:srgbClr val="000000"/>
+                </a:solidFill>
+                <a:latin typeface="Catamaran Light"/>
+                <a:ea typeface="Catamaran Light"/>
+                <a:cs typeface="Catamaran Light"/>
+                <a:sym typeface="Catamaran Light"/>
+              </a:rPr>
+              <a:t>: Typical ML development workflow</a:t>
             </a:r>
             <a:endParaRPr b="0" i="0" sz="1200" u="none" cap="none" strike="noStrike">
               <a:solidFill>
